--- a/Modul2/FY16Q2 Azure Hybrid (Hybrid IT 2015).pptx
+++ b/Modul2/FY16Q2 Azure Hybrid (Hybrid IT 2015).pptx
@@ -273,7 +273,7 @@
           <a:p>
             <a:fld id="{53E720BF-5BAB-4715-8B3B-2856BF90270A}" type="datetimeFigureOut">
               <a:rPr lang="de-DE" smtClean="0"/>
-              <a:t>21.10.2015</a:t>
+              <a:t>tt.12.jjjj</a:t>
             </a:fld>
             <a:endParaRPr lang="de-DE"/>
           </a:p>
@@ -438,7 +438,7 @@
           <a:p>
             <a:fld id="{9D9CDDDB-B493-4813-BA5B-F25DD0BAB6F6}" type="datetimeFigureOut">
               <a:rPr lang="en-US" smtClean="0"/>
-              <a:t>10/21/2015</a:t>
+              <a:t>12/t/jjjj</a:t>
             </a:fld>
             <a:endParaRPr lang="en-US"/>
           </a:p>
@@ -745,14 +745,14 @@
           </a:ln>
           <a:extLst>
             <a:ext uri="{909E8E84-426E-40dd-AFC4-6F175D3DCCD1}">
-              <a14:hiddenFill xmlns:a14="http://schemas.microsoft.com/office/drawing/2010/main" xmlns="">
+              <a14:hiddenFill xmlns="" xmlns:a14="http://schemas.microsoft.com/office/drawing/2010/main">
                 <a:solidFill>
                   <a:srgbClr val="FFFFFF"/>
                 </a:solidFill>
               </a14:hiddenFill>
             </a:ext>
             <a:ext uri="{FAA26D3D-D897-4be2-8F04-BA451C77F1D7}">
-              <ma14:placeholderFlag xmlns:ma14="http://schemas.microsoft.com/office/mac/drawingml/2011/main" xmlns="" val="1"/>
+              <ma14:placeholderFlag xmlns="" xmlns:ma14="http://schemas.microsoft.com/office/mac/drawingml/2011/main" val="1"/>
             </a:ext>
           </a:extLst>
         </p:spPr>
@@ -997,7 +997,7 @@
                 <a:latin typeface="Calibri" charset="0"/>
               </a:rPr>
               <a:pPr eaLnBrk="1" hangingPunct="1"/>
-              <a:t>10/21/2015</a:t>
+              <a:t>12/t/jjjj</a:t>
             </a:fld>
             <a:endParaRPr lang="en-US" sz="1200">
               <a:solidFill>
@@ -1445,7 +1445,7 @@
                 </a:solidFill>
               </a:rPr>
               <a:pPr/>
-              <a:t>10/21/2015</a:t>
+              <a:t>12/t/jjjj</a:t>
             </a:fld>
             <a:endParaRPr lang="en-US" dirty="0">
               <a:solidFill>
@@ -1677,7 +1677,7 @@
                 </a:solidFill>
               </a:rPr>
               <a:pPr/>
-              <a:t>10/21/2015</a:t>
+              <a:t>12/t/jjjj</a:t>
             </a:fld>
             <a:endParaRPr lang="en-US" dirty="0">
               <a:solidFill>
@@ -1918,7 +1918,7 @@
                 </a:solidFill>
               </a:rPr>
               <a:pPr/>
-              <a:t>10/21/2015</a:t>
+              <a:t>12/t/jjjj</a:t>
             </a:fld>
             <a:endParaRPr lang="en-US" dirty="0">
               <a:solidFill>
@@ -2080,7 +2080,7 @@
                   <a:prstClr val="black"/>
                 </a:solidFill>
               </a:rPr>
-              <a:t>10/21/2015 2:51 PM</a:t>
+              <a:t>12/t/jjjj 7:59 AM</a:t>
             </a:fld>
             <a:endParaRPr lang="en-US" dirty="0">
               <a:solidFill>
@@ -2327,14 +2327,14 @@
           </a:ln>
           <a:extLst>
             <a:ext uri="{909E8E84-426E-40dd-AFC4-6F175D3DCCD1}">
-              <a14:hiddenFill xmlns:a14="http://schemas.microsoft.com/office/drawing/2010/main" xmlns="">
+              <a14:hiddenFill xmlns="" xmlns:a14="http://schemas.microsoft.com/office/drawing/2010/main">
                 <a:solidFill>
                   <a:srgbClr val="FFFFFF"/>
                 </a:solidFill>
               </a14:hiddenFill>
             </a:ext>
             <a:ext uri="{91240B29-F687-4f45-9708-019B960494DF}">
-              <a14:hiddenLine xmlns:a14="http://schemas.microsoft.com/office/drawing/2010/main" xmlns="" w="9525">
+              <a14:hiddenLine xmlns="" xmlns:a14="http://schemas.microsoft.com/office/drawing/2010/main" w="9525">
                 <a:solidFill>
                   <a:srgbClr val="000000"/>
                 </a:solidFill>
@@ -2519,13 +2519,6 @@
   <p:transition>
     <p:fade/>
   </p:transition>
-  <p:timing>
-    <p:tnLst>
-      <p:par>
-        <p:cTn id="1" dur="indefinite" restart="never" nodeType="tmRoot"/>
-      </p:par>
-    </p:tnLst>
-  </p:timing>
 </p:sldLayout>
 </file>
 
@@ -2583,13 +2576,6 @@
   <p:transition>
     <p:fade/>
   </p:transition>
-  <p:timing>
-    <p:tnLst>
-      <p:par>
-        <p:cTn id="1" dur="indefinite" restart="never" nodeType="tmRoot"/>
-      </p:par>
-    </p:tnLst>
-  </p:timing>
 </p:sldLayout>
 </file>
 
@@ -2816,13 +2802,6 @@
   <p:transition spd="med">
     <p:fade/>
   </p:transition>
-  <p:timing>
-    <p:tnLst>
-      <p:par>
-        <p:cTn id="1" dur="indefinite" restart="never" nodeType="tmRoot"/>
-      </p:par>
-    </p:tnLst>
-  </p:timing>
 </p:sldLayout>
 </file>
 
@@ -2926,13 +2905,6 @@
   <p:transition spd="med">
     <p:fade/>
   </p:transition>
-  <p:timing>
-    <p:tnLst>
-      <p:par>
-        <p:cTn id="1" dur="indefinite" restart="never" nodeType="tmRoot"/>
-      </p:par>
-    </p:tnLst>
-  </p:timing>
 </p:sldLayout>
 </file>
 
@@ -3013,13 +2985,6 @@
   <p:transition spd="med">
     <p:fade/>
   </p:transition>
-  <p:timing>
-    <p:tnLst>
-      <p:par>
-        <p:cTn id="1" dur="indefinite" restart="never" nodeType="tmRoot"/>
-      </p:par>
-    </p:tnLst>
-  </p:timing>
 </p:sldLayout>
 </file>
 
@@ -3460,13 +3425,6 @@
   <p:transition>
     <p:fade/>
   </p:transition>
-  <p:timing>
-    <p:tnLst>
-      <p:par>
-        <p:cTn id="1" dur="indefinite" restart="never" nodeType="tmRoot"/>
-      </p:par>
-    </p:tnLst>
-  </p:timing>
 </p:sldLayout>
 </file>
 
@@ -3638,13 +3596,6 @@
   <p:transition>
     <p:fade/>
   </p:transition>
-  <p:timing>
-    <p:tnLst>
-      <p:par>
-        <p:cTn id="1" dur="indefinite" restart="never" nodeType="tmRoot"/>
-      </p:par>
-    </p:tnLst>
-  </p:timing>
 </p:sldLayout>
 </file>
 
@@ -3727,14 +3678,14 @@
           </a:ln>
           <a:extLst>
             <a:ext uri="{909E8E84-426E-40dd-AFC4-6F175D3DCCD1}">
-              <a14:hiddenFill xmlns:a14="http://schemas.microsoft.com/office/drawing/2010/main" xmlns="">
+              <a14:hiddenFill xmlns="" xmlns:a14="http://schemas.microsoft.com/office/drawing/2010/main">
                 <a:solidFill>
                   <a:srgbClr val="FFFFFF"/>
                 </a:solidFill>
               </a14:hiddenFill>
             </a:ext>
             <a:ext uri="{91240B29-F687-4f45-9708-019B960494DF}">
-              <a14:hiddenLine xmlns:a14="http://schemas.microsoft.com/office/drawing/2010/main" xmlns="" w="9525">
+              <a14:hiddenLine xmlns="" xmlns:a14="http://schemas.microsoft.com/office/drawing/2010/main" w="9525">
                 <a:solidFill>
                   <a:srgbClr val="000000"/>
                 </a:solidFill>
@@ -3744,7 +3695,7 @@
               </a14:hiddenLine>
             </a:ext>
             <a:ext uri="{FAA26D3D-D897-4be2-8F04-BA451C77F1D7}">
-              <ma14:placeholderFlag xmlns:ma14="http://schemas.microsoft.com/office/mac/drawingml/2011/main" xmlns="" val="1"/>
+              <ma14:placeholderFlag xmlns="" xmlns:ma14="http://schemas.microsoft.com/office/mac/drawingml/2011/main" val="1"/>
             </a:ext>
           </a:extLst>
         </p:spPr>
@@ -3925,13 +3876,6 @@
   <p:transition>
     <p:fade/>
   </p:transition>
-  <p:timing>
-    <p:tnLst>
-      <p:par>
-        <p:cTn id="1" dur="indefinite" restart="never" nodeType="tmRoot"/>
-      </p:par>
-    </p:tnLst>
-  </p:timing>
   <p:txStyles>
     <p:titleStyle>
       <a:lvl1pPr algn="l" defTabSz="931695" rtl="0" eaLnBrk="0" fontAlgn="base" hangingPunct="0">
@@ -4593,14 +4537,14 @@
           </a:ln>
           <a:extLst>
             <a:ext uri="{909E8E84-426E-40dd-AFC4-6F175D3DCCD1}">
-              <a14:hiddenFill xmlns:a14="http://schemas.microsoft.com/office/drawing/2010/main" xmlns="">
+              <a14:hiddenFill xmlns="" xmlns:a14="http://schemas.microsoft.com/office/drawing/2010/main">
                 <a:solidFill>
                   <a:srgbClr val="FFFFFF"/>
                 </a:solidFill>
               </a14:hiddenFill>
             </a:ext>
             <a:ext uri="{91240B29-F687-4f45-9708-019B960494DF}">
-              <a14:hiddenLine xmlns:a14="http://schemas.microsoft.com/office/drawing/2010/main" xmlns="" w="9525">
+              <a14:hiddenLine xmlns="" xmlns:a14="http://schemas.microsoft.com/office/drawing/2010/main" w="9525">
                 <a:solidFill>
                   <a:srgbClr val="000000"/>
                 </a:solidFill>
@@ -5250,13 +5194,6 @@
   <p:transition>
     <p:fade/>
   </p:transition>
-  <p:timing>
-    <p:tnLst>
-      <p:par>
-        <p:cTn id="1" dur="indefinite" restart="never" nodeType="tmRoot"/>
-      </p:par>
-    </p:tnLst>
-  </p:timing>
 </p:sld>
 </file>
 
@@ -18379,201 +18316,6 @@
           </a:p>
         </p:txBody>
       </p:sp>
-      <p:grpSp>
-        <p:nvGrpSpPr>
-          <p:cNvPr id="6" name="Group 5"/>
-          <p:cNvGrpSpPr/>
-          <p:nvPr/>
-        </p:nvGrpSpPr>
-        <p:grpSpPr>
-          <a:xfrm>
-            <a:off x="6203499" y="4925010"/>
-            <a:ext cx="5181821" cy="1603214"/>
-            <a:chOff x="6810148" y="4977493"/>
-            <a:chExt cx="4214130" cy="1295615"/>
-          </a:xfrm>
-        </p:grpSpPr>
-        <p:pic>
-          <p:nvPicPr>
-            <p:cNvPr id="7" name="Picture 6"/>
-            <p:cNvPicPr>
-              <a:picLocks noChangeAspect="1"/>
-            </p:cNvPicPr>
-            <p:nvPr/>
-          </p:nvPicPr>
-          <p:blipFill>
-            <a:blip r:embed="rId2">
-              <a:extLst>
-                <a:ext uri="{28A0092B-C50C-407E-A947-70E740481C1C}">
-                  <a14:useLocalDpi xmlns:a14="http://schemas.microsoft.com/office/drawing/2010/main" val="0"/>
-                </a:ext>
-              </a:extLst>
-            </a:blip>
-            <a:stretch>
-              <a:fillRect/>
-            </a:stretch>
-          </p:blipFill>
-          <p:spPr>
-            <a:xfrm>
-              <a:off x="6810148" y="4977493"/>
-              <a:ext cx="495300" cy="495300"/>
-            </a:xfrm>
-            <a:prstGeom prst="rect">
-              <a:avLst/>
-            </a:prstGeom>
-          </p:spPr>
-        </p:pic>
-        <p:pic>
-          <p:nvPicPr>
-            <p:cNvPr id="9" name="Picture 8"/>
-            <p:cNvPicPr>
-              <a:picLocks noChangeAspect="1"/>
-            </p:cNvPicPr>
-            <p:nvPr/>
-          </p:nvPicPr>
-          <p:blipFill>
-            <a:blip r:embed="rId3">
-              <a:extLst>
-                <a:ext uri="{28A0092B-C50C-407E-A947-70E740481C1C}">
-                  <a14:useLocalDpi xmlns:a14="http://schemas.microsoft.com/office/drawing/2010/main" val="0"/>
-                </a:ext>
-              </a:extLst>
-            </a:blip>
-            <a:stretch>
-              <a:fillRect/>
-            </a:stretch>
-          </p:blipFill>
-          <p:spPr>
-            <a:xfrm>
-              <a:off x="7554458" y="5025118"/>
-              <a:ext cx="933450" cy="447675"/>
-            </a:xfrm>
-            <a:prstGeom prst="rect">
-              <a:avLst/>
-            </a:prstGeom>
-          </p:spPr>
-        </p:pic>
-        <p:pic>
-          <p:nvPicPr>
-            <p:cNvPr id="10" name="Picture 9"/>
-            <p:cNvPicPr>
-              <a:picLocks noChangeAspect="1"/>
-            </p:cNvPicPr>
-            <p:nvPr/>
-          </p:nvPicPr>
-          <p:blipFill>
-            <a:blip r:embed="rId4">
-              <a:extLst>
-                <a:ext uri="{28A0092B-C50C-407E-A947-70E740481C1C}">
-                  <a14:useLocalDpi xmlns:a14="http://schemas.microsoft.com/office/drawing/2010/main" val="0"/>
-                </a:ext>
-              </a:extLst>
-            </a:blip>
-            <a:stretch>
-              <a:fillRect/>
-            </a:stretch>
-          </p:blipFill>
-          <p:spPr>
-            <a:xfrm>
-              <a:off x="8736918" y="5065993"/>
-              <a:ext cx="885825" cy="428625"/>
-            </a:xfrm>
-            <a:prstGeom prst="rect">
-              <a:avLst/>
-            </a:prstGeom>
-          </p:spPr>
-        </p:pic>
-        <p:pic>
-          <p:nvPicPr>
-            <p:cNvPr id="11" name="Picture 10"/>
-            <p:cNvPicPr>
-              <a:picLocks noChangeAspect="1"/>
-            </p:cNvPicPr>
-            <p:nvPr/>
-          </p:nvPicPr>
-          <p:blipFill>
-            <a:blip r:embed="rId5">
-              <a:extLst>
-                <a:ext uri="{28A0092B-C50C-407E-A947-70E740481C1C}">
-                  <a14:useLocalDpi xmlns:a14="http://schemas.microsoft.com/office/drawing/2010/main" val="0"/>
-                </a:ext>
-              </a:extLst>
-            </a:blip>
-            <a:stretch>
-              <a:fillRect/>
-            </a:stretch>
-          </p:blipFill>
-          <p:spPr>
-            <a:xfrm>
-              <a:off x="9871753" y="5096555"/>
-              <a:ext cx="1152525" cy="304800"/>
-            </a:xfrm>
-            <a:prstGeom prst="rect">
-              <a:avLst/>
-            </a:prstGeom>
-          </p:spPr>
-        </p:pic>
-        <p:pic>
-          <p:nvPicPr>
-            <p:cNvPr id="12" name="Picture 11"/>
-            <p:cNvPicPr>
-              <a:picLocks noChangeAspect="1"/>
-            </p:cNvPicPr>
-            <p:nvPr/>
-          </p:nvPicPr>
-          <p:blipFill>
-            <a:blip r:embed="rId6">
-              <a:extLst>
-                <a:ext uri="{28A0092B-C50C-407E-A947-70E740481C1C}">
-                  <a14:useLocalDpi xmlns:a14="http://schemas.microsoft.com/office/drawing/2010/main" val="0"/>
-                </a:ext>
-              </a:extLst>
-            </a:blip>
-            <a:stretch>
-              <a:fillRect/>
-            </a:stretch>
-          </p:blipFill>
-          <p:spPr>
-            <a:xfrm>
-              <a:off x="7308168" y="5796858"/>
-              <a:ext cx="1428750" cy="476250"/>
-            </a:xfrm>
-            <a:prstGeom prst="rect">
-              <a:avLst/>
-            </a:prstGeom>
-          </p:spPr>
-        </p:pic>
-        <p:pic>
-          <p:nvPicPr>
-            <p:cNvPr id="13" name="Picture 12"/>
-            <p:cNvPicPr>
-              <a:picLocks noChangeAspect="1"/>
-            </p:cNvPicPr>
-            <p:nvPr/>
-          </p:nvPicPr>
-          <p:blipFill>
-            <a:blip r:embed="rId7">
-              <a:extLst>
-                <a:ext uri="{28A0092B-C50C-407E-A947-70E740481C1C}">
-                  <a14:useLocalDpi xmlns:a14="http://schemas.microsoft.com/office/drawing/2010/main" val="0"/>
-                </a:ext>
-              </a:extLst>
-            </a:blip>
-            <a:stretch>
-              <a:fillRect/>
-            </a:stretch>
-          </p:blipFill>
-          <p:spPr>
-            <a:xfrm>
-              <a:off x="9109753" y="5796858"/>
-              <a:ext cx="762000" cy="419100"/>
-            </a:xfrm>
-            <a:prstGeom prst="rect">
-              <a:avLst/>
-            </a:prstGeom>
-          </p:spPr>
-        </p:pic>
-      </p:grpSp>
     </p:spTree>
     <p:extLst>
       <p:ext uri="{BB962C8B-B14F-4D97-AF65-F5344CB8AC3E}">
@@ -18587,119 +18329,6 @@
   <p:transition spd="slow">
     <p:fade/>
   </p:transition>
-  <p:timing>
-    <p:tnLst>
-      <p:par>
-        <p:cTn id="1" dur="indefinite" restart="never" nodeType="tmRoot">
-          <p:childTnLst>
-            <p:seq concurrent="1" nextAc="seek">
-              <p:cTn id="2" dur="indefinite" nodeType="mainSeq">
-                <p:childTnLst>
-                  <p:par>
-                    <p:cTn id="3" fill="hold">
-                      <p:stCondLst>
-                        <p:cond delay="indefinite"/>
-                      </p:stCondLst>
-                      <p:childTnLst>
-                        <p:par>
-                          <p:cTn id="4" fill="hold">
-                            <p:stCondLst>
-                              <p:cond delay="0"/>
-                            </p:stCondLst>
-                            <p:childTnLst>
-                              <p:par>
-                                <p:cTn id="5" presetID="52" presetClass="entr" presetSubtype="0" fill="hold" nodeType="clickEffect">
-                                  <p:stCondLst>
-                                    <p:cond delay="0"/>
-                                  </p:stCondLst>
-                                  <p:childTnLst>
-                                    <p:set>
-                                      <p:cBhvr>
-                                        <p:cTn id="6" dur="1" fill="hold">
-                                          <p:stCondLst>
-                                            <p:cond delay="0"/>
-                                          </p:stCondLst>
-                                        </p:cTn>
-                                        <p:tgtEl>
-                                          <p:spTgt spid="6"/>
-                                        </p:tgtEl>
-                                        <p:attrNameLst>
-                                          <p:attrName>style.visibility</p:attrName>
-                                        </p:attrNameLst>
-                                      </p:cBhvr>
-                                      <p:to>
-                                        <p:strVal val="visible"/>
-                                      </p:to>
-                                    </p:set>
-                                    <p:animScale>
-                                      <p:cBhvr>
-                                        <p:cTn id="7" dur="500" decel="50000" fill="hold">
-                                          <p:stCondLst>
-                                            <p:cond delay="0"/>
-                                          </p:stCondLst>
-                                        </p:cTn>
-                                        <p:tgtEl>
-                                          <p:spTgt spid="6"/>
-                                        </p:tgtEl>
-                                      </p:cBhvr>
-                                      <p:from x="250000" y="250000"/>
-                                      <p:to x="100000" y="100000"/>
-                                    </p:animScale>
-                                    <p:animMotion origin="layout" path="M -0.46736 0.92887  C -0.37517 0.88508  -0.02552 0.75279  0.0908 0.66613  C  0.20747 0.57948  0.21649 0.50394  0.23177 0.40825  C 0.24705 0.31256  0.22118 0.15964   0.18264 0.09152  C 0.1441 0.02341  0.03802 0.0  0.0 0.0  " pathEditMode="relative" ptsTypes="">
-                                      <p:cBhvr>
-                                        <p:cTn id="8" dur="500" decel="50000" fill="hold">
-                                          <p:stCondLst>
-                                            <p:cond delay="0"/>
-                                          </p:stCondLst>
-                                        </p:cTn>
-                                        <p:tgtEl>
-                                          <p:spTgt spid="6"/>
-                                        </p:tgtEl>
-                                        <p:attrNameLst>
-                                          <p:attrName>ppt_x</p:attrName>
-                                          <p:attrName>ppt_y</p:attrName>
-                                        </p:attrNameLst>
-                                      </p:cBhvr>
-                                    </p:animMotion>
-                                    <p:animEffect transition="in" filter="fade">
-                                      <p:cBhvr>
-                                        <p:cTn id="9" dur="500"/>
-                                        <p:tgtEl>
-                                          <p:spTgt spid="6"/>
-                                        </p:tgtEl>
-                                      </p:cBhvr>
-                                    </p:animEffect>
-                                  </p:childTnLst>
-                                </p:cTn>
-                              </p:par>
-                            </p:childTnLst>
-                          </p:cTn>
-                        </p:par>
-                      </p:childTnLst>
-                    </p:cTn>
-                  </p:par>
-                </p:childTnLst>
-              </p:cTn>
-              <p:prevCondLst>
-                <p:cond evt="onPrev" delay="0">
-                  <p:tgtEl>
-                    <p:sldTgt/>
-                  </p:tgtEl>
-                </p:cond>
-              </p:prevCondLst>
-              <p:nextCondLst>
-                <p:cond evt="onNext" delay="0">
-                  <p:tgtEl>
-                    <p:sldTgt/>
-                  </p:tgtEl>
-                </p:cond>
-              </p:nextCondLst>
-            </p:seq>
-          </p:childTnLst>
-        </p:cTn>
-      </p:par>
-    </p:tnLst>
-  </p:timing>
 </p:sld>
 </file>
 
@@ -23790,7 +23419,7 @@
                 </a:ln>
                 <a:extLst>
                   <a:ext uri="{91240B29-F687-4f45-9708-019B960494DF}">
-                    <a14:hiddenLine xmlns:a14="http://schemas.microsoft.com/office/drawing/2010/main" xmlns="" w="9525">
+                    <a14:hiddenLine xmlns="" xmlns:a14="http://schemas.microsoft.com/office/drawing/2010/main" w="9525">
                       <a:solidFill>
                         <a:srgbClr val="000000"/>
                       </a:solidFill>
@@ -23892,7 +23521,7 @@
                 </a:ln>
                 <a:extLst>
                   <a:ext uri="{91240B29-F687-4f45-9708-019B960494DF}">
-                    <a14:hiddenLine xmlns:a14="http://schemas.microsoft.com/office/drawing/2010/main" xmlns="" w="9525">
+                    <a14:hiddenLine xmlns="" xmlns:a14="http://schemas.microsoft.com/office/drawing/2010/main" w="9525">
                       <a:solidFill>
                         <a:srgbClr val="000000"/>
                       </a:solidFill>
@@ -23994,7 +23623,7 @@
                 </a:ln>
                 <a:extLst>
                   <a:ext uri="{91240B29-F687-4f45-9708-019B960494DF}">
-                    <a14:hiddenLine xmlns:a14="http://schemas.microsoft.com/office/drawing/2010/main" xmlns="" w="9525">
+                    <a14:hiddenLine xmlns="" xmlns:a14="http://schemas.microsoft.com/office/drawing/2010/main" w="9525">
                       <a:solidFill>
                         <a:srgbClr val="000000"/>
                       </a:solidFill>
@@ -24096,7 +23725,7 @@
                 </a:ln>
                 <a:extLst>
                   <a:ext uri="{91240B29-F687-4f45-9708-019B960494DF}">
-                    <a14:hiddenLine xmlns:a14="http://schemas.microsoft.com/office/drawing/2010/main" xmlns="" w="9525">
+                    <a14:hiddenLine xmlns="" xmlns:a14="http://schemas.microsoft.com/office/drawing/2010/main" w="9525">
                       <a:solidFill>
                         <a:srgbClr val="000000"/>
                       </a:solidFill>
@@ -24164,7 +23793,7 @@
                 </a:ln>
                 <a:extLst>
                   <a:ext uri="{91240B29-F687-4f45-9708-019B960494DF}">
-                    <a14:hiddenLine xmlns:a14="http://schemas.microsoft.com/office/drawing/2010/main" xmlns="" w="9525">
+                    <a14:hiddenLine xmlns="" xmlns:a14="http://schemas.microsoft.com/office/drawing/2010/main" w="9525">
                       <a:solidFill>
                         <a:srgbClr val="000000"/>
                       </a:solidFill>
@@ -24266,7 +23895,7 @@
                 </a:ln>
                 <a:extLst>
                   <a:ext uri="{91240B29-F687-4f45-9708-019B960494DF}">
-                    <a14:hiddenLine xmlns:a14="http://schemas.microsoft.com/office/drawing/2010/main" xmlns="" w="9525">
+                    <a14:hiddenLine xmlns="" xmlns:a14="http://schemas.microsoft.com/office/drawing/2010/main" w="9525">
                       <a:solidFill>
                         <a:srgbClr val="000000"/>
                       </a:solidFill>
@@ -24368,7 +23997,7 @@
                 </a:ln>
                 <a:extLst>
                   <a:ext uri="{91240B29-F687-4f45-9708-019B960494DF}">
-                    <a14:hiddenLine xmlns:a14="http://schemas.microsoft.com/office/drawing/2010/main" xmlns="" w="9525">
+                    <a14:hiddenLine xmlns="" xmlns:a14="http://schemas.microsoft.com/office/drawing/2010/main" w="9525">
                       <a:solidFill>
                         <a:srgbClr val="000000"/>
                       </a:solidFill>
@@ -24470,7 +24099,7 @@
                 </a:ln>
                 <a:extLst>
                   <a:ext uri="{91240B29-F687-4f45-9708-019B960494DF}">
-                    <a14:hiddenLine xmlns:a14="http://schemas.microsoft.com/office/drawing/2010/main" xmlns="" w="9525">
+                    <a14:hiddenLine xmlns="" xmlns:a14="http://schemas.microsoft.com/office/drawing/2010/main" w="9525">
                       <a:solidFill>
                         <a:srgbClr val="000000"/>
                       </a:solidFill>
@@ -24538,7 +24167,7 @@
                 </a:ln>
                 <a:extLst>
                   <a:ext uri="{91240B29-F687-4f45-9708-019B960494DF}">
-                    <a14:hiddenLine xmlns:a14="http://schemas.microsoft.com/office/drawing/2010/main" xmlns="" w="9525">
+                    <a14:hiddenLine xmlns="" xmlns:a14="http://schemas.microsoft.com/office/drawing/2010/main" w="9525">
                       <a:solidFill>
                         <a:srgbClr val="000000"/>
                       </a:solidFill>
@@ -24640,7 +24269,7 @@
                 </a:ln>
                 <a:extLst>
                   <a:ext uri="{91240B29-F687-4f45-9708-019B960494DF}">
-                    <a14:hiddenLine xmlns:a14="http://schemas.microsoft.com/office/drawing/2010/main" xmlns="" w="9525">
+                    <a14:hiddenLine xmlns="" xmlns:a14="http://schemas.microsoft.com/office/drawing/2010/main" w="9525">
                       <a:solidFill>
                         <a:srgbClr val="000000"/>
                       </a:solidFill>
@@ -24739,14 +24368,14 @@
                 </a:ln>
                 <a:extLst>
                   <a:ext uri="{909E8E84-426E-40dd-AFC4-6F175D3DCCD1}">
-                    <a14:hiddenFill xmlns:a14="http://schemas.microsoft.com/office/drawing/2010/main" xmlns="">
+                    <a14:hiddenFill xmlns="" xmlns:a14="http://schemas.microsoft.com/office/drawing/2010/main">
                       <a:solidFill>
                         <a:srgbClr val="FFFFFF"/>
                       </a:solidFill>
                     </a14:hiddenFill>
                   </a:ext>
                   <a:ext uri="{91240B29-F687-4f45-9708-019B960494DF}">
-                    <a14:hiddenLine xmlns:a14="http://schemas.microsoft.com/office/drawing/2010/main" xmlns="" w="9525">
+                    <a14:hiddenLine xmlns="" xmlns:a14="http://schemas.microsoft.com/office/drawing/2010/main" w="9525">
                       <a:solidFill>
                         <a:srgbClr val="000000"/>
                       </a:solidFill>
@@ -24848,7 +24477,7 @@
                 </a:ln>
                 <a:extLst>
                   <a:ext uri="{91240B29-F687-4f45-9708-019B960494DF}">
-                    <a14:hiddenLine xmlns:a14="http://schemas.microsoft.com/office/drawing/2010/main" xmlns="" w="9525">
+                    <a14:hiddenLine xmlns="" xmlns:a14="http://schemas.microsoft.com/office/drawing/2010/main" w="9525">
                       <a:solidFill>
                         <a:srgbClr val="000000"/>
                       </a:solidFill>
@@ -24950,7 +24579,7 @@
                 </a:ln>
                 <a:extLst>
                   <a:ext uri="{91240B29-F687-4f45-9708-019B960494DF}">
-                    <a14:hiddenLine xmlns:a14="http://schemas.microsoft.com/office/drawing/2010/main" xmlns="" w="9525">
+                    <a14:hiddenLine xmlns="" xmlns:a14="http://schemas.microsoft.com/office/drawing/2010/main" w="9525">
                       <a:solidFill>
                         <a:srgbClr val="000000"/>
                       </a:solidFill>
@@ -25018,7 +24647,7 @@
                 </a:ln>
                 <a:extLst>
                   <a:ext uri="{91240B29-F687-4f45-9708-019B960494DF}">
-                    <a14:hiddenLine xmlns:a14="http://schemas.microsoft.com/office/drawing/2010/main" xmlns="" w="9525">
+                    <a14:hiddenLine xmlns="" xmlns:a14="http://schemas.microsoft.com/office/drawing/2010/main" w="9525">
                       <a:solidFill>
                         <a:srgbClr val="000000"/>
                       </a:solidFill>
@@ -25120,7 +24749,7 @@
                 </a:ln>
                 <a:extLst>
                   <a:ext uri="{91240B29-F687-4f45-9708-019B960494DF}">
-                    <a14:hiddenLine xmlns:a14="http://schemas.microsoft.com/office/drawing/2010/main" xmlns="" w="9525">
+                    <a14:hiddenLine xmlns="" xmlns:a14="http://schemas.microsoft.com/office/drawing/2010/main" w="9525">
                       <a:solidFill>
                         <a:srgbClr val="000000"/>
                       </a:solidFill>
@@ -25222,7 +24851,7 @@
                 </a:ln>
                 <a:extLst>
                   <a:ext uri="{91240B29-F687-4f45-9708-019B960494DF}">
-                    <a14:hiddenLine xmlns:a14="http://schemas.microsoft.com/office/drawing/2010/main" xmlns="" w="9525">
+                    <a14:hiddenLine xmlns="" xmlns:a14="http://schemas.microsoft.com/office/drawing/2010/main" w="9525">
                       <a:solidFill>
                         <a:srgbClr val="000000"/>
                       </a:solidFill>
@@ -25324,7 +24953,7 @@
                 </a:ln>
                 <a:extLst>
                   <a:ext uri="{91240B29-F687-4f45-9708-019B960494DF}">
-                    <a14:hiddenLine xmlns:a14="http://schemas.microsoft.com/office/drawing/2010/main" xmlns="" w="9525">
+                    <a14:hiddenLine xmlns="" xmlns:a14="http://schemas.microsoft.com/office/drawing/2010/main" w="9525">
                       <a:solidFill>
                         <a:srgbClr val="000000"/>
                       </a:solidFill>
@@ -25392,7 +25021,7 @@
                 </a:ln>
                 <a:extLst>
                   <a:ext uri="{91240B29-F687-4f45-9708-019B960494DF}">
-                    <a14:hiddenLine xmlns:a14="http://schemas.microsoft.com/office/drawing/2010/main" xmlns="" w="9525">
+                    <a14:hiddenLine xmlns="" xmlns:a14="http://schemas.microsoft.com/office/drawing/2010/main" w="9525">
                       <a:solidFill>
                         <a:srgbClr val="000000"/>
                       </a:solidFill>
@@ -25494,7 +25123,7 @@
                 </a:ln>
                 <a:extLst>
                   <a:ext uri="{91240B29-F687-4f45-9708-019B960494DF}">
-                    <a14:hiddenLine xmlns:a14="http://schemas.microsoft.com/office/drawing/2010/main" xmlns="" w="9525">
+                    <a14:hiddenLine xmlns="" xmlns:a14="http://schemas.microsoft.com/office/drawing/2010/main" w="9525">
                       <a:solidFill>
                         <a:srgbClr val="000000"/>
                       </a:solidFill>
@@ -25596,7 +25225,7 @@
                 </a:ln>
                 <a:extLst>
                   <a:ext uri="{91240B29-F687-4f45-9708-019B960494DF}">
-                    <a14:hiddenLine xmlns:a14="http://schemas.microsoft.com/office/drawing/2010/main" xmlns="" w="9525">
+                    <a14:hiddenLine xmlns="" xmlns:a14="http://schemas.microsoft.com/office/drawing/2010/main" w="9525">
                       <a:solidFill>
                         <a:srgbClr val="000000"/>
                       </a:solidFill>
@@ -25698,7 +25327,7 @@
                 </a:ln>
                 <a:extLst>
                   <a:ext uri="{91240B29-F687-4f45-9708-019B960494DF}">
-                    <a14:hiddenLine xmlns:a14="http://schemas.microsoft.com/office/drawing/2010/main" xmlns="" w="9525">
+                    <a14:hiddenLine xmlns="" xmlns:a14="http://schemas.microsoft.com/office/drawing/2010/main" w="9525">
                       <a:solidFill>
                         <a:srgbClr val="000000"/>
                       </a:solidFill>
@@ -25766,7 +25395,7 @@
                 </a:ln>
                 <a:extLst>
                   <a:ext uri="{91240B29-F687-4f45-9708-019B960494DF}">
-                    <a14:hiddenLine xmlns:a14="http://schemas.microsoft.com/office/drawing/2010/main" xmlns="" w="9525">
+                    <a14:hiddenLine xmlns="" xmlns:a14="http://schemas.microsoft.com/office/drawing/2010/main" w="9525">
                       <a:solidFill>
                         <a:srgbClr val="000000"/>
                       </a:solidFill>
@@ -25868,7 +25497,7 @@
                 </a:ln>
                 <a:extLst>
                   <a:ext uri="{91240B29-F687-4f45-9708-019B960494DF}">
-                    <a14:hiddenLine xmlns:a14="http://schemas.microsoft.com/office/drawing/2010/main" xmlns="" w="9525">
+                    <a14:hiddenLine xmlns="" xmlns:a14="http://schemas.microsoft.com/office/drawing/2010/main" w="9525">
                       <a:solidFill>
                         <a:srgbClr val="000000"/>
                       </a:solidFill>
@@ -25967,14 +25596,14 @@
                 </a:ln>
                 <a:extLst>
                   <a:ext uri="{909E8E84-426E-40dd-AFC4-6F175D3DCCD1}">
-                    <a14:hiddenFill xmlns:a14="http://schemas.microsoft.com/office/drawing/2010/main" xmlns="">
+                    <a14:hiddenFill xmlns="" xmlns:a14="http://schemas.microsoft.com/office/drawing/2010/main">
                       <a:solidFill>
                         <a:srgbClr val="FFFFFF"/>
                       </a:solidFill>
                     </a14:hiddenFill>
                   </a:ext>
                   <a:ext uri="{91240B29-F687-4f45-9708-019B960494DF}">
-                    <a14:hiddenLine xmlns:a14="http://schemas.microsoft.com/office/drawing/2010/main" xmlns="" w="9525">
+                    <a14:hiddenLine xmlns="" xmlns:a14="http://schemas.microsoft.com/office/drawing/2010/main" w="9525">
                       <a:solidFill>
                         <a:srgbClr val="000000"/>
                       </a:solidFill>
@@ -26076,7 +25705,7 @@
                 </a:ln>
                 <a:extLst>
                   <a:ext uri="{91240B29-F687-4f45-9708-019B960494DF}">
-                    <a14:hiddenLine xmlns:a14="http://schemas.microsoft.com/office/drawing/2010/main" xmlns="" w="9525">
+                    <a14:hiddenLine xmlns="" xmlns:a14="http://schemas.microsoft.com/office/drawing/2010/main" w="9525">
                       <a:solidFill>
                         <a:srgbClr val="000000"/>
                       </a:solidFill>
@@ -26178,7 +25807,7 @@
                 </a:ln>
                 <a:extLst>
                   <a:ext uri="{91240B29-F687-4f45-9708-019B960494DF}">
-                    <a14:hiddenLine xmlns:a14="http://schemas.microsoft.com/office/drawing/2010/main" xmlns="" w="9525">
+                    <a14:hiddenLine xmlns="" xmlns:a14="http://schemas.microsoft.com/office/drawing/2010/main" w="9525">
                       <a:solidFill>
                         <a:srgbClr val="000000"/>
                       </a:solidFill>
@@ -27992,7 +27621,7 @@
                 </a:ln>
                 <a:extLst>
                   <a:ext uri="{91240B29-F687-4f45-9708-019B960494DF}">
-                    <a14:hiddenLine xmlns:a14="http://schemas.microsoft.com/office/drawing/2010/main" xmlns="" w="9525">
+                    <a14:hiddenLine xmlns="" xmlns:a14="http://schemas.microsoft.com/office/drawing/2010/main" w="9525">
                       <a:solidFill>
                         <a:srgbClr val="000000"/>
                       </a:solidFill>
@@ -28094,7 +27723,7 @@
                 </a:ln>
                 <a:extLst>
                   <a:ext uri="{91240B29-F687-4f45-9708-019B960494DF}">
-                    <a14:hiddenLine xmlns:a14="http://schemas.microsoft.com/office/drawing/2010/main" xmlns="" w="9525">
+                    <a14:hiddenLine xmlns="" xmlns:a14="http://schemas.microsoft.com/office/drawing/2010/main" w="9525">
                       <a:solidFill>
                         <a:srgbClr val="000000"/>
                       </a:solidFill>
@@ -28193,14 +27822,14 @@
                 </a:ln>
                 <a:extLst>
                   <a:ext uri="{909E8E84-426E-40dd-AFC4-6F175D3DCCD1}">
-                    <a14:hiddenFill xmlns:a14="http://schemas.microsoft.com/office/drawing/2010/main" xmlns="">
+                    <a14:hiddenFill xmlns="" xmlns:a14="http://schemas.microsoft.com/office/drawing/2010/main">
                       <a:solidFill>
                         <a:srgbClr val="FFFFFF"/>
                       </a:solidFill>
                     </a14:hiddenFill>
                   </a:ext>
                   <a:ext uri="{91240B29-F687-4f45-9708-019B960494DF}">
-                    <a14:hiddenLine xmlns:a14="http://schemas.microsoft.com/office/drawing/2010/main" xmlns="" w="9525">
+                    <a14:hiddenLine xmlns="" xmlns:a14="http://schemas.microsoft.com/office/drawing/2010/main" w="9525">
                       <a:solidFill>
                         <a:srgbClr val="000000"/>
                       </a:solidFill>
@@ -28302,7 +27931,7 @@
                 </a:ln>
                 <a:extLst>
                   <a:ext uri="{91240B29-F687-4f45-9708-019B960494DF}">
-                    <a14:hiddenLine xmlns:a14="http://schemas.microsoft.com/office/drawing/2010/main" xmlns="" w="9525">
+                    <a14:hiddenLine xmlns="" xmlns:a14="http://schemas.microsoft.com/office/drawing/2010/main" w="9525">
                       <a:solidFill>
                         <a:srgbClr val="000000"/>
                       </a:solidFill>
@@ -28404,7 +28033,7 @@
                 </a:ln>
                 <a:extLst>
                   <a:ext uri="{91240B29-F687-4f45-9708-019B960494DF}">
-                    <a14:hiddenLine xmlns:a14="http://schemas.microsoft.com/office/drawing/2010/main" xmlns="" w="9525">
+                    <a14:hiddenLine xmlns="" xmlns:a14="http://schemas.microsoft.com/office/drawing/2010/main" w="9525">
                       <a:solidFill>
                         <a:srgbClr val="000000"/>
                       </a:solidFill>
@@ -28472,7 +28101,7 @@
                 </a:ln>
                 <a:extLst>
                   <a:ext uri="{91240B29-F687-4f45-9708-019B960494DF}">
-                    <a14:hiddenLine xmlns:a14="http://schemas.microsoft.com/office/drawing/2010/main" xmlns="" w="9525">
+                    <a14:hiddenLine xmlns="" xmlns:a14="http://schemas.microsoft.com/office/drawing/2010/main" w="9525">
                       <a:solidFill>
                         <a:srgbClr val="000000"/>
                       </a:solidFill>
@@ -28574,7 +28203,7 @@
                 </a:ln>
                 <a:extLst>
                   <a:ext uri="{91240B29-F687-4f45-9708-019B960494DF}">
-                    <a14:hiddenLine xmlns:a14="http://schemas.microsoft.com/office/drawing/2010/main" xmlns="" w="9525">
+                    <a14:hiddenLine xmlns="" xmlns:a14="http://schemas.microsoft.com/office/drawing/2010/main" w="9525">
                       <a:solidFill>
                         <a:srgbClr val="000000"/>
                       </a:solidFill>
@@ -28676,7 +28305,7 @@
                 </a:ln>
                 <a:extLst>
                   <a:ext uri="{91240B29-F687-4f45-9708-019B960494DF}">
-                    <a14:hiddenLine xmlns:a14="http://schemas.microsoft.com/office/drawing/2010/main" xmlns="" w="9525">
+                    <a14:hiddenLine xmlns="" xmlns:a14="http://schemas.microsoft.com/office/drawing/2010/main" w="9525">
                       <a:solidFill>
                         <a:srgbClr val="000000"/>
                       </a:solidFill>
@@ -28778,7 +28407,7 @@
                 </a:ln>
                 <a:extLst>
                   <a:ext uri="{91240B29-F687-4f45-9708-019B960494DF}">
-                    <a14:hiddenLine xmlns:a14="http://schemas.microsoft.com/office/drawing/2010/main" xmlns="" w="9525">
+                    <a14:hiddenLine xmlns="" xmlns:a14="http://schemas.microsoft.com/office/drawing/2010/main" w="9525">
                       <a:solidFill>
                         <a:srgbClr val="000000"/>
                       </a:solidFill>
@@ -28846,7 +28475,7 @@
                 </a:ln>
                 <a:extLst>
                   <a:ext uri="{91240B29-F687-4f45-9708-019B960494DF}">
-                    <a14:hiddenLine xmlns:a14="http://schemas.microsoft.com/office/drawing/2010/main" xmlns="" w="9525">
+                    <a14:hiddenLine xmlns="" xmlns:a14="http://schemas.microsoft.com/office/drawing/2010/main" w="9525">
                       <a:solidFill>
                         <a:srgbClr val="000000"/>
                       </a:solidFill>
@@ -28948,7 +28577,7 @@
                 </a:ln>
                 <a:extLst>
                   <a:ext uri="{91240B29-F687-4f45-9708-019B960494DF}">
-                    <a14:hiddenLine xmlns:a14="http://schemas.microsoft.com/office/drawing/2010/main" xmlns="" w="9525">
+                    <a14:hiddenLine xmlns="" xmlns:a14="http://schemas.microsoft.com/office/drawing/2010/main" w="9525">
                       <a:solidFill>
                         <a:srgbClr val="000000"/>
                       </a:solidFill>
@@ -29050,7 +28679,7 @@
                 </a:ln>
                 <a:extLst>
                   <a:ext uri="{91240B29-F687-4f45-9708-019B960494DF}">
-                    <a14:hiddenLine xmlns:a14="http://schemas.microsoft.com/office/drawing/2010/main" xmlns="" w="9525">
+                    <a14:hiddenLine xmlns="" xmlns:a14="http://schemas.microsoft.com/office/drawing/2010/main" w="9525">
                       <a:solidFill>
                         <a:srgbClr val="000000"/>
                       </a:solidFill>
@@ -29152,7 +28781,7 @@
                 </a:ln>
                 <a:extLst>
                   <a:ext uri="{91240B29-F687-4f45-9708-019B960494DF}">
-                    <a14:hiddenLine xmlns:a14="http://schemas.microsoft.com/office/drawing/2010/main" xmlns="" w="9525">
+                    <a14:hiddenLine xmlns="" xmlns:a14="http://schemas.microsoft.com/office/drawing/2010/main" w="9525">
                       <a:solidFill>
                         <a:srgbClr val="000000"/>
                       </a:solidFill>
@@ -29691,7 +29320,7 @@
                 </a:ln>
                 <a:extLst>
                   <a:ext uri="{91240B29-F687-4f45-9708-019B960494DF}">
-                    <a14:hiddenLine xmlns:a14="http://schemas.microsoft.com/office/drawing/2010/main" xmlns="" w="9525">
+                    <a14:hiddenLine xmlns="" xmlns:a14="http://schemas.microsoft.com/office/drawing/2010/main" w="9525">
                       <a:solidFill>
                         <a:srgbClr val="000000"/>
                       </a:solidFill>
@@ -29751,7 +29380,7 @@
                 </a:ln>
                 <a:extLst>
                   <a:ext uri="{91240B29-F687-4f45-9708-019B960494DF}">
-                    <a14:hiddenLine xmlns:a14="http://schemas.microsoft.com/office/drawing/2010/main" xmlns="" w="9525">
+                    <a14:hiddenLine xmlns="" xmlns:a14="http://schemas.microsoft.com/office/drawing/2010/main" w="9525">
                       <a:solidFill>
                         <a:srgbClr val="000000"/>
                       </a:solidFill>
@@ -29809,14 +29438,14 @@
                 </a:ln>
                 <a:extLst>
                   <a:ext uri="{909E8E84-426E-40dd-AFC4-6F175D3DCCD1}">
-                    <a14:hiddenFill xmlns:a14="http://schemas.microsoft.com/office/drawing/2010/main" xmlns="">
+                    <a14:hiddenFill xmlns="" xmlns:a14="http://schemas.microsoft.com/office/drawing/2010/main">
                       <a:solidFill>
                         <a:srgbClr val="FFFFFF"/>
                       </a:solidFill>
                     </a14:hiddenFill>
                   </a:ext>
                   <a:ext uri="{91240B29-F687-4f45-9708-019B960494DF}">
-                    <a14:hiddenLine xmlns:a14="http://schemas.microsoft.com/office/drawing/2010/main" xmlns="" w="9525">
+                    <a14:hiddenLine xmlns="" xmlns:a14="http://schemas.microsoft.com/office/drawing/2010/main" w="9525">
                       <a:solidFill>
                         <a:srgbClr val="000000"/>
                       </a:solidFill>
@@ -29876,7 +29505,7 @@
                 </a:ln>
                 <a:extLst>
                   <a:ext uri="{91240B29-F687-4f45-9708-019B960494DF}">
-                    <a14:hiddenLine xmlns:a14="http://schemas.microsoft.com/office/drawing/2010/main" xmlns="" w="9525">
+                    <a14:hiddenLine xmlns="" xmlns:a14="http://schemas.microsoft.com/office/drawing/2010/main" w="9525">
                       <a:solidFill>
                         <a:srgbClr val="000000"/>
                       </a:solidFill>
@@ -29934,14 +29563,14 @@
                 </a:ln>
                 <a:extLst>
                   <a:ext uri="{909E8E84-426E-40dd-AFC4-6F175D3DCCD1}">
-                    <a14:hiddenFill xmlns:a14="http://schemas.microsoft.com/office/drawing/2010/main" xmlns="">
+                    <a14:hiddenFill xmlns="" xmlns:a14="http://schemas.microsoft.com/office/drawing/2010/main">
                       <a:solidFill>
                         <a:srgbClr val="FFFFFF"/>
                       </a:solidFill>
                     </a14:hiddenFill>
                   </a:ext>
                   <a:ext uri="{91240B29-F687-4f45-9708-019B960494DF}">
-                    <a14:hiddenLine xmlns:a14="http://schemas.microsoft.com/office/drawing/2010/main" xmlns="" w="9525">
+                    <a14:hiddenLine xmlns="" xmlns:a14="http://schemas.microsoft.com/office/drawing/2010/main" w="9525">
                       <a:solidFill>
                         <a:srgbClr val="000000"/>
                       </a:solidFill>
@@ -30001,7 +29630,7 @@
                 </a:ln>
                 <a:extLst>
                   <a:ext uri="{91240B29-F687-4f45-9708-019B960494DF}">
-                    <a14:hiddenLine xmlns:a14="http://schemas.microsoft.com/office/drawing/2010/main" xmlns="" w="9525">
+                    <a14:hiddenLine xmlns="" xmlns:a14="http://schemas.microsoft.com/office/drawing/2010/main" w="9525">
                       <a:solidFill>
                         <a:srgbClr val="000000"/>
                       </a:solidFill>
@@ -30059,14 +29688,14 @@
                 </a:ln>
                 <a:extLst>
                   <a:ext uri="{909E8E84-426E-40dd-AFC4-6F175D3DCCD1}">
-                    <a14:hiddenFill xmlns:a14="http://schemas.microsoft.com/office/drawing/2010/main" xmlns="">
+                    <a14:hiddenFill xmlns="" xmlns:a14="http://schemas.microsoft.com/office/drawing/2010/main">
                       <a:solidFill>
                         <a:srgbClr val="FFFFFF"/>
                       </a:solidFill>
                     </a14:hiddenFill>
                   </a:ext>
                   <a:ext uri="{91240B29-F687-4f45-9708-019B960494DF}">
-                    <a14:hiddenLine xmlns:a14="http://schemas.microsoft.com/office/drawing/2010/main" xmlns="" w="9525">
+                    <a14:hiddenLine xmlns="" xmlns:a14="http://schemas.microsoft.com/office/drawing/2010/main" w="9525">
                       <a:solidFill>
                         <a:srgbClr val="000000"/>
                       </a:solidFill>
@@ -30126,7 +29755,7 @@
                 </a:ln>
                 <a:extLst>
                   <a:ext uri="{91240B29-F687-4f45-9708-019B960494DF}">
-                    <a14:hiddenLine xmlns:a14="http://schemas.microsoft.com/office/drawing/2010/main" xmlns="" w="9525">
+                    <a14:hiddenLine xmlns="" xmlns:a14="http://schemas.microsoft.com/office/drawing/2010/main" w="9525">
                       <a:solidFill>
                         <a:srgbClr val="000000"/>
                       </a:solidFill>
@@ -30184,14 +29813,14 @@
                 </a:ln>
                 <a:extLst>
                   <a:ext uri="{909E8E84-426E-40dd-AFC4-6F175D3DCCD1}">
-                    <a14:hiddenFill xmlns:a14="http://schemas.microsoft.com/office/drawing/2010/main" xmlns="">
+                    <a14:hiddenFill xmlns="" xmlns:a14="http://schemas.microsoft.com/office/drawing/2010/main">
                       <a:solidFill>
                         <a:srgbClr val="FFFFFF"/>
                       </a:solidFill>
                     </a14:hiddenFill>
                   </a:ext>
                   <a:ext uri="{91240B29-F687-4f45-9708-019B960494DF}">
-                    <a14:hiddenLine xmlns:a14="http://schemas.microsoft.com/office/drawing/2010/main" xmlns="" w="9525">
+                    <a14:hiddenLine xmlns="" xmlns:a14="http://schemas.microsoft.com/office/drawing/2010/main" w="9525">
                       <a:solidFill>
                         <a:srgbClr val="000000"/>
                       </a:solidFill>
@@ -30251,7 +29880,7 @@
                 </a:ln>
                 <a:extLst>
                   <a:ext uri="{91240B29-F687-4f45-9708-019B960494DF}">
-                    <a14:hiddenLine xmlns:a14="http://schemas.microsoft.com/office/drawing/2010/main" xmlns="" w="9525">
+                    <a14:hiddenLine xmlns="" xmlns:a14="http://schemas.microsoft.com/office/drawing/2010/main" w="9525">
                       <a:solidFill>
                         <a:srgbClr val="000000"/>
                       </a:solidFill>
@@ -30309,14 +29938,14 @@
                 </a:ln>
                 <a:extLst>
                   <a:ext uri="{909E8E84-426E-40dd-AFC4-6F175D3DCCD1}">
-                    <a14:hiddenFill xmlns:a14="http://schemas.microsoft.com/office/drawing/2010/main" xmlns="">
+                    <a14:hiddenFill xmlns="" xmlns:a14="http://schemas.microsoft.com/office/drawing/2010/main">
                       <a:solidFill>
                         <a:srgbClr val="FFFFFF"/>
                       </a:solidFill>
                     </a14:hiddenFill>
                   </a:ext>
                   <a:ext uri="{91240B29-F687-4f45-9708-019B960494DF}">
-                    <a14:hiddenLine xmlns:a14="http://schemas.microsoft.com/office/drawing/2010/main" xmlns="" w="9525">
+                    <a14:hiddenLine xmlns="" xmlns:a14="http://schemas.microsoft.com/office/drawing/2010/main" w="9525">
                       <a:solidFill>
                         <a:srgbClr val="000000"/>
                       </a:solidFill>
@@ -30376,7 +30005,7 @@
                 </a:ln>
                 <a:extLst>
                   <a:ext uri="{91240B29-F687-4f45-9708-019B960494DF}">
-                    <a14:hiddenLine xmlns:a14="http://schemas.microsoft.com/office/drawing/2010/main" xmlns="" w="9525">
+                    <a14:hiddenLine xmlns="" xmlns:a14="http://schemas.microsoft.com/office/drawing/2010/main" w="9525">
                       <a:solidFill>
                         <a:srgbClr val="000000"/>
                       </a:solidFill>
@@ -30436,7 +30065,7 @@
                 </a:ln>
                 <a:extLst>
                   <a:ext uri="{91240B29-F687-4f45-9708-019B960494DF}">
-                    <a14:hiddenLine xmlns:a14="http://schemas.microsoft.com/office/drawing/2010/main" xmlns="" w="9525">
+                    <a14:hiddenLine xmlns="" xmlns:a14="http://schemas.microsoft.com/office/drawing/2010/main" w="9525">
                       <a:solidFill>
                         <a:srgbClr val="000000"/>
                       </a:solidFill>
@@ -30496,7 +30125,7 @@
                 </a:ln>
                 <a:extLst>
                   <a:ext uri="{91240B29-F687-4f45-9708-019B960494DF}">
-                    <a14:hiddenLine xmlns:a14="http://schemas.microsoft.com/office/drawing/2010/main" xmlns="" w="9525">
+                    <a14:hiddenLine xmlns="" xmlns:a14="http://schemas.microsoft.com/office/drawing/2010/main" w="9525">
                       <a:solidFill>
                         <a:srgbClr val="000000"/>
                       </a:solidFill>
@@ -30554,14 +30183,14 @@
                 </a:ln>
                 <a:extLst>
                   <a:ext uri="{909E8E84-426E-40dd-AFC4-6F175D3DCCD1}">
-                    <a14:hiddenFill xmlns:a14="http://schemas.microsoft.com/office/drawing/2010/main" xmlns="">
+                    <a14:hiddenFill xmlns="" xmlns:a14="http://schemas.microsoft.com/office/drawing/2010/main">
                       <a:solidFill>
                         <a:srgbClr val="FFFFFF"/>
                       </a:solidFill>
                     </a14:hiddenFill>
                   </a:ext>
                   <a:ext uri="{91240B29-F687-4f45-9708-019B960494DF}">
-                    <a14:hiddenLine xmlns:a14="http://schemas.microsoft.com/office/drawing/2010/main" xmlns="" w="9525">
+                    <a14:hiddenLine xmlns="" xmlns:a14="http://schemas.microsoft.com/office/drawing/2010/main" w="9525">
                       <a:solidFill>
                         <a:srgbClr val="000000"/>
                       </a:solidFill>
@@ -30621,7 +30250,7 @@
                 </a:ln>
                 <a:extLst>
                   <a:ext uri="{91240B29-F687-4f45-9708-019B960494DF}">
-                    <a14:hiddenLine xmlns:a14="http://schemas.microsoft.com/office/drawing/2010/main" xmlns="" w="9525">
+                    <a14:hiddenLine xmlns="" xmlns:a14="http://schemas.microsoft.com/office/drawing/2010/main" w="9525">
                       <a:solidFill>
                         <a:srgbClr val="000000"/>
                       </a:solidFill>
@@ -30884,7 +30513,7 @@
                 </a:ln>
                 <a:extLst>
                   <a:ext uri="{91240B29-F687-4f45-9708-019B960494DF}">
-                    <a14:hiddenLine xmlns:a14="http://schemas.microsoft.com/office/drawing/2010/main" xmlns="" w="9525">
+                    <a14:hiddenLine xmlns="" xmlns:a14="http://schemas.microsoft.com/office/drawing/2010/main" w="9525">
                       <a:solidFill>
                         <a:srgbClr val="000000"/>
                       </a:solidFill>
@@ -31144,14 +30773,14 @@
                 </a:ln>
                 <a:extLst>
                   <a:ext uri="{909E8E84-426E-40dd-AFC4-6F175D3DCCD1}">
-                    <a14:hiddenFill xmlns:a14="http://schemas.microsoft.com/office/drawing/2010/main" xmlns="">
+                    <a14:hiddenFill xmlns="" xmlns:a14="http://schemas.microsoft.com/office/drawing/2010/main">
                       <a:solidFill>
                         <a:srgbClr val="FFFFFF"/>
                       </a:solidFill>
                     </a14:hiddenFill>
                   </a:ext>
                   <a:ext uri="{91240B29-F687-4f45-9708-019B960494DF}">
-                    <a14:hiddenLine xmlns:a14="http://schemas.microsoft.com/office/drawing/2010/main" xmlns="" w="9525">
+                    <a14:hiddenLine xmlns="" xmlns:a14="http://schemas.microsoft.com/office/drawing/2010/main" w="9525">
                       <a:solidFill>
                         <a:srgbClr val="000000"/>
                       </a:solidFill>
@@ -31211,7 +30840,7 @@
                 </a:ln>
                 <a:extLst>
                   <a:ext uri="{91240B29-F687-4f45-9708-019B960494DF}">
-                    <a14:hiddenLine xmlns:a14="http://schemas.microsoft.com/office/drawing/2010/main" xmlns="" w="9525">
+                    <a14:hiddenLine xmlns="" xmlns:a14="http://schemas.microsoft.com/office/drawing/2010/main" w="9525">
                       <a:solidFill>
                         <a:srgbClr val="000000"/>
                       </a:solidFill>
@@ -31269,14 +30898,14 @@
                 </a:ln>
                 <a:extLst>
                   <a:ext uri="{909E8E84-426E-40dd-AFC4-6F175D3DCCD1}">
-                    <a14:hiddenFill xmlns:a14="http://schemas.microsoft.com/office/drawing/2010/main" xmlns="">
+                    <a14:hiddenFill xmlns="" xmlns:a14="http://schemas.microsoft.com/office/drawing/2010/main">
                       <a:solidFill>
                         <a:srgbClr val="FFFFFF"/>
                       </a:solidFill>
                     </a14:hiddenFill>
                   </a:ext>
                   <a:ext uri="{91240B29-F687-4f45-9708-019B960494DF}">
-                    <a14:hiddenLine xmlns:a14="http://schemas.microsoft.com/office/drawing/2010/main" xmlns="" w="9525">
+                    <a14:hiddenLine xmlns="" xmlns:a14="http://schemas.microsoft.com/office/drawing/2010/main" w="9525">
                       <a:solidFill>
                         <a:srgbClr val="000000"/>
                       </a:solidFill>
@@ -31336,7 +30965,7 @@
                 </a:ln>
                 <a:extLst>
                   <a:ext uri="{91240B29-F687-4f45-9708-019B960494DF}">
-                    <a14:hiddenLine xmlns:a14="http://schemas.microsoft.com/office/drawing/2010/main" xmlns="" w="9525">
+                    <a14:hiddenLine xmlns="" xmlns:a14="http://schemas.microsoft.com/office/drawing/2010/main" w="9525">
                       <a:solidFill>
                         <a:srgbClr val="000000"/>
                       </a:solidFill>
@@ -31394,14 +31023,14 @@
                 </a:ln>
                 <a:extLst>
                   <a:ext uri="{909E8E84-426E-40dd-AFC4-6F175D3DCCD1}">
-                    <a14:hiddenFill xmlns:a14="http://schemas.microsoft.com/office/drawing/2010/main" xmlns="">
+                    <a14:hiddenFill xmlns="" xmlns:a14="http://schemas.microsoft.com/office/drawing/2010/main">
                       <a:solidFill>
                         <a:srgbClr val="FFFFFF"/>
                       </a:solidFill>
                     </a14:hiddenFill>
                   </a:ext>
                   <a:ext uri="{91240B29-F687-4f45-9708-019B960494DF}">
-                    <a14:hiddenLine xmlns:a14="http://schemas.microsoft.com/office/drawing/2010/main" xmlns="" w="9525">
+                    <a14:hiddenLine xmlns="" xmlns:a14="http://schemas.microsoft.com/office/drawing/2010/main" w="9525">
                       <a:solidFill>
                         <a:srgbClr val="000000"/>
                       </a:solidFill>
@@ -31461,7 +31090,7 @@
                 </a:ln>
                 <a:extLst>
                   <a:ext uri="{91240B29-F687-4f45-9708-019B960494DF}">
-                    <a14:hiddenLine xmlns:a14="http://schemas.microsoft.com/office/drawing/2010/main" xmlns="" w="9525">
+                    <a14:hiddenLine xmlns="" xmlns:a14="http://schemas.microsoft.com/office/drawing/2010/main" w="9525">
                       <a:solidFill>
                         <a:srgbClr val="000000"/>
                       </a:solidFill>
@@ -31519,14 +31148,14 @@
                 </a:ln>
                 <a:extLst>
                   <a:ext uri="{909E8E84-426E-40dd-AFC4-6F175D3DCCD1}">
-                    <a14:hiddenFill xmlns:a14="http://schemas.microsoft.com/office/drawing/2010/main" xmlns="">
+                    <a14:hiddenFill xmlns="" xmlns:a14="http://schemas.microsoft.com/office/drawing/2010/main">
                       <a:solidFill>
                         <a:srgbClr val="FFFFFF"/>
                       </a:solidFill>
                     </a14:hiddenFill>
                   </a:ext>
                   <a:ext uri="{91240B29-F687-4f45-9708-019B960494DF}">
-                    <a14:hiddenLine xmlns:a14="http://schemas.microsoft.com/office/drawing/2010/main" xmlns="" w="9525">
+                    <a14:hiddenLine xmlns="" xmlns:a14="http://schemas.microsoft.com/office/drawing/2010/main" w="9525">
                       <a:solidFill>
                         <a:srgbClr val="000000"/>
                       </a:solidFill>
@@ -31586,7 +31215,7 @@
                 </a:ln>
                 <a:extLst>
                   <a:ext uri="{91240B29-F687-4f45-9708-019B960494DF}">
-                    <a14:hiddenLine xmlns:a14="http://schemas.microsoft.com/office/drawing/2010/main" xmlns="" w="9525">
+                    <a14:hiddenLine xmlns="" xmlns:a14="http://schemas.microsoft.com/office/drawing/2010/main" w="9525">
                       <a:solidFill>
                         <a:srgbClr val="000000"/>
                       </a:solidFill>
@@ -31644,14 +31273,14 @@
                 </a:ln>
                 <a:extLst>
                   <a:ext uri="{909E8E84-426E-40dd-AFC4-6F175D3DCCD1}">
-                    <a14:hiddenFill xmlns:a14="http://schemas.microsoft.com/office/drawing/2010/main" xmlns="">
+                    <a14:hiddenFill xmlns="" xmlns:a14="http://schemas.microsoft.com/office/drawing/2010/main">
                       <a:solidFill>
                         <a:srgbClr val="FFFFFF"/>
                       </a:solidFill>
                     </a14:hiddenFill>
                   </a:ext>
                   <a:ext uri="{91240B29-F687-4f45-9708-019B960494DF}">
-                    <a14:hiddenLine xmlns:a14="http://schemas.microsoft.com/office/drawing/2010/main" xmlns="" w="9525">
+                    <a14:hiddenLine xmlns="" xmlns:a14="http://schemas.microsoft.com/office/drawing/2010/main" w="9525">
                       <a:solidFill>
                         <a:srgbClr val="000000"/>
                       </a:solidFill>
@@ -31711,7 +31340,7 @@
                 </a:ln>
                 <a:extLst>
                   <a:ext uri="{91240B29-F687-4f45-9708-019B960494DF}">
-                    <a14:hiddenLine xmlns:a14="http://schemas.microsoft.com/office/drawing/2010/main" xmlns="" w="9525">
+                    <a14:hiddenLine xmlns="" xmlns:a14="http://schemas.microsoft.com/office/drawing/2010/main" w="9525">
                       <a:solidFill>
                         <a:srgbClr val="000000"/>
                       </a:solidFill>
@@ -31769,14 +31398,14 @@
                 </a:ln>
                 <a:extLst>
                   <a:ext uri="{909E8E84-426E-40dd-AFC4-6F175D3DCCD1}">
-                    <a14:hiddenFill xmlns:a14="http://schemas.microsoft.com/office/drawing/2010/main" xmlns="">
+                    <a14:hiddenFill xmlns="" xmlns:a14="http://schemas.microsoft.com/office/drawing/2010/main">
                       <a:solidFill>
                         <a:srgbClr val="FFFFFF"/>
                       </a:solidFill>
                     </a14:hiddenFill>
                   </a:ext>
                   <a:ext uri="{91240B29-F687-4f45-9708-019B960494DF}">
-                    <a14:hiddenLine xmlns:a14="http://schemas.microsoft.com/office/drawing/2010/main" xmlns="" w="9525">
+                    <a14:hiddenLine xmlns="" xmlns:a14="http://schemas.microsoft.com/office/drawing/2010/main" w="9525">
                       <a:solidFill>
                         <a:srgbClr val="000000"/>
                       </a:solidFill>
@@ -31836,7 +31465,7 @@
                 </a:ln>
                 <a:extLst>
                   <a:ext uri="{91240B29-F687-4f45-9708-019B960494DF}">
-                    <a14:hiddenLine xmlns:a14="http://schemas.microsoft.com/office/drawing/2010/main" xmlns="" w="9525">
+                    <a14:hiddenLine xmlns="" xmlns:a14="http://schemas.microsoft.com/office/drawing/2010/main" w="9525">
                       <a:solidFill>
                         <a:srgbClr val="000000"/>
                       </a:solidFill>
@@ -31896,7 +31525,7 @@
                 </a:ln>
                 <a:extLst>
                   <a:ext uri="{91240B29-F687-4f45-9708-019B960494DF}">
-                    <a14:hiddenLine xmlns:a14="http://schemas.microsoft.com/office/drawing/2010/main" xmlns="" w="9525">
+                    <a14:hiddenLine xmlns="" xmlns:a14="http://schemas.microsoft.com/office/drawing/2010/main" w="9525">
                       <a:solidFill>
                         <a:srgbClr val="000000"/>
                       </a:solidFill>
@@ -31956,7 +31585,7 @@
                 </a:ln>
                 <a:extLst>
                   <a:ext uri="{91240B29-F687-4f45-9708-019B960494DF}">
-                    <a14:hiddenLine xmlns:a14="http://schemas.microsoft.com/office/drawing/2010/main" xmlns="" w="9525">
+                    <a14:hiddenLine xmlns="" xmlns:a14="http://schemas.microsoft.com/office/drawing/2010/main" w="9525">
                       <a:solidFill>
                         <a:srgbClr val="000000"/>
                       </a:solidFill>
@@ -32016,7 +31645,7 @@
                 </a:ln>
                 <a:extLst>
                   <a:ext uri="{91240B29-F687-4f45-9708-019B960494DF}">
-                    <a14:hiddenLine xmlns:a14="http://schemas.microsoft.com/office/drawing/2010/main" xmlns="" w="9525">
+                    <a14:hiddenLine xmlns="" xmlns:a14="http://schemas.microsoft.com/office/drawing/2010/main" w="9525">
                       <a:solidFill>
                         <a:srgbClr val="000000"/>
                       </a:solidFill>
@@ -32076,7 +31705,7 @@
                 </a:ln>
                 <a:extLst>
                   <a:ext uri="{91240B29-F687-4f45-9708-019B960494DF}">
-                    <a14:hiddenLine xmlns:a14="http://schemas.microsoft.com/office/drawing/2010/main" xmlns="" w="9525">
+                    <a14:hiddenLine xmlns="" xmlns:a14="http://schemas.microsoft.com/office/drawing/2010/main" w="9525">
                       <a:solidFill>
                         <a:srgbClr val="000000"/>
                       </a:solidFill>
@@ -32136,7 +31765,7 @@
                 </a:ln>
                 <a:extLst>
                   <a:ext uri="{91240B29-F687-4f45-9708-019B960494DF}">
-                    <a14:hiddenLine xmlns:a14="http://schemas.microsoft.com/office/drawing/2010/main" xmlns="" w="9525">
+                    <a14:hiddenLine xmlns="" xmlns:a14="http://schemas.microsoft.com/office/drawing/2010/main" w="9525">
                       <a:solidFill>
                         <a:srgbClr val="000000"/>
                       </a:solidFill>
@@ -32196,7 +31825,7 @@
                 </a:ln>
                 <a:extLst>
                   <a:ext uri="{91240B29-F687-4f45-9708-019B960494DF}">
-                    <a14:hiddenLine xmlns:a14="http://schemas.microsoft.com/office/drawing/2010/main" xmlns="" w="9525">
+                    <a14:hiddenLine xmlns="" xmlns:a14="http://schemas.microsoft.com/office/drawing/2010/main" w="9525">
                       <a:solidFill>
                         <a:srgbClr val="000000"/>
                       </a:solidFill>
@@ -34995,7 +34624,7 @@
 </file>
 
 <file path=ppt/slides/slide6.xml><?xml version="1.0" encoding="utf-8"?>
-<p:sld xmlns:a="http://schemas.openxmlformats.org/drawingml/2006/main" xmlns:r="http://schemas.openxmlformats.org/officeDocument/2006/relationships" xmlns:p="http://schemas.openxmlformats.org/presentationml/2006/main">
+<p:sld xmlns:a="http://schemas.openxmlformats.org/drawingml/2006/main" xmlns:r="http://schemas.openxmlformats.org/officeDocument/2006/relationships" xmlns:p="http://schemas.openxmlformats.org/presentationml/2006/main" show="0">
   <p:cSld>
     <p:spTree>
       <p:nvGrpSpPr>
@@ -38472,13 +38101,13 @@
   <p:clrMapOvr>
     <a:masterClrMapping/>
   </p:clrMapOvr>
-  <mc:AlternateContent xmlns:mc="http://schemas.openxmlformats.org/markup-compatibility/2006" xmlns:p14="http://schemas.microsoft.com/office/powerpoint/2010/main">
-    <mc:Choice Requires="p14">
+  <mc:AlternateContent xmlns:mc="http://schemas.openxmlformats.org/markup-compatibility/2006">
+    <mc:Choice xmlns:p14="http://schemas.microsoft.com/office/powerpoint/2010/main" Requires="p14">
       <p:transition spd="med" p14:dur="700">
         <p:fade/>
       </p:transition>
     </mc:Choice>
-    <mc:Fallback xmlns="">
+    <mc:Fallback>
       <p:transition spd="med">
         <p:fade/>
       </p:transition>
@@ -42011,13 +41640,6 @@
       </p:transition>
     </mc:Fallback>
   </mc:AlternateContent>
-  <p:timing>
-    <p:tnLst>
-      <p:par>
-        <p:cTn id="1" dur="indefinite" restart="never" nodeType="tmRoot"/>
-      </p:par>
-    </p:tnLst>
-  </p:timing>
 </p:sld>
 </file>
 
@@ -42839,6 +42461,345 @@
 </file>
 
 <file path=customXml/item2.xml><?xml version="1.0" encoding="utf-8"?>
+<?mso-contentType ?>
+<spe:Receivers xmlns:spe="http://schemas.microsoft.com/sharepoint/events">
+  <Receiver>
+    <Name>Document ID Generator</Name>
+    <Synchronization>Synchronous</Synchronization>
+    <Type>10001</Type>
+    <SequenceNumber>1000</SequenceNumber>
+    <Assembly>Microsoft.Office.DocumentManagement, Version=14.0.0.0, Culture=neutral, PublicKeyToken=71e9bce111e9429c</Assembly>
+    <Class>Microsoft.Office.DocumentManagement.Internal.DocIdHandler</Class>
+    <Data/>
+    <Filter/>
+  </Receiver>
+  <Receiver>
+    <Name>Document ID Generator</Name>
+    <Synchronization>Synchronous</Synchronization>
+    <Type>10002</Type>
+    <SequenceNumber>1001</SequenceNumber>
+    <Assembly>Microsoft.Office.DocumentManagement, Version=14.0.0.0, Culture=neutral, PublicKeyToken=71e9bce111e9429c</Assembly>
+    <Class>Microsoft.Office.DocumentManagement.Internal.DocIdHandler</Class>
+    <Data/>
+    <Filter/>
+  </Receiver>
+  <Receiver>
+    <Name>Document ID Generator</Name>
+    <Synchronization>Synchronous</Synchronization>
+    <Type>10004</Type>
+    <SequenceNumber>1002</SequenceNumber>
+    <Assembly>Microsoft.Office.DocumentManagement, Version=14.0.0.0, Culture=neutral, PublicKeyToken=71e9bce111e9429c</Assembly>
+    <Class>Microsoft.Office.DocumentManagement.Internal.DocIdHandler</Class>
+    <Data/>
+    <Filter/>
+  </Receiver>
+  <Receiver>
+    <Name>Document ID Generator</Name>
+    <Synchronization>Synchronous</Synchronization>
+    <Type>10006</Type>
+    <SequenceNumber>1003</SequenceNumber>
+    <Assembly>Microsoft.Office.DocumentManagement, Version=14.0.0.0, Culture=neutral, PublicKeyToken=71e9bce111e9429c</Assembly>
+    <Class>Microsoft.Office.DocumentManagement.Internal.DocIdHandler</Class>
+    <Data/>
+    <Filter/>
+  </Receiver>
+  <Receiver>
+    <Name>Document ID Generator</Name>
+    <Synchronization>Synchronous</Synchronization>
+    <Type>10009</Type>
+    <SequenceNumber>1004</SequenceNumber>
+    <Assembly>Microsoft.Office.DocumentManagement, Version=14.0.0.0, Culture=neutral, PublicKeyToken=71e9bce111e9429c</Assembly>
+    <Class>Microsoft.Office.DocumentManagement.Internal.DocIdHandler</Class>
+    <Data/>
+    <Filter/>
+  </Receiver>
+</spe:Receivers>
+</file>
+
+<file path=customXml/item3.xml><?xml version="1.0" encoding="utf-8"?>
+<?mso-contentType ?>
+<FormTemplates xmlns="http://schemas.microsoft.com/sharepoint/v3/contenttype/forms">
+  <Display>DocumentLibraryForm</Display>
+  <Edit>DocumentLibraryForm</Edit>
+  <New>DocumentLibraryForm</New>
+</FormTemplates>
+</file>
+
+<file path=customXml/item4.xml><?xml version="1.0" encoding="utf-8"?>
+<p:properties xmlns:p="http://schemas.microsoft.com/office/2006/metadata/properties" xmlns:xsi="http://www.w3.org/2001/XMLSchema-instance" xmlns:pc="http://schemas.microsoft.com/office/infopath/2007/PartnerControls">
+  <documentManagement>
+    <DocumentDescription xmlns="4e240d41-6d38-4eac-9584-b3f543b50010">Use this deck as the main EBC and Azure Overview deck.  Customize the deck as needed (additional slides in the appendix).  This deck should be delivered with the supporting demo’s and is scoped at the decision makers within IT.</DocumentDescription>
+    <h1e7aaa5788c480c922636922fec8914 xmlns="4e240d41-6d38-4eac-9584-b3f543b50010">
+      <Terms xmlns="http://schemas.microsoft.com/office/infopath/2007/PartnerControls"/>
+    </h1e7aaa5788c480c922636922fec8914>
+    <AudiencesTaxHTField0 xmlns="4e240d41-6d38-4eac-9584-b3f543b50010">
+      <Terms xmlns="http://schemas.microsoft.com/office/infopath/2007/PartnerControls">
+        <TermInfo xmlns="http://schemas.microsoft.com/office/infopath/2007/PartnerControls">
+          <TermName xmlns="http://schemas.microsoft.com/office/infopath/2007/PartnerControls">business decision makers</TermName>
+          <TermId xmlns="http://schemas.microsoft.com/office/infopath/2007/PartnerControls">c5581652-6887-44c0-9e7e-d38ca54728bd</TermId>
+        </TermInfo>
+        <TermInfo xmlns="http://schemas.microsoft.com/office/infopath/2007/PartnerControls">
+          <TermName xmlns="http://schemas.microsoft.com/office/infopath/2007/PartnerControls">IT decision makers</TermName>
+          <TermId xmlns="http://schemas.microsoft.com/office/infopath/2007/PartnerControls">9b4e6e74-580c-4c34-b4d3-48674047e67e</TermId>
+        </TermInfo>
+      </Terms>
+    </AudiencesTaxHTField0>
+    <SegmentsTaxHTField0 xmlns="4e240d41-6d38-4eac-9584-b3f543b50010">
+      <Terms xmlns="http://schemas.microsoft.com/office/infopath/2007/PartnerControls"/>
+    </SegmentsTaxHTField0>
+    <Expire_x0020_Review xmlns="4e240d41-6d38-4eac-9584-b3f543b50010">2016-08-23T07:00:00+00:00</Expire_x0020_Review>
+    <TopicsTaxHTField0 xmlns="4e240d41-6d38-4eac-9584-b3f543b50010">
+      <Terms xmlns="http://schemas.microsoft.com/office/infopath/2007/PartnerControls">
+        <TermInfo xmlns="http://schemas.microsoft.com/office/infopath/2007/PartnerControls">
+          <TermName xmlns="http://schemas.microsoft.com/office/infopath/2007/PartnerControls">readiness</TermName>
+          <TermId xmlns="http://schemas.microsoft.com/office/infopath/2007/PartnerControls">0bad9107-5243-4424-8599-de9537dda9af</TermId>
+        </TermInfo>
+        <TermInfo xmlns="http://schemas.microsoft.com/office/infopath/2007/PartnerControls">
+          <TermName xmlns="http://schemas.microsoft.com/office/infopath/2007/PartnerControls">hub subset</TermName>
+          <TermId xmlns="http://schemas.microsoft.com/office/infopath/2007/PartnerControls">c6bfd112-b986-4a0a-aa8d-90e767bfdfa6</TermId>
+        </TermInfo>
+        <TermInfo xmlns="http://schemas.microsoft.com/office/infopath/2007/PartnerControls">
+          <TermName xmlns="http://schemas.microsoft.com/office/infopath/2007/PartnerControls">inside sales</TermName>
+          <TermId xmlns="http://schemas.microsoft.com/office/infopath/2007/PartnerControls">7c476b68-6f84-4a80-9930-2286afc962a8</TermId>
+        </TermInfo>
+      </Terms>
+    </TopicsTaxHTField0>
+    <_dlc_DocId xmlns="230e9df3-be65-4c73-a93b-d1236ebd677e">KC00-15-210934</_dlc_DocId>
+    <Thumbnail1 xmlns="4e240d41-6d38-4eac-9584-b3f543b50010">
+      <Url>http://infopedia/kc02/media/Thumbnails/Microsoft%20Azure%20Domain/KC00-15-107844/azure.PNG</Url>
+      <Description>/kc02/media/Thumbnails/Microsoft Azure Domain/KC00-15-107844/azure.PNG</Description>
+    </Thumbnail1>
+    <AverageRating xmlns="http://schemas.microsoft.com/sharepoint/v3" xsi:nil="true"/>
+    <TaxKeywordTaxHTField xmlns="230e9df3-be65-4c73-a93b-d1236ebd677e">
+      <Terms xmlns="http://schemas.microsoft.com/office/infopath/2007/PartnerControls"/>
+    </TaxKeywordTaxHTField>
+    <TagTemplate xmlns="4e240d41-6d38-4eac-9584-b3f543b50010" xsi:nil="true"/>
+    <PublishDate xmlns="4e240d41-6d38-4eac-9584-b3f543b50010" xsi:nil="true"/>
+    <DocumentSetKcId xmlns="7b813d5f-7206-4d46-95a5-a58185f478af">107844</DocumentSetKcId>
+    <RoutingRuleDescription xmlns="http://schemas.microsoft.com/sharepoint/v3" xsi:nil="true"/>
+    <CompetitorsTaxHTField0 xmlns="4e240d41-6d38-4eac-9584-b3f543b50010">
+      <Terms xmlns="http://schemas.microsoft.com/office/infopath/2007/PartnerControls"/>
+    </CompetitorsTaxHTField0>
+    <IconOverlay xmlns="http://schemas.microsoft.com/sharepoint/v4" xsi:nil="true"/>
+    <Owner xmlns="4e240d41-6d38-4eac-9584-b3f543b50010">
+      <UserInfo>
+        <DisplayName>Tony Meleg</DisplayName>
+        <AccountId>26501</AccountId>
+        <AccountType/>
+      </UserInfo>
+    </Owner>
+    <PublishingExpirationDate xmlns="http://schemas.microsoft.com/sharepoint/v3" xsi:nil="true"/>
+    <EnterpriseDomainTagsTaxHTField0 xmlns="4e240d41-6d38-4eac-9584-b3f543b50010">
+      <Terms xmlns="http://schemas.microsoft.com/office/infopath/2007/PartnerControls">
+        <TermInfo xmlns="http://schemas.microsoft.com/office/infopath/2007/PartnerControls">
+          <TermName xmlns="http://schemas.microsoft.com/office/infopath/2007/PartnerControls">SMSG Readiness</TermName>
+          <TermId xmlns="http://schemas.microsoft.com/office/infopath/2007/PartnerControls">c6595b84-b463-470a-bb46-2a47364645be</TermId>
+        </TermInfo>
+        <TermInfo xmlns="http://schemas.microsoft.com/office/infopath/2007/PartnerControls">
+          <TermName xmlns="http://schemas.microsoft.com/office/infopath/2007/PartnerControls">Cloud and Enterprise Marketing Group</TermName>
+          <TermId xmlns="http://schemas.microsoft.com/office/infopath/2007/PartnerControls">4f75e184-e5aa-4234-a07f-b032d60df254</TermId>
+        </TermInfo>
+      </Terms>
+    </EnterpriseDomainTagsTaxHTField0>
+    <IndustriesTaxHTField0 xmlns="4e240d41-6d38-4eac-9584-b3f543b50010">
+      <Terms xmlns="http://schemas.microsoft.com/office/infopath/2007/PartnerControls"/>
+    </IndustriesTaxHTField0>
+    <ConfidentialityTaxHTField0 xmlns="4e240d41-6d38-4eac-9584-b3f543b50010">
+      <Terms xmlns="http://schemas.microsoft.com/office/infopath/2007/PartnerControls">
+        <TermInfo xmlns="http://schemas.microsoft.com/office/infopath/2007/PartnerControls">
+          <TermName xmlns="http://schemas.microsoft.com/office/infopath/2007/PartnerControls">Microsoft confidential</TermName>
+          <TermId xmlns="http://schemas.microsoft.com/office/infopath/2007/PartnerControls">461efa83-0283-486a-a8d5-943328f3693f</TermId>
+        </TermInfo>
+      </Terms>
+    </ConfidentialityTaxHTField0>
+    <SMSGDomainTaxHTField0 xmlns="4e240d41-6d38-4eac-9584-b3f543b50010">
+      <Terms xmlns="http://schemas.microsoft.com/office/infopath/2007/PartnerControls">
+        <TermInfo xmlns="http://schemas.microsoft.com/office/infopath/2007/PartnerControls">
+          <TermName xmlns="http://schemas.microsoft.com/office/infopath/2007/PartnerControls">Microsoft Azure Domain</TermName>
+          <TermId xmlns="http://schemas.microsoft.com/office/infopath/2007/PartnerControls">d600a391-d529-4311-892b-2c05c1ab2538</TermId>
+        </TermInfo>
+        <TermInfo xmlns="http://schemas.microsoft.com/office/infopath/2007/PartnerControls">
+          <TermName xmlns="http://schemas.microsoft.com/office/infopath/2007/PartnerControls">Cloud and Enterprise</TermName>
+          <TermId xmlns="http://schemas.microsoft.com/office/infopath/2007/PartnerControls">adc2fe87-c79a-4ded-a449-3f86b954069d</TermId>
+        </TermInfo>
+        <TermInfo xmlns="http://schemas.microsoft.com/office/infopath/2007/PartnerControls">
+          <TermName xmlns="http://schemas.microsoft.com/office/infopath/2007/PartnerControls">Server and Tools Business</TermName>
+          <TermId xmlns="http://schemas.microsoft.com/office/infopath/2007/PartnerControls">6783548d-8609-4f97-be4a-4ca2616905a6</TermId>
+        </TermInfo>
+        <TermInfo xmlns="http://schemas.microsoft.com/office/infopath/2007/PartnerControls">
+          <TermName xmlns="http://schemas.microsoft.com/office/infopath/2007/PartnerControls">Sales, Marketing, Services Group</TermName>
+          <TermId xmlns="http://schemas.microsoft.com/office/infopath/2007/PartnerControls">ecda8836-afa0-40aa-878e-630e18c8fc5c</TermId>
+        </TermInfo>
+        <TermInfo xmlns="http://schemas.microsoft.com/office/infopath/2007/PartnerControls">
+          <TermName xmlns="http://schemas.microsoft.com/office/infopath/2007/PartnerControls">Telesales Domain</TermName>
+          <TermId xmlns="http://schemas.microsoft.com/office/infopath/2007/PartnerControls">04a5111f-c67b-4a6e-bf36-05714763ab37</TermId>
+        </TermInfo>
+        <TermInfo xmlns="http://schemas.microsoft.com/office/infopath/2007/PartnerControls">
+          <TermName xmlns="http://schemas.microsoft.com/office/infopath/2007/PartnerControls">China Market Domain</TermName>
+          <TermId xmlns="http://schemas.microsoft.com/office/infopath/2007/PartnerControls">01326006-a657-42bf-b23e-048a7db28273</TermId>
+        </TermInfo>
+      </Terms>
+    </SMSGDomainTaxHTField0>
+    <ItemTypeTaxHTField0 xmlns="4e240d41-6d38-4eac-9584-b3f543b50010">
+      <Terms xmlns="http://schemas.microsoft.com/office/infopath/2007/PartnerControls">
+        <TermInfo xmlns="http://schemas.microsoft.com/office/infopath/2007/PartnerControls">
+          <TermName xmlns="http://schemas.microsoft.com/office/infopath/2007/PartnerControls">customer presentations</TermName>
+          <TermId xmlns="http://schemas.microsoft.com/office/infopath/2007/PartnerControls">18e9ae94-e321-4eea-82d2-ad5b2f470f3c</TermId>
+        </TermInfo>
+      </Terms>
+    </ItemTypeTaxHTField0>
+    <_dlc_DocIdUrl xmlns="230e9df3-be65-4c73-a93b-d1236ebd677e">
+      <Url>http://infopedia/docstore/_layouts/DocIdRedir.aspx?ID=KC00-15-210934</Url>
+      <Description>KC00-15-210934</Description>
+    </_dlc_DocIdUrl>
+    <ProductsTaxHTField0 xmlns="4e240d41-6d38-4eac-9584-b3f543b50010">
+      <Terms xmlns="http://schemas.microsoft.com/office/infopath/2007/PartnerControls">
+        <TermInfo xmlns="http://schemas.microsoft.com/office/infopath/2007/PartnerControls">
+          <TermName xmlns="http://schemas.microsoft.com/office/infopath/2007/PartnerControls">Microsoft Azure platform</TermName>
+          <TermId xmlns="http://schemas.microsoft.com/office/infopath/2007/PartnerControls">df6aaec2-d07c-4319-b510-15a691aea35b</TermId>
+        </TermInfo>
+        <TermInfo xmlns="http://schemas.microsoft.com/office/infopath/2007/PartnerControls">
+          <TermName xmlns="http://schemas.microsoft.com/office/infopath/2007/PartnerControls">Microsoft Azure</TermName>
+          <TermId xmlns="http://schemas.microsoft.com/office/infopath/2007/PartnerControls">669a3112-5edf-444b-a003-630063601f07</TermId>
+        </TermInfo>
+      </Terms>
+    </ProductsTaxHTField0>
+    <RolesTaxHTField0 xmlns="4e240d41-6d38-4eac-9584-b3f543b50010">
+      <Terms xmlns="http://schemas.microsoft.com/office/infopath/2007/PartnerControls">
+        <TermInfo xmlns="http://schemas.microsoft.com/office/infopath/2007/PartnerControls">
+          <TermName xmlns="http://schemas.microsoft.com/office/infopath/2007/PartnerControls">Telesales Solution Specialist</TermName>
+          <TermId xmlns="http://schemas.microsoft.com/office/infopath/2007/PartnerControls">a293ec10-2fac-46ec-98ae-6149da09be06</TermId>
+        </TermInfo>
+        <TermInfo xmlns="http://schemas.microsoft.com/office/infopath/2007/PartnerControls">
+          <TermName xmlns="http://schemas.microsoft.com/office/infopath/2007/PartnerControls">Solution Sales</TermName>
+          <TermId xmlns="http://schemas.microsoft.com/office/infopath/2007/PartnerControls">170353c6-5135-48bf-b60a-c3b55ac67d1c</TermId>
+        </TermInfo>
+      </Terms>
+    </RolesTaxHTField0>
+    <PublishingPageContent xmlns="http://schemas.microsoft.com/sharepoint/v3" xsi:nil="true"/>
+    <fe32998799ba48dcafc127a14edc00fb xmlns="4e240d41-6d38-4eac-9584-b3f543b50010">
+      <Terms xmlns="http://schemas.microsoft.com/office/infopath/2007/PartnerControls"/>
+    </fe32998799ba48dcafc127a14edc00fb>
+    <RegionTaxHTField0 xmlns="4e240d41-6d38-4eac-9584-b3f543b50010">
+      <Terms xmlns="http://schemas.microsoft.com/office/infopath/2007/PartnerControls">
+        <TermInfo xmlns="http://schemas.microsoft.com/office/infopath/2007/PartnerControls">
+          <TermName xmlns="http://schemas.microsoft.com/office/infopath/2007/PartnerControls">China</TermName>
+          <TermId xmlns="http://schemas.microsoft.com/office/infopath/2007/PartnerControls">0f275d9d-9fcb-4bdb-9fdc-f425e5d35066</TermId>
+        </TermInfo>
+      </Terms>
+    </RegionTaxHTField0>
+    <GroupsTaxHTField0 xmlns="4e240d41-6d38-4eac-9584-b3f543b50010">
+      <Terms xmlns="http://schemas.microsoft.com/office/infopath/2007/PartnerControls">
+        <TermInfo xmlns="http://schemas.microsoft.com/office/infopath/2007/PartnerControls">
+          <TermName xmlns="http://schemas.microsoft.com/office/infopath/2007/PartnerControls">Microsoft Azure Marketing</TermName>
+          <TermId xmlns="http://schemas.microsoft.com/office/infopath/2007/PartnerControls">0958c357-5252-473f-8b4e-42f27525a99d</TermId>
+        </TermInfo>
+        <TermInfo xmlns="http://schemas.microsoft.com/office/infopath/2007/PartnerControls">
+          <TermName xmlns="http://schemas.microsoft.com/office/infopath/2007/PartnerControls">SMSG Readiness</TermName>
+          <TermId xmlns="http://schemas.microsoft.com/office/infopath/2007/PartnerControls">c6595b84-b463-470a-bb46-2a47364645be</TermId>
+        </TermInfo>
+        <TermInfo xmlns="http://schemas.microsoft.com/office/infopath/2007/PartnerControls">
+          <TermName xmlns="http://schemas.microsoft.com/office/infopath/2007/PartnerControls">Cloud and Enterprise Marketing Group</TermName>
+          <TermId xmlns="http://schemas.microsoft.com/office/infopath/2007/PartnerControls">4f75e184-e5aa-4234-a07f-b032d60df254</TermId>
+        </TermInfo>
+      </Terms>
+    </GroupsTaxHTField0>
+    <CoOwner xmlns="4e240d41-6d38-4eac-9584-b3f543b50010">
+      <UserInfo>
+        <DisplayName>i:0#.w|redmond\v-brisch</DisplayName>
+        <AccountId>39</AccountId>
+        <AccountType/>
+      </UserInfo>
+      <UserInfo>
+        <DisplayName>i:0#.w|redmond\meeryan</DisplayName>
+        <AccountId>44027</AccountId>
+        <AccountType/>
+      </UserInfo>
+      <UserInfo>
+        <DisplayName>i:0#.w|fareast\v-hesehg</DisplayName>
+        <AccountId>143284</AccountId>
+        <AccountType/>
+      </UserInfo>
+      <UserInfo>
+        <DisplayName>i:0#.w|redmond\chrisper</DisplayName>
+        <AccountId>38059</AccountId>
+        <AccountType/>
+      </UserInfo>
+      <UserInfo>
+        <DisplayName>i:0#.w|redmond\anushar</DisplayName>
+        <AccountId>22194</AccountId>
+        <AccountType/>
+      </UserInfo>
+      <UserInfo>
+        <DisplayName>i:0#.w|redmond\v-anmarv</DisplayName>
+        <AccountId>211331</AccountId>
+        <AccountType/>
+      </UserInfo>
+    </CoOwner>
+    <LanguagesTaxHTField0 xmlns="4e240d41-6d38-4eac-9584-b3f543b50010">
+      <Terms xmlns="http://schemas.microsoft.com/office/infopath/2007/PartnerControls">
+        <TermInfo xmlns="http://schemas.microsoft.com/office/infopath/2007/PartnerControls">
+          <TermName xmlns="http://schemas.microsoft.com/office/infopath/2007/PartnerControls">English</TermName>
+          <TermId xmlns="http://schemas.microsoft.com/office/infopath/2007/PartnerControls">cb91f272-ce4d-4a7e-9bbf-78b58e3d188d</TermId>
+        </TermInfo>
+      </Terms>
+    </LanguagesTaxHTField0>
+    <BusinessArchitectureTaxHTField0 xmlns="4e240d41-6d38-4eac-9584-b3f543b50010">
+      <Terms xmlns="http://schemas.microsoft.com/office/infopath/2007/PartnerControls">
+        <TermInfo xmlns="http://schemas.microsoft.com/office/infopath/2007/PartnerControls">
+          <TermName xmlns="http://schemas.microsoft.com/office/infopath/2007/PartnerControls">Cloud Platform (sales theme)</TermName>
+          <TermId xmlns="http://schemas.microsoft.com/office/infopath/2007/PartnerControls">ec248454-62d9-485e-995d-0cfad61f7f4c</TermId>
+        </TermInfo>
+      </Terms>
+    </BusinessArchitectureTaxHTField0>
+    <PartnersTaxHTField0 xmlns="4e240d41-6d38-4eac-9584-b3f543b50010">
+      <Terms xmlns="http://schemas.microsoft.com/office/infopath/2007/PartnerControls"/>
+    </PartnersTaxHTField0>
+    <ActivitiesAndProgramsTaxHTField0 xmlns="4e240d41-6d38-4eac-9584-b3f543b50010">
+      <Terms xmlns="http://schemas.microsoft.com/office/infopath/2007/PartnerControls">
+        <TermInfo xmlns="http://schemas.microsoft.com/office/infopath/2007/PartnerControls">
+          <TermName xmlns="http://schemas.microsoft.com/office/infopath/2007/PartnerControls">Executive Briefing Center</TermName>
+          <TermId xmlns="http://schemas.microsoft.com/office/infopath/2007/PartnerControls">f6f45d27-6c93-466a-8cd5-2846af886eb9</TermId>
+        </TermInfo>
+        <TermInfo xmlns="http://schemas.microsoft.com/office/infopath/2007/PartnerControls">
+          <TermName xmlns="http://schemas.microsoft.com/office/infopath/2007/PartnerControls">Worldwide Inside Sales Readiness</TermName>
+          <TermId xmlns="http://schemas.microsoft.com/office/infopath/2007/PartnerControls">3a4e01ea-907e-4f11-9b1b-2424e207e8d1</TermId>
+        </TermInfo>
+      </Terms>
+    </ActivitiesAndProgramsTaxHTField0>
+    <ApplyWorkflowRules xmlns="4e240d41-6d38-4eac-9584-b3f543b50010">Yes</ApplyWorkflowRules>
+    <TaxCatchAll xmlns="230e9df3-be65-4c73-a93b-d1236ebd677e">
+      <Value>20682</Value>
+      <Value>18422</Value>
+      <Value>13833</Value>
+      <Value>10205</Value>
+      <Value>10056</Value>
+      <Value>13755</Value>
+      <Value>20050</Value>
+      <Value>10052</Value>
+      <Value>18906</Value>
+      <Value>20557</Value>
+      <Value>21</Value>
+      <Value>14856</Value>
+      <Value>12938</Value>
+      <Value>18442</Value>
+      <Value>19685</Value>
+      <Value>10077</Value>
+      <Value>20954</Value>
+      <Value>17845</Value>
+      <Value>20730</Value>
+      <Value>19399</Value>
+      <Value>10849</Value>
+      <Value>10921</Value>
+      <Value>15579</Value>
+      <Value>17058</Value>
+      <Value>13172</Value>
+    </TaxCatchAll>
+  </documentManagement>
+</p:properties>
+</file>
+
+<file path=customXml/item5.xml><?xml version="1.0" encoding="utf-8"?>
 <ct:contentTypeSchema xmlns:ct="http://schemas.microsoft.com/office/2006/metadata/contentType" xmlns:ma="http://schemas.microsoft.com/office/2006/metadata/properties/metaAttributes" ct:_="" ma:_="" ma:contentTypeName="KCDoc" ma:contentTypeID="0x010100FF1FAB0DEDE9AF4ABA57B67AF4A9F3210200596A0E07C3E77448942F9A5D1E81E582" ma:contentTypeVersion="77" ma:contentTypeDescription="" ma:contentTypeScope="" ma:versionID="97f91f319da502963c66db7bd9bafa24">
   <xsd:schema xmlns:xsd="http://www.w3.org/2001/XMLSchema" xmlns:xs="http://www.w3.org/2001/XMLSchema" xmlns:p="http://schemas.microsoft.com/office/2006/metadata/properties" xmlns:ns1="http://schemas.microsoft.com/sharepoint/v3" xmlns:ns2="4e240d41-6d38-4eac-9584-b3f543b50010" xmlns:ns3="230e9df3-be65-4c73-a93b-d1236ebd677e" xmlns:ns4="7b813d5f-7206-4d46-95a5-a58185f478af" xmlns:ns5="http://schemas.microsoft.com/sharepoint/v4" targetNamespace="http://schemas.microsoft.com/office/2006/metadata/properties" ma:root="true" ma:fieldsID="36d8d8ec0295720aab47118a50085ece" ns1:_="" ns2:_="" ns3:_="" ns4:_="" ns5:_="">
     <xsd:import namespace="http://schemas.microsoft.com/sharepoint/v3"/>
@@ -43333,345 +43294,6 @@
 </ct:contentTypeSchema>
 </file>
 
-<file path=customXml/item3.xml><?xml version="1.0" encoding="utf-8"?>
-<p:properties xmlns:p="http://schemas.microsoft.com/office/2006/metadata/properties" xmlns:xsi="http://www.w3.org/2001/XMLSchema-instance" xmlns:pc="http://schemas.microsoft.com/office/infopath/2007/PartnerControls">
-  <documentManagement>
-    <DocumentDescription xmlns="4e240d41-6d38-4eac-9584-b3f543b50010">Use this deck as the main EBC and Azure Overview deck.  Customize the deck as needed (additional slides in the appendix).  This deck should be delivered with the supporting demo’s and is scoped at the decision makers within IT.</DocumentDescription>
-    <h1e7aaa5788c480c922636922fec8914 xmlns="4e240d41-6d38-4eac-9584-b3f543b50010">
-      <Terms xmlns="http://schemas.microsoft.com/office/infopath/2007/PartnerControls"/>
-    </h1e7aaa5788c480c922636922fec8914>
-    <AudiencesTaxHTField0 xmlns="4e240d41-6d38-4eac-9584-b3f543b50010">
-      <Terms xmlns="http://schemas.microsoft.com/office/infopath/2007/PartnerControls">
-        <TermInfo xmlns="http://schemas.microsoft.com/office/infopath/2007/PartnerControls">
-          <TermName xmlns="http://schemas.microsoft.com/office/infopath/2007/PartnerControls">business decision makers</TermName>
-          <TermId xmlns="http://schemas.microsoft.com/office/infopath/2007/PartnerControls">c5581652-6887-44c0-9e7e-d38ca54728bd</TermId>
-        </TermInfo>
-        <TermInfo xmlns="http://schemas.microsoft.com/office/infopath/2007/PartnerControls">
-          <TermName xmlns="http://schemas.microsoft.com/office/infopath/2007/PartnerControls">IT decision makers</TermName>
-          <TermId xmlns="http://schemas.microsoft.com/office/infopath/2007/PartnerControls">9b4e6e74-580c-4c34-b4d3-48674047e67e</TermId>
-        </TermInfo>
-      </Terms>
-    </AudiencesTaxHTField0>
-    <SegmentsTaxHTField0 xmlns="4e240d41-6d38-4eac-9584-b3f543b50010">
-      <Terms xmlns="http://schemas.microsoft.com/office/infopath/2007/PartnerControls"/>
-    </SegmentsTaxHTField0>
-    <Expire_x0020_Review xmlns="4e240d41-6d38-4eac-9584-b3f543b50010">2016-08-23T07:00:00+00:00</Expire_x0020_Review>
-    <TopicsTaxHTField0 xmlns="4e240d41-6d38-4eac-9584-b3f543b50010">
-      <Terms xmlns="http://schemas.microsoft.com/office/infopath/2007/PartnerControls">
-        <TermInfo xmlns="http://schemas.microsoft.com/office/infopath/2007/PartnerControls">
-          <TermName xmlns="http://schemas.microsoft.com/office/infopath/2007/PartnerControls">readiness</TermName>
-          <TermId xmlns="http://schemas.microsoft.com/office/infopath/2007/PartnerControls">0bad9107-5243-4424-8599-de9537dda9af</TermId>
-        </TermInfo>
-        <TermInfo xmlns="http://schemas.microsoft.com/office/infopath/2007/PartnerControls">
-          <TermName xmlns="http://schemas.microsoft.com/office/infopath/2007/PartnerControls">hub subset</TermName>
-          <TermId xmlns="http://schemas.microsoft.com/office/infopath/2007/PartnerControls">c6bfd112-b986-4a0a-aa8d-90e767bfdfa6</TermId>
-        </TermInfo>
-        <TermInfo xmlns="http://schemas.microsoft.com/office/infopath/2007/PartnerControls">
-          <TermName xmlns="http://schemas.microsoft.com/office/infopath/2007/PartnerControls">inside sales</TermName>
-          <TermId xmlns="http://schemas.microsoft.com/office/infopath/2007/PartnerControls">7c476b68-6f84-4a80-9930-2286afc962a8</TermId>
-        </TermInfo>
-      </Terms>
-    </TopicsTaxHTField0>
-    <_dlc_DocId xmlns="230e9df3-be65-4c73-a93b-d1236ebd677e">KC00-15-210934</_dlc_DocId>
-    <Thumbnail1 xmlns="4e240d41-6d38-4eac-9584-b3f543b50010">
-      <Url>http://infopedia/kc02/media/Thumbnails/Microsoft%20Azure%20Domain/KC00-15-107844/azure.PNG</Url>
-      <Description>/kc02/media/Thumbnails/Microsoft Azure Domain/KC00-15-107844/azure.PNG</Description>
-    </Thumbnail1>
-    <AverageRating xmlns="http://schemas.microsoft.com/sharepoint/v3" xsi:nil="true"/>
-    <TaxKeywordTaxHTField xmlns="230e9df3-be65-4c73-a93b-d1236ebd677e">
-      <Terms xmlns="http://schemas.microsoft.com/office/infopath/2007/PartnerControls"/>
-    </TaxKeywordTaxHTField>
-    <TagTemplate xmlns="4e240d41-6d38-4eac-9584-b3f543b50010" xsi:nil="true"/>
-    <PublishDate xmlns="4e240d41-6d38-4eac-9584-b3f543b50010" xsi:nil="true"/>
-    <DocumentSetKcId xmlns="7b813d5f-7206-4d46-95a5-a58185f478af">107844</DocumentSetKcId>
-    <RoutingRuleDescription xmlns="http://schemas.microsoft.com/sharepoint/v3" xsi:nil="true"/>
-    <CompetitorsTaxHTField0 xmlns="4e240d41-6d38-4eac-9584-b3f543b50010">
-      <Terms xmlns="http://schemas.microsoft.com/office/infopath/2007/PartnerControls"/>
-    </CompetitorsTaxHTField0>
-    <IconOverlay xmlns="http://schemas.microsoft.com/sharepoint/v4" xsi:nil="true"/>
-    <Owner xmlns="4e240d41-6d38-4eac-9584-b3f543b50010">
-      <UserInfo>
-        <DisplayName>Tony Meleg</DisplayName>
-        <AccountId>26501</AccountId>
-        <AccountType/>
-      </UserInfo>
-    </Owner>
-    <PublishingExpirationDate xmlns="http://schemas.microsoft.com/sharepoint/v3" xsi:nil="true"/>
-    <EnterpriseDomainTagsTaxHTField0 xmlns="4e240d41-6d38-4eac-9584-b3f543b50010">
-      <Terms xmlns="http://schemas.microsoft.com/office/infopath/2007/PartnerControls">
-        <TermInfo xmlns="http://schemas.microsoft.com/office/infopath/2007/PartnerControls">
-          <TermName xmlns="http://schemas.microsoft.com/office/infopath/2007/PartnerControls">SMSG Readiness</TermName>
-          <TermId xmlns="http://schemas.microsoft.com/office/infopath/2007/PartnerControls">c6595b84-b463-470a-bb46-2a47364645be</TermId>
-        </TermInfo>
-        <TermInfo xmlns="http://schemas.microsoft.com/office/infopath/2007/PartnerControls">
-          <TermName xmlns="http://schemas.microsoft.com/office/infopath/2007/PartnerControls">Cloud and Enterprise Marketing Group</TermName>
-          <TermId xmlns="http://schemas.microsoft.com/office/infopath/2007/PartnerControls">4f75e184-e5aa-4234-a07f-b032d60df254</TermId>
-        </TermInfo>
-      </Terms>
-    </EnterpriseDomainTagsTaxHTField0>
-    <IndustriesTaxHTField0 xmlns="4e240d41-6d38-4eac-9584-b3f543b50010">
-      <Terms xmlns="http://schemas.microsoft.com/office/infopath/2007/PartnerControls"/>
-    </IndustriesTaxHTField0>
-    <ConfidentialityTaxHTField0 xmlns="4e240d41-6d38-4eac-9584-b3f543b50010">
-      <Terms xmlns="http://schemas.microsoft.com/office/infopath/2007/PartnerControls">
-        <TermInfo xmlns="http://schemas.microsoft.com/office/infopath/2007/PartnerControls">
-          <TermName xmlns="http://schemas.microsoft.com/office/infopath/2007/PartnerControls">Microsoft confidential</TermName>
-          <TermId xmlns="http://schemas.microsoft.com/office/infopath/2007/PartnerControls">461efa83-0283-486a-a8d5-943328f3693f</TermId>
-        </TermInfo>
-      </Terms>
-    </ConfidentialityTaxHTField0>
-    <SMSGDomainTaxHTField0 xmlns="4e240d41-6d38-4eac-9584-b3f543b50010">
-      <Terms xmlns="http://schemas.microsoft.com/office/infopath/2007/PartnerControls">
-        <TermInfo xmlns="http://schemas.microsoft.com/office/infopath/2007/PartnerControls">
-          <TermName xmlns="http://schemas.microsoft.com/office/infopath/2007/PartnerControls">Microsoft Azure Domain</TermName>
-          <TermId xmlns="http://schemas.microsoft.com/office/infopath/2007/PartnerControls">d600a391-d529-4311-892b-2c05c1ab2538</TermId>
-        </TermInfo>
-        <TermInfo xmlns="http://schemas.microsoft.com/office/infopath/2007/PartnerControls">
-          <TermName xmlns="http://schemas.microsoft.com/office/infopath/2007/PartnerControls">Cloud and Enterprise</TermName>
-          <TermId xmlns="http://schemas.microsoft.com/office/infopath/2007/PartnerControls">adc2fe87-c79a-4ded-a449-3f86b954069d</TermId>
-        </TermInfo>
-        <TermInfo xmlns="http://schemas.microsoft.com/office/infopath/2007/PartnerControls">
-          <TermName xmlns="http://schemas.microsoft.com/office/infopath/2007/PartnerControls">Server and Tools Business</TermName>
-          <TermId xmlns="http://schemas.microsoft.com/office/infopath/2007/PartnerControls">6783548d-8609-4f97-be4a-4ca2616905a6</TermId>
-        </TermInfo>
-        <TermInfo xmlns="http://schemas.microsoft.com/office/infopath/2007/PartnerControls">
-          <TermName xmlns="http://schemas.microsoft.com/office/infopath/2007/PartnerControls">Sales, Marketing, Services Group</TermName>
-          <TermId xmlns="http://schemas.microsoft.com/office/infopath/2007/PartnerControls">ecda8836-afa0-40aa-878e-630e18c8fc5c</TermId>
-        </TermInfo>
-        <TermInfo xmlns="http://schemas.microsoft.com/office/infopath/2007/PartnerControls">
-          <TermName xmlns="http://schemas.microsoft.com/office/infopath/2007/PartnerControls">Telesales Domain</TermName>
-          <TermId xmlns="http://schemas.microsoft.com/office/infopath/2007/PartnerControls">04a5111f-c67b-4a6e-bf36-05714763ab37</TermId>
-        </TermInfo>
-        <TermInfo xmlns="http://schemas.microsoft.com/office/infopath/2007/PartnerControls">
-          <TermName xmlns="http://schemas.microsoft.com/office/infopath/2007/PartnerControls">China Market Domain</TermName>
-          <TermId xmlns="http://schemas.microsoft.com/office/infopath/2007/PartnerControls">01326006-a657-42bf-b23e-048a7db28273</TermId>
-        </TermInfo>
-      </Terms>
-    </SMSGDomainTaxHTField0>
-    <ItemTypeTaxHTField0 xmlns="4e240d41-6d38-4eac-9584-b3f543b50010">
-      <Terms xmlns="http://schemas.microsoft.com/office/infopath/2007/PartnerControls">
-        <TermInfo xmlns="http://schemas.microsoft.com/office/infopath/2007/PartnerControls">
-          <TermName xmlns="http://schemas.microsoft.com/office/infopath/2007/PartnerControls">customer presentations</TermName>
-          <TermId xmlns="http://schemas.microsoft.com/office/infopath/2007/PartnerControls">18e9ae94-e321-4eea-82d2-ad5b2f470f3c</TermId>
-        </TermInfo>
-      </Terms>
-    </ItemTypeTaxHTField0>
-    <_dlc_DocIdUrl xmlns="230e9df3-be65-4c73-a93b-d1236ebd677e">
-      <Url>http://infopedia/docstore/_layouts/DocIdRedir.aspx?ID=KC00-15-210934</Url>
-      <Description>KC00-15-210934</Description>
-    </_dlc_DocIdUrl>
-    <ProductsTaxHTField0 xmlns="4e240d41-6d38-4eac-9584-b3f543b50010">
-      <Terms xmlns="http://schemas.microsoft.com/office/infopath/2007/PartnerControls">
-        <TermInfo xmlns="http://schemas.microsoft.com/office/infopath/2007/PartnerControls">
-          <TermName xmlns="http://schemas.microsoft.com/office/infopath/2007/PartnerControls">Microsoft Azure platform</TermName>
-          <TermId xmlns="http://schemas.microsoft.com/office/infopath/2007/PartnerControls">df6aaec2-d07c-4319-b510-15a691aea35b</TermId>
-        </TermInfo>
-        <TermInfo xmlns="http://schemas.microsoft.com/office/infopath/2007/PartnerControls">
-          <TermName xmlns="http://schemas.microsoft.com/office/infopath/2007/PartnerControls">Microsoft Azure</TermName>
-          <TermId xmlns="http://schemas.microsoft.com/office/infopath/2007/PartnerControls">669a3112-5edf-444b-a003-630063601f07</TermId>
-        </TermInfo>
-      </Terms>
-    </ProductsTaxHTField0>
-    <RolesTaxHTField0 xmlns="4e240d41-6d38-4eac-9584-b3f543b50010">
-      <Terms xmlns="http://schemas.microsoft.com/office/infopath/2007/PartnerControls">
-        <TermInfo xmlns="http://schemas.microsoft.com/office/infopath/2007/PartnerControls">
-          <TermName xmlns="http://schemas.microsoft.com/office/infopath/2007/PartnerControls">Telesales Solution Specialist</TermName>
-          <TermId xmlns="http://schemas.microsoft.com/office/infopath/2007/PartnerControls">a293ec10-2fac-46ec-98ae-6149da09be06</TermId>
-        </TermInfo>
-        <TermInfo xmlns="http://schemas.microsoft.com/office/infopath/2007/PartnerControls">
-          <TermName xmlns="http://schemas.microsoft.com/office/infopath/2007/PartnerControls">Solution Sales</TermName>
-          <TermId xmlns="http://schemas.microsoft.com/office/infopath/2007/PartnerControls">170353c6-5135-48bf-b60a-c3b55ac67d1c</TermId>
-        </TermInfo>
-      </Terms>
-    </RolesTaxHTField0>
-    <PublishingPageContent xmlns="http://schemas.microsoft.com/sharepoint/v3" xsi:nil="true"/>
-    <fe32998799ba48dcafc127a14edc00fb xmlns="4e240d41-6d38-4eac-9584-b3f543b50010">
-      <Terms xmlns="http://schemas.microsoft.com/office/infopath/2007/PartnerControls"/>
-    </fe32998799ba48dcafc127a14edc00fb>
-    <RegionTaxHTField0 xmlns="4e240d41-6d38-4eac-9584-b3f543b50010">
-      <Terms xmlns="http://schemas.microsoft.com/office/infopath/2007/PartnerControls">
-        <TermInfo xmlns="http://schemas.microsoft.com/office/infopath/2007/PartnerControls">
-          <TermName xmlns="http://schemas.microsoft.com/office/infopath/2007/PartnerControls">China</TermName>
-          <TermId xmlns="http://schemas.microsoft.com/office/infopath/2007/PartnerControls">0f275d9d-9fcb-4bdb-9fdc-f425e5d35066</TermId>
-        </TermInfo>
-      </Terms>
-    </RegionTaxHTField0>
-    <GroupsTaxHTField0 xmlns="4e240d41-6d38-4eac-9584-b3f543b50010">
-      <Terms xmlns="http://schemas.microsoft.com/office/infopath/2007/PartnerControls">
-        <TermInfo xmlns="http://schemas.microsoft.com/office/infopath/2007/PartnerControls">
-          <TermName xmlns="http://schemas.microsoft.com/office/infopath/2007/PartnerControls">Microsoft Azure Marketing</TermName>
-          <TermId xmlns="http://schemas.microsoft.com/office/infopath/2007/PartnerControls">0958c357-5252-473f-8b4e-42f27525a99d</TermId>
-        </TermInfo>
-        <TermInfo xmlns="http://schemas.microsoft.com/office/infopath/2007/PartnerControls">
-          <TermName xmlns="http://schemas.microsoft.com/office/infopath/2007/PartnerControls">SMSG Readiness</TermName>
-          <TermId xmlns="http://schemas.microsoft.com/office/infopath/2007/PartnerControls">c6595b84-b463-470a-bb46-2a47364645be</TermId>
-        </TermInfo>
-        <TermInfo xmlns="http://schemas.microsoft.com/office/infopath/2007/PartnerControls">
-          <TermName xmlns="http://schemas.microsoft.com/office/infopath/2007/PartnerControls">Cloud and Enterprise Marketing Group</TermName>
-          <TermId xmlns="http://schemas.microsoft.com/office/infopath/2007/PartnerControls">4f75e184-e5aa-4234-a07f-b032d60df254</TermId>
-        </TermInfo>
-      </Terms>
-    </GroupsTaxHTField0>
-    <CoOwner xmlns="4e240d41-6d38-4eac-9584-b3f543b50010">
-      <UserInfo>
-        <DisplayName>i:0#.w|redmond\v-brisch</DisplayName>
-        <AccountId>39</AccountId>
-        <AccountType/>
-      </UserInfo>
-      <UserInfo>
-        <DisplayName>i:0#.w|redmond\meeryan</DisplayName>
-        <AccountId>44027</AccountId>
-        <AccountType/>
-      </UserInfo>
-      <UserInfo>
-        <DisplayName>i:0#.w|fareast\v-hesehg</DisplayName>
-        <AccountId>143284</AccountId>
-        <AccountType/>
-      </UserInfo>
-      <UserInfo>
-        <DisplayName>i:0#.w|redmond\chrisper</DisplayName>
-        <AccountId>38059</AccountId>
-        <AccountType/>
-      </UserInfo>
-      <UserInfo>
-        <DisplayName>i:0#.w|redmond\anushar</DisplayName>
-        <AccountId>22194</AccountId>
-        <AccountType/>
-      </UserInfo>
-      <UserInfo>
-        <DisplayName>i:0#.w|redmond\v-anmarv</DisplayName>
-        <AccountId>211331</AccountId>
-        <AccountType/>
-      </UserInfo>
-    </CoOwner>
-    <LanguagesTaxHTField0 xmlns="4e240d41-6d38-4eac-9584-b3f543b50010">
-      <Terms xmlns="http://schemas.microsoft.com/office/infopath/2007/PartnerControls">
-        <TermInfo xmlns="http://schemas.microsoft.com/office/infopath/2007/PartnerControls">
-          <TermName xmlns="http://schemas.microsoft.com/office/infopath/2007/PartnerControls">English</TermName>
-          <TermId xmlns="http://schemas.microsoft.com/office/infopath/2007/PartnerControls">cb91f272-ce4d-4a7e-9bbf-78b58e3d188d</TermId>
-        </TermInfo>
-      </Terms>
-    </LanguagesTaxHTField0>
-    <BusinessArchitectureTaxHTField0 xmlns="4e240d41-6d38-4eac-9584-b3f543b50010">
-      <Terms xmlns="http://schemas.microsoft.com/office/infopath/2007/PartnerControls">
-        <TermInfo xmlns="http://schemas.microsoft.com/office/infopath/2007/PartnerControls">
-          <TermName xmlns="http://schemas.microsoft.com/office/infopath/2007/PartnerControls">Cloud Platform (sales theme)</TermName>
-          <TermId xmlns="http://schemas.microsoft.com/office/infopath/2007/PartnerControls">ec248454-62d9-485e-995d-0cfad61f7f4c</TermId>
-        </TermInfo>
-      </Terms>
-    </BusinessArchitectureTaxHTField0>
-    <PartnersTaxHTField0 xmlns="4e240d41-6d38-4eac-9584-b3f543b50010">
-      <Terms xmlns="http://schemas.microsoft.com/office/infopath/2007/PartnerControls"/>
-    </PartnersTaxHTField0>
-    <ActivitiesAndProgramsTaxHTField0 xmlns="4e240d41-6d38-4eac-9584-b3f543b50010">
-      <Terms xmlns="http://schemas.microsoft.com/office/infopath/2007/PartnerControls">
-        <TermInfo xmlns="http://schemas.microsoft.com/office/infopath/2007/PartnerControls">
-          <TermName xmlns="http://schemas.microsoft.com/office/infopath/2007/PartnerControls">Executive Briefing Center</TermName>
-          <TermId xmlns="http://schemas.microsoft.com/office/infopath/2007/PartnerControls">f6f45d27-6c93-466a-8cd5-2846af886eb9</TermId>
-        </TermInfo>
-        <TermInfo xmlns="http://schemas.microsoft.com/office/infopath/2007/PartnerControls">
-          <TermName xmlns="http://schemas.microsoft.com/office/infopath/2007/PartnerControls">Worldwide Inside Sales Readiness</TermName>
-          <TermId xmlns="http://schemas.microsoft.com/office/infopath/2007/PartnerControls">3a4e01ea-907e-4f11-9b1b-2424e207e8d1</TermId>
-        </TermInfo>
-      </Terms>
-    </ActivitiesAndProgramsTaxHTField0>
-    <ApplyWorkflowRules xmlns="4e240d41-6d38-4eac-9584-b3f543b50010">Yes</ApplyWorkflowRules>
-    <TaxCatchAll xmlns="230e9df3-be65-4c73-a93b-d1236ebd677e">
-      <Value>20682</Value>
-      <Value>18422</Value>
-      <Value>13833</Value>
-      <Value>10205</Value>
-      <Value>10056</Value>
-      <Value>13755</Value>
-      <Value>20050</Value>
-      <Value>10052</Value>
-      <Value>18906</Value>
-      <Value>20557</Value>
-      <Value>21</Value>
-      <Value>14856</Value>
-      <Value>12938</Value>
-      <Value>18442</Value>
-      <Value>19685</Value>
-      <Value>10077</Value>
-      <Value>20954</Value>
-      <Value>17845</Value>
-      <Value>20730</Value>
-      <Value>19399</Value>
-      <Value>10849</Value>
-      <Value>10921</Value>
-      <Value>15579</Value>
-      <Value>17058</Value>
-      <Value>13172</Value>
-    </TaxCatchAll>
-  </documentManagement>
-</p:properties>
-</file>
-
-<file path=customXml/item4.xml><?xml version="1.0" encoding="utf-8"?>
-<?mso-contentType ?>
-<FormTemplates xmlns="http://schemas.microsoft.com/sharepoint/v3/contenttype/forms">
-  <Display>DocumentLibraryForm</Display>
-  <Edit>DocumentLibraryForm</Edit>
-  <New>DocumentLibraryForm</New>
-</FormTemplates>
-</file>
-
-<file path=customXml/item5.xml><?xml version="1.0" encoding="utf-8"?>
-<?mso-contentType ?>
-<spe:Receivers xmlns:spe="http://schemas.microsoft.com/sharepoint/events">
-  <Receiver>
-    <Name>Document ID Generator</Name>
-    <Synchronization>Synchronous</Synchronization>
-    <Type>10001</Type>
-    <SequenceNumber>1000</SequenceNumber>
-    <Assembly>Microsoft.Office.DocumentManagement, Version=14.0.0.0, Culture=neutral, PublicKeyToken=71e9bce111e9429c</Assembly>
-    <Class>Microsoft.Office.DocumentManagement.Internal.DocIdHandler</Class>
-    <Data/>
-    <Filter/>
-  </Receiver>
-  <Receiver>
-    <Name>Document ID Generator</Name>
-    <Synchronization>Synchronous</Synchronization>
-    <Type>10002</Type>
-    <SequenceNumber>1001</SequenceNumber>
-    <Assembly>Microsoft.Office.DocumentManagement, Version=14.0.0.0, Culture=neutral, PublicKeyToken=71e9bce111e9429c</Assembly>
-    <Class>Microsoft.Office.DocumentManagement.Internal.DocIdHandler</Class>
-    <Data/>
-    <Filter/>
-  </Receiver>
-  <Receiver>
-    <Name>Document ID Generator</Name>
-    <Synchronization>Synchronous</Synchronization>
-    <Type>10004</Type>
-    <SequenceNumber>1002</SequenceNumber>
-    <Assembly>Microsoft.Office.DocumentManagement, Version=14.0.0.0, Culture=neutral, PublicKeyToken=71e9bce111e9429c</Assembly>
-    <Class>Microsoft.Office.DocumentManagement.Internal.DocIdHandler</Class>
-    <Data/>
-    <Filter/>
-  </Receiver>
-  <Receiver>
-    <Name>Document ID Generator</Name>
-    <Synchronization>Synchronous</Synchronization>
-    <Type>10006</Type>
-    <SequenceNumber>1003</SequenceNumber>
-    <Assembly>Microsoft.Office.DocumentManagement, Version=14.0.0.0, Culture=neutral, PublicKeyToken=71e9bce111e9429c</Assembly>
-    <Class>Microsoft.Office.DocumentManagement.Internal.DocIdHandler</Class>
-    <Data/>
-    <Filter/>
-  </Receiver>
-  <Receiver>
-    <Name>Document ID Generator</Name>
-    <Synchronization>Synchronous</Synchronization>
-    <Type>10009</Type>
-    <SequenceNumber>1004</SequenceNumber>
-    <Assembly>Microsoft.Office.DocumentManagement, Version=14.0.0.0, Culture=neutral, PublicKeyToken=71e9bce111e9429c</Assembly>
-    <Class>Microsoft.Office.DocumentManagement.Internal.DocIdHandler</Class>
-    <Data/>
-    <Filter/>
-  </Receiver>
-</spe:Receivers>
-</file>
-
 <file path=customXml/itemProps1.xml><?xml version="1.0" encoding="utf-8"?>
 <ds:datastoreItem xmlns:ds="http://schemas.openxmlformats.org/officeDocument/2006/customXml" ds:itemID="{C12AFFCC-E1DC-4673-B786-3C88E30A3D8E}">
   <ds:schemaRefs>
@@ -43681,6 +43303,42 @@
 </file>
 
 <file path=customXml/itemProps2.xml><?xml version="1.0" encoding="utf-8"?>
+<ds:datastoreItem xmlns:ds="http://schemas.openxmlformats.org/officeDocument/2006/customXml" ds:itemID="{E5FD8E07-4E68-4E3F-96BD-4FFA3AC81A1B}">
+  <ds:schemaRefs>
+    <ds:schemaRef ds:uri="http://schemas.microsoft.com/sharepoint/events"/>
+  </ds:schemaRefs>
+</ds:datastoreItem>
+</file>
+
+<file path=customXml/itemProps3.xml><?xml version="1.0" encoding="utf-8"?>
+<ds:datastoreItem xmlns:ds="http://schemas.openxmlformats.org/officeDocument/2006/customXml" ds:itemID="{637CE760-3C25-48EA-9D92-DCD8CAA51C39}">
+  <ds:schemaRefs>
+    <ds:schemaRef ds:uri="http://schemas.microsoft.com/sharepoint/v3/contenttype/forms"/>
+  </ds:schemaRefs>
+</ds:datastoreItem>
+</file>
+
+<file path=customXml/itemProps4.xml><?xml version="1.0" encoding="utf-8"?>
+<ds:datastoreItem xmlns:ds="http://schemas.openxmlformats.org/officeDocument/2006/customXml" ds:itemID="{14D87765-BD76-43B8-A7B8-9DBD5B7B4763}">
+  <ds:schemaRefs>
+    <ds:schemaRef ds:uri="230e9df3-be65-4c73-a93b-d1236ebd677e"/>
+    <ds:schemaRef ds:uri="http://purl.org/dc/elements/1.1/"/>
+    <ds:schemaRef ds:uri="http://schemas.microsoft.com/office/2006/metadata/properties"/>
+    <ds:schemaRef ds:uri="7b813d5f-7206-4d46-95a5-a58185f478af"/>
+    <ds:schemaRef ds:uri="http://schemas.microsoft.com/office/infopath/2007/PartnerControls"/>
+    <ds:schemaRef ds:uri="http://purl.org/dc/terms/"/>
+    <ds:schemaRef ds:uri="4e240d41-6d38-4eac-9584-b3f543b50010"/>
+    <ds:schemaRef ds:uri="http://schemas.openxmlformats.org/package/2006/metadata/core-properties"/>
+    <ds:schemaRef ds:uri="http://schemas.microsoft.com/office/2006/documentManagement/types"/>
+    <ds:schemaRef ds:uri="http://schemas.microsoft.com/sharepoint/v4"/>
+    <ds:schemaRef ds:uri="http://schemas.microsoft.com/sharepoint/v3"/>
+    <ds:schemaRef ds:uri="http://www.w3.org/XML/1998/namespace"/>
+    <ds:schemaRef ds:uri="http://purl.org/dc/dcmitype/"/>
+  </ds:schemaRefs>
+</ds:datastoreItem>
+</file>
+
+<file path=customXml/itemProps5.xml><?xml version="1.0" encoding="utf-8"?>
 <ds:datastoreItem xmlns:ds="http://schemas.openxmlformats.org/officeDocument/2006/customXml" ds:itemID="{C11CD21E-5B4D-41AA-8CC9-0207EAA9F12F}">
   <ds:schemaRefs>
     <ds:schemaRef ds:uri="http://schemas.microsoft.com/office/2006/metadata/contentType"/>
@@ -43700,40 +43358,4 @@
     <ds:schemaRef ds:uri="http://schemas.microsoft.com/internal/obd"/>
   </ds:schemaRefs>
 </ds:datastoreItem>
-</file>
-
-<file path=customXml/itemProps3.xml><?xml version="1.0" encoding="utf-8"?>
-<ds:datastoreItem xmlns:ds="http://schemas.openxmlformats.org/officeDocument/2006/customXml" ds:itemID="{14D87765-BD76-43B8-A7B8-9DBD5B7B4763}">
-  <ds:schemaRefs>
-    <ds:schemaRef ds:uri="230e9df3-be65-4c73-a93b-d1236ebd677e"/>
-    <ds:schemaRef ds:uri="http://purl.org/dc/elements/1.1/"/>
-    <ds:schemaRef ds:uri="http://schemas.microsoft.com/office/2006/metadata/properties"/>
-    <ds:schemaRef ds:uri="7b813d5f-7206-4d46-95a5-a58185f478af"/>
-    <ds:schemaRef ds:uri="http://schemas.microsoft.com/office/infopath/2007/PartnerControls"/>
-    <ds:schemaRef ds:uri="http://purl.org/dc/terms/"/>
-    <ds:schemaRef ds:uri="4e240d41-6d38-4eac-9584-b3f543b50010"/>
-    <ds:schemaRef ds:uri="http://schemas.openxmlformats.org/package/2006/metadata/core-properties"/>
-    <ds:schemaRef ds:uri="http://schemas.microsoft.com/office/2006/documentManagement/types"/>
-    <ds:schemaRef ds:uri="http://schemas.microsoft.com/sharepoint/v4"/>
-    <ds:schemaRef ds:uri="http://schemas.microsoft.com/sharepoint/v3"/>
-    <ds:schemaRef ds:uri="http://www.w3.org/XML/1998/namespace"/>
-    <ds:schemaRef ds:uri="http://purl.org/dc/dcmitype/"/>
-  </ds:schemaRefs>
-</ds:datastoreItem>
-</file>
-
-<file path=customXml/itemProps4.xml><?xml version="1.0" encoding="utf-8"?>
-<ds:datastoreItem xmlns:ds="http://schemas.openxmlformats.org/officeDocument/2006/customXml" ds:itemID="{637CE760-3C25-48EA-9D92-DCD8CAA51C39}">
-  <ds:schemaRefs>
-    <ds:schemaRef ds:uri="http://schemas.microsoft.com/sharepoint/v3/contenttype/forms"/>
-  </ds:schemaRefs>
-</ds:datastoreItem>
-</file>
-
-<file path=customXml/itemProps5.xml><?xml version="1.0" encoding="utf-8"?>
-<ds:datastoreItem xmlns:ds="http://schemas.openxmlformats.org/officeDocument/2006/customXml" ds:itemID="{E5FD8E07-4E68-4E3F-96BD-4FFA3AC81A1B}">
-  <ds:schemaRefs>
-    <ds:schemaRef ds:uri="http://schemas.microsoft.com/sharepoint/events"/>
-  </ds:schemaRefs>
-</ds:datastoreItem>
 </file>
--- a/Modul2/FY16Q2 Azure Hybrid (Hybrid IT 2015).pptx
+++ b/Modul2/FY16Q2 Azure Hybrid (Hybrid IT 2015).pptx
@@ -273,7 +273,7 @@
           <a:p>
             <a:fld id="{53E720BF-5BAB-4715-8B3B-2856BF90270A}" type="datetimeFigureOut">
               <a:rPr lang="de-DE" smtClean="0"/>
-              <a:t>tt.12.jjjj</a:t>
+              <a:t>26.01.2016</a:t>
             </a:fld>
             <a:endParaRPr lang="de-DE"/>
           </a:p>
@@ -438,7 +438,7 @@
           <a:p>
             <a:fld id="{9D9CDDDB-B493-4813-BA5B-F25DD0BAB6F6}" type="datetimeFigureOut">
               <a:rPr lang="en-US" smtClean="0"/>
-              <a:t>12/t/jjjj</a:t>
+              <a:t>1/26/2016</a:t>
             </a:fld>
             <a:endParaRPr lang="en-US"/>
           </a:p>
@@ -502,38 +502,37 @@
           <a:p>
             <a:pPr lvl="0"/>
             <a:r>
-              <a:rPr lang="en-US" smtClean="0"/>
+              <a:rPr lang="en-US"/>
               <a:t>Click to edit Master text styles</a:t>
             </a:r>
           </a:p>
           <a:p>
             <a:pPr lvl="1"/>
             <a:r>
-              <a:rPr lang="en-US" smtClean="0"/>
+              <a:rPr lang="en-US"/>
               <a:t>Second level</a:t>
             </a:r>
           </a:p>
           <a:p>
             <a:pPr lvl="2"/>
             <a:r>
-              <a:rPr lang="en-US" smtClean="0"/>
+              <a:rPr lang="en-US"/>
               <a:t>Third level</a:t>
             </a:r>
           </a:p>
           <a:p>
             <a:pPr lvl="3"/>
             <a:r>
-              <a:rPr lang="en-US" smtClean="0"/>
+              <a:rPr lang="en-US"/>
               <a:t>Fourth level</a:t>
             </a:r>
           </a:p>
           <a:p>
             <a:pPr lvl="4"/>
             <a:r>
-              <a:rPr lang="en-US" smtClean="0"/>
+              <a:rPr lang="en-US"/>
               <a:t>Fifth level</a:t>
             </a:r>
-            <a:endParaRPr lang="en-US"/>
           </a:p>
         </p:txBody>
       </p:sp>
@@ -745,14 +744,14 @@
           </a:ln>
           <a:extLst>
             <a:ext uri="{909E8E84-426E-40dd-AFC4-6F175D3DCCD1}">
-              <a14:hiddenFill xmlns="" xmlns:a14="http://schemas.microsoft.com/office/drawing/2010/main">
+              <a14:hiddenFill xmlns:a14="http://schemas.microsoft.com/office/drawing/2010/main" xmlns="">
                 <a:solidFill>
                   <a:srgbClr val="FFFFFF"/>
                 </a:solidFill>
               </a14:hiddenFill>
             </a:ext>
             <a:ext uri="{FAA26D3D-D897-4be2-8F04-BA451C77F1D7}">
-              <ma14:placeholderFlag xmlns="" xmlns:ma14="http://schemas.microsoft.com/office/mac/drawingml/2011/main" val="1"/>
+              <ma14:placeholderFlag xmlns:ma14="http://schemas.microsoft.com/office/mac/drawingml/2011/main" xmlns="" val="1"/>
             </a:ext>
           </a:extLst>
         </p:spPr>
@@ -772,7 +771,7 @@
           <a:bodyPr/>
           <a:lstStyle/>
           <a:p>
-            <a:endParaRPr lang="en-US" sz="1400" baseline="0" dirty="0" smtClean="0"/>
+            <a:endParaRPr lang="en-US" sz="1400" baseline="0" dirty="0"/>
           </a:p>
         </p:txBody>
       </p:sp>
@@ -997,7 +996,7 @@
                 <a:latin typeface="Calibri" charset="0"/>
               </a:rPr>
               <a:pPr eaLnBrk="1" hangingPunct="1"/>
-              <a:t>12/t/jjjj</a:t>
+              <a:t>1/26/2016</a:t>
             </a:fld>
             <a:endParaRPr lang="en-US" sz="1200">
               <a:solidFill>
@@ -1388,7 +1387,7 @@
           <a:bodyPr/>
           <a:lstStyle/>
           <a:p>
-            <a:endParaRPr lang="en-US" baseline="0" dirty="0" smtClean="0"/>
+            <a:endParaRPr lang="en-US" baseline="0" dirty="0"/>
           </a:p>
         </p:txBody>
       </p:sp>
@@ -1408,18 +1407,13 @@
           <a:lstStyle/>
           <a:p>
             <a:r>
-              <a:rPr lang="en-US" smtClean="0">
+              <a:rPr lang="en-US">
                 <a:solidFill>
                   <a:prstClr val="black"/>
                 </a:solidFill>
               </a:rPr>
               <a:t>Build 2012</a:t>
             </a:r>
-            <a:endParaRPr lang="en-US">
-              <a:solidFill>
-                <a:prstClr val="black"/>
-              </a:solidFill>
-            </a:endParaRPr>
           </a:p>
         </p:txBody>
       </p:sp>
@@ -1445,7 +1439,7 @@
                 </a:solidFill>
               </a:rPr>
               <a:pPr/>
-              <a:t>12/t/jjjj</a:t>
+              <a:t>1/26/2016</a:t>
             </a:fld>
             <a:endParaRPr lang="en-US" dirty="0">
               <a:solidFill>
@@ -1564,7 +1558,7 @@
           <a:lstStyle/>
           <a:p>
             <a:r>
-              <a:rPr lang="en-US" smtClean="0">
+              <a:rPr lang="en-US">
                 <a:solidFill>
                   <a:prstClr val="black"/>
                 </a:solidFill>
@@ -1596,7 +1590,7 @@
           <a:p>
             <a:pPr defTabSz="914099" eaLnBrk="0" hangingPunct="0"/>
             <a:r>
-              <a:rPr lang="en-US" sz="400" smtClean="0">
+              <a:rPr lang="en-US" sz="400">
                 <a:gradFill>
                   <a:gsLst>
                     <a:gs pos="0">
@@ -1618,7 +1612,7 @@
           <a:p>
             <a:pPr defTabSz="914099" eaLnBrk="0" hangingPunct="0"/>
             <a:r>
-              <a:rPr lang="en-US" sz="400" smtClean="0">
+              <a:rPr lang="en-US" sz="400">
                 <a:gradFill>
                   <a:gsLst>
                     <a:gs pos="0">
@@ -1636,7 +1630,7 @@
               </a:rPr>
               <a:t>The information herein is for informational purposes only and represents the current view of Microsoft Corporation as of the date of this presentation. Because Microsoft must respond to changing market conditions, it should not be interpreted to be a commitment on the part of Microsoft, and Microsoft cannot guarantee the accuracy of any information provided after the date of this presentation. MICROSOFT MAKES NO WARRANTIES, EXPRESS, IMPLIED OR STATUTORY, AS TO THE INFORMATION IN THIS PRESENTATION.</a:t>
             </a:r>
-            <a:endParaRPr lang="en-US" sz="400" dirty="0" smtClean="0">
+            <a:endParaRPr lang="en-US" sz="400" dirty="0">
               <a:gradFill>
                 <a:gsLst>
                   <a:gs pos="0">
@@ -1677,7 +1671,7 @@
                 </a:solidFill>
               </a:rPr>
               <a:pPr/>
-              <a:t>12/t/jjjj</a:t>
+              <a:t>1/26/2016</a:t>
             </a:fld>
             <a:endParaRPr lang="en-US" dirty="0">
               <a:solidFill>
@@ -1837,7 +1831,7 @@
           <a:p>
             <a:pPr defTabSz="914099" eaLnBrk="0" hangingPunct="0"/>
             <a:r>
-              <a:rPr lang="en-US" sz="400" smtClean="0">
+              <a:rPr lang="en-US" sz="400">
                 <a:gradFill>
                   <a:gsLst>
                     <a:gs pos="0">
@@ -1859,7 +1853,7 @@
           <a:p>
             <a:pPr defTabSz="914099" eaLnBrk="0" hangingPunct="0"/>
             <a:r>
-              <a:rPr lang="en-US" sz="400" smtClean="0">
+              <a:rPr lang="en-US" sz="400">
                 <a:gradFill>
                   <a:gsLst>
                     <a:gs pos="0">
@@ -1877,7 +1871,7 @@
               </a:rPr>
               <a:t>The information herein is for informational purposes only and represents the current view of Microsoft Corporation as of the date of this presentation.  Because Microsoft must respond to changing market conditions, it should not be interpreted to be a commitment on the part of Microsoft, and Microsoft cannot guarantee the accuracy of any information provided after the date of this presentation.  MICROSOFT MAKES NO WARRANTIES, EXPRESS, IMPLIED OR STATUTORY, AS TO THE INFORMATION IN THIS PRESENTATION.</a:t>
             </a:r>
-            <a:endParaRPr lang="en-US" sz="400" dirty="0" smtClean="0">
+            <a:endParaRPr lang="en-US" sz="400" dirty="0">
               <a:gradFill>
                 <a:gsLst>
                   <a:gs pos="0">
@@ -1918,7 +1912,7 @@
                 </a:solidFill>
               </a:rPr>
               <a:pPr/>
-              <a:t>12/t/jjjj</a:t>
+              <a:t>1/26/2016</a:t>
             </a:fld>
             <a:endParaRPr lang="en-US" dirty="0">
               <a:solidFill>
@@ -2080,7 +2074,7 @@
                   <a:prstClr val="black"/>
                 </a:solidFill>
               </a:rPr>
-              <a:t>12/t/jjjj 7:59 AM</a:t>
+              <a:t>1/26/2016 8:04 PM</a:t>
             </a:fld>
             <a:endParaRPr lang="en-US" dirty="0">
               <a:solidFill>
@@ -2139,7 +2133,7 @@
           <a:p>
             <a:pPr defTabSz="914099" eaLnBrk="0" hangingPunct="0"/>
             <a:r>
-              <a:rPr lang="en-US" sz="400" dirty="0" smtClean="0">
+              <a:rPr lang="en-US" sz="400" dirty="0">
                 <a:gradFill>
                   <a:gsLst>
                     <a:gs pos="0">
@@ -2327,14 +2321,14 @@
           </a:ln>
           <a:extLst>
             <a:ext uri="{909E8E84-426E-40dd-AFC4-6F175D3DCCD1}">
-              <a14:hiddenFill xmlns="" xmlns:a14="http://schemas.microsoft.com/office/drawing/2010/main">
+              <a14:hiddenFill xmlns:a14="http://schemas.microsoft.com/office/drawing/2010/main" xmlns="">
                 <a:solidFill>
                   <a:srgbClr val="FFFFFF"/>
                 </a:solidFill>
               </a14:hiddenFill>
             </a:ext>
             <a:ext uri="{91240B29-F687-4f45-9708-019B960494DF}">
-              <a14:hiddenLine xmlns="" xmlns:a14="http://schemas.microsoft.com/office/drawing/2010/main" w="9525">
+              <a14:hiddenLine xmlns:a14="http://schemas.microsoft.com/office/drawing/2010/main" xmlns="" w="9525">
                 <a:solidFill>
                   <a:srgbClr val="000000"/>
                 </a:solidFill>
@@ -2375,7 +2369,7 @@
           </a:lstStyle>
           <a:p>
             <a:r>
-              <a:rPr lang="en-US" smtClean="0"/>
+              <a:rPr lang="en-US"/>
               <a:t>Click to edit Master title style</a:t>
             </a:r>
             <a:endParaRPr lang="en-US" dirty="0"/>
@@ -2499,10 +2493,10 @@
           </a:lstStyle>
           <a:p>
             <a:r>
-              <a:rPr lang="en-US" smtClean="0"/>
+              <a:rPr lang="en-US"/>
               <a:t>Click to edit Master subtitle style</a:t>
             </a:r>
-            <a:endParaRPr lang="en-US" dirty="0" smtClean="0"/>
+            <a:endParaRPr lang="en-US" dirty="0"/>
           </a:p>
         </p:txBody>
       </p:sp>
@@ -2677,10 +2671,9 @@
           <a:p>
             <a:pPr lvl="0"/>
             <a:r>
-              <a:rPr lang="en-US" smtClean="0"/>
+              <a:rPr lang="en-US"/>
               <a:t>Click to edit Master text styles</a:t>
             </a:r>
-            <a:endParaRPr lang="en-US"/>
           </a:p>
         </p:txBody>
       </p:sp>
@@ -2716,10 +2709,9 @@
           </a:lstStyle>
           <a:p>
             <a:r>
-              <a:rPr lang="en-US" dirty="0" smtClean="0"/>
+              <a:rPr lang="en-US" dirty="0"/>
               <a:t>Click to edit Master title style</a:t>
             </a:r>
-            <a:endParaRPr lang="en-US" dirty="0"/>
           </a:p>
         </p:txBody>
       </p:sp>
@@ -2965,10 +2957,9 @@
           </a:lstStyle>
           <a:p>
             <a:r>
-              <a:rPr lang="en-US" dirty="0" smtClean="0"/>
+              <a:rPr lang="en-US" dirty="0"/>
               <a:t>Click to edit Master title style</a:t>
             </a:r>
-            <a:endParaRPr lang="en-US" dirty="0"/>
           </a:p>
         </p:txBody>
       </p:sp>
@@ -3021,10 +3012,9 @@
           <a:lstStyle/>
           <a:p>
             <a:r>
-              <a:rPr lang="en-US" dirty="0" smtClean="0"/>
+              <a:rPr lang="en-US" dirty="0"/>
               <a:t>Click to edit Master title style</a:t>
             </a:r>
-            <a:endParaRPr lang="en-US" dirty="0"/>
           </a:p>
         </p:txBody>
       </p:sp>
@@ -3047,10 +3037,9 @@
               <a:defRPr/>
             </a:pPr>
             <a:r>
-              <a:rPr lang="en-US" smtClean="0"/>
+              <a:rPr lang="en-US"/>
               <a:t>Microsoft Confidential</a:t>
             </a:r>
-            <a:endParaRPr lang="en-US"/>
           </a:p>
         </p:txBody>
       </p:sp>
@@ -3119,38 +3108,37 @@
           <a:p>
             <a:pPr lvl="0"/>
             <a:r>
-              <a:rPr lang="en-US" dirty="0" smtClean="0"/>
+              <a:rPr lang="en-US" dirty="0"/>
               <a:t>Click to edit Master text styles</a:t>
             </a:r>
           </a:p>
           <a:p>
             <a:pPr lvl="1"/>
             <a:r>
-              <a:rPr lang="en-US" dirty="0" smtClean="0"/>
+              <a:rPr lang="en-US" dirty="0"/>
               <a:t>Second level</a:t>
             </a:r>
           </a:p>
           <a:p>
             <a:pPr lvl="2"/>
             <a:r>
-              <a:rPr lang="en-US" dirty="0" smtClean="0"/>
+              <a:rPr lang="en-US" dirty="0"/>
               <a:t>Third level</a:t>
             </a:r>
           </a:p>
           <a:p>
             <a:pPr lvl="3"/>
             <a:r>
-              <a:rPr lang="en-US" dirty="0" smtClean="0"/>
+              <a:rPr lang="en-US" dirty="0"/>
               <a:t>Fourth level</a:t>
             </a:r>
           </a:p>
           <a:p>
             <a:pPr lvl="4"/>
             <a:r>
-              <a:rPr lang="en-US" dirty="0" smtClean="0"/>
+              <a:rPr lang="en-US" dirty="0"/>
               <a:t>Fifth level</a:t>
             </a:r>
-            <a:endParaRPr lang="en-US" dirty="0"/>
           </a:p>
         </p:txBody>
       </p:sp>
@@ -3343,41 +3331,7 @@
                 </a:gradFill>
                 <a:cs typeface="Segoe UI" pitchFamily="34" charset="0"/>
               </a:rPr>
-              <a:t>© </a:t>
-            </a:r>
-            <a:r>
-              <a:rPr lang="en-US" sz="700" dirty="0" smtClean="0">
-                <a:gradFill>
-                  <a:gsLst>
-                    <a:gs pos="12389">
-                      <a:srgbClr val="FFFFFF"/>
-                    </a:gs>
-                    <a:gs pos="54000">
-                      <a:srgbClr val="FFFFFF"/>
-                    </a:gs>
-                  </a:gsLst>
-                  <a:lin ang="5400000" scaled="0"/>
-                </a:gradFill>
-                <a:cs typeface="Segoe UI" pitchFamily="34" charset="0"/>
-              </a:rPr>
-              <a:t>2015 </a:t>
-            </a:r>
-            <a:r>
-              <a:rPr lang="en-US" sz="700" dirty="0">
-                <a:gradFill>
-                  <a:gsLst>
-                    <a:gs pos="12389">
-                      <a:srgbClr val="FFFFFF"/>
-                    </a:gs>
-                    <a:gs pos="54000">
-                      <a:srgbClr val="FFFFFF"/>
-                    </a:gs>
-                  </a:gsLst>
-                  <a:lin ang="5400000" scaled="0"/>
-                </a:gradFill>
-                <a:cs typeface="Segoe UI" pitchFamily="34" charset="0"/>
-              </a:rPr>
-              <a:t>Microsoft Corporation. All rights reserved. </a:t>
+              <a:t>© 2015 Microsoft Corporation. All rights reserved. </a:t>
             </a:r>
           </a:p>
         </p:txBody>
@@ -3490,7 +3444,7 @@
           </a:lstStyle>
           <a:p>
             <a:r>
-              <a:rPr lang="en-US" smtClean="0"/>
+              <a:rPr lang="en-US"/>
               <a:t>Click to edit Master title style</a:t>
             </a:r>
             <a:endParaRPr lang="en-US" dirty="0"/>
@@ -3548,35 +3502,35 @@
           <a:p>
             <a:pPr lvl="0"/>
             <a:r>
-              <a:rPr lang="en-US" smtClean="0"/>
+              <a:rPr lang="en-US"/>
               <a:t>Click to edit Master text styles</a:t>
             </a:r>
           </a:p>
           <a:p>
             <a:pPr lvl="1"/>
             <a:r>
-              <a:rPr lang="en-US" smtClean="0"/>
+              <a:rPr lang="en-US"/>
               <a:t>Second level</a:t>
             </a:r>
           </a:p>
           <a:p>
             <a:pPr lvl="2"/>
             <a:r>
-              <a:rPr lang="en-US" smtClean="0"/>
+              <a:rPr lang="en-US"/>
               <a:t>Third level</a:t>
             </a:r>
           </a:p>
           <a:p>
             <a:pPr lvl="3"/>
             <a:r>
-              <a:rPr lang="en-US" smtClean="0"/>
+              <a:rPr lang="en-US"/>
               <a:t>Fourth level</a:t>
             </a:r>
           </a:p>
           <a:p>
             <a:pPr lvl="4"/>
             <a:r>
-              <a:rPr lang="en-US" smtClean="0"/>
+              <a:rPr lang="en-US"/>
               <a:t>Fifth level</a:t>
             </a:r>
             <a:endParaRPr lang="en-US" dirty="0"/>
@@ -3647,10 +3601,9 @@
           <a:lstStyle/>
           <a:p>
             <a:r>
-              <a:rPr lang="en-US" dirty="0" smtClean="0"/>
+              <a:rPr lang="en-US" dirty="0"/>
               <a:t>Click to edit Master title style</a:t>
             </a:r>
-            <a:endParaRPr lang="en-US" dirty="0"/>
           </a:p>
         </p:txBody>
       </p:sp>
@@ -3678,14 +3631,14 @@
           </a:ln>
           <a:extLst>
             <a:ext uri="{909E8E84-426E-40dd-AFC4-6F175D3DCCD1}">
-              <a14:hiddenFill xmlns="" xmlns:a14="http://schemas.microsoft.com/office/drawing/2010/main">
+              <a14:hiddenFill xmlns:a14="http://schemas.microsoft.com/office/drawing/2010/main" xmlns="">
                 <a:solidFill>
                   <a:srgbClr val="FFFFFF"/>
                 </a:solidFill>
               </a14:hiddenFill>
             </a:ext>
             <a:ext uri="{91240B29-F687-4f45-9708-019B960494DF}">
-              <a14:hiddenLine xmlns="" xmlns:a14="http://schemas.microsoft.com/office/drawing/2010/main" w="9525">
+              <a14:hiddenLine xmlns:a14="http://schemas.microsoft.com/office/drawing/2010/main" xmlns="" w="9525">
                 <a:solidFill>
                   <a:srgbClr val="000000"/>
                 </a:solidFill>
@@ -3695,7 +3648,7 @@
               </a14:hiddenLine>
             </a:ext>
             <a:ext uri="{FAA26D3D-D897-4be2-8F04-BA451C77F1D7}">
-              <ma14:placeholderFlag xmlns="" xmlns:ma14="http://schemas.microsoft.com/office/mac/drawingml/2011/main" val="1"/>
+              <ma14:placeholderFlag xmlns:ma14="http://schemas.microsoft.com/office/mac/drawingml/2011/main" xmlns="" val="1"/>
             </a:ext>
           </a:extLst>
         </p:spPr>
@@ -4537,14 +4490,14 @@
           </a:ln>
           <a:extLst>
             <a:ext uri="{909E8E84-426E-40dd-AFC4-6F175D3DCCD1}">
-              <a14:hiddenFill xmlns="" xmlns:a14="http://schemas.microsoft.com/office/drawing/2010/main">
+              <a14:hiddenFill xmlns:a14="http://schemas.microsoft.com/office/drawing/2010/main" xmlns="">
                 <a:solidFill>
                   <a:srgbClr val="FFFFFF"/>
                 </a:solidFill>
               </a14:hiddenFill>
             </a:ext>
             <a:ext uri="{91240B29-F687-4f45-9708-019B960494DF}">
-              <a14:hiddenLine xmlns="" xmlns:a14="http://schemas.microsoft.com/office/drawing/2010/main" w="9525">
+              <a14:hiddenLine xmlns:a14="http://schemas.microsoft.com/office/drawing/2010/main" xmlns="" w="9525">
                 <a:solidFill>
                   <a:srgbClr val="000000"/>
                 </a:solidFill>
@@ -4693,20 +4646,10 @@
                 <a:latin typeface="Segoe UI Light" charset="0"/>
                 <a:cs typeface="Segoe UI" charset="0"/>
               </a:rPr>
-              <a:t>Peter </a:t>
-            </a:r>
-            <a:r>
-              <a:rPr lang="de-DE" sz="2200" dirty="0" smtClean="0">
-                <a:solidFill>
-                  <a:srgbClr val="FFFFFF"/>
-                </a:solidFill>
-                <a:latin typeface="Segoe UI Light" charset="0"/>
-                <a:cs typeface="Segoe UI" charset="0"/>
-              </a:rPr>
-              <a:t>Kirchner</a:t>
+              <a:t>Peter Kirchner</a:t>
             </a:r>
             <a:br>
-              <a:rPr lang="de-DE" sz="2200" dirty="0" smtClean="0">
+              <a:rPr lang="de-DE" sz="2200" dirty="0">
                 <a:solidFill>
                   <a:srgbClr val="FFFFFF"/>
                 </a:solidFill>
@@ -4715,7 +4658,7 @@
               </a:rPr>
             </a:br>
             <a:r>
-              <a:rPr lang="de-DE" sz="2200" dirty="0" smtClean="0">
+              <a:rPr lang="de-DE" sz="2200" dirty="0">
                 <a:solidFill>
                   <a:srgbClr val="FFFFFF"/>
                 </a:solidFill>
@@ -4725,7 +4668,7 @@
               <a:t>Technical Evangelist</a:t>
             </a:r>
             <a:br>
-              <a:rPr lang="de-DE" sz="2200" dirty="0" smtClean="0">
+              <a:rPr lang="de-DE" sz="2200" dirty="0">
                 <a:solidFill>
                   <a:srgbClr val="FFFFFF"/>
                 </a:solidFill>
@@ -4734,16 +4677,6 @@
               </a:rPr>
             </a:br>
             <a:r>
-              <a:rPr lang="de-DE" sz="2200" dirty="0" smtClean="0">
-                <a:solidFill>
-                  <a:srgbClr val="FFFFFF"/>
-                </a:solidFill>
-                <a:latin typeface="Segoe UI Light" charset="0"/>
-                <a:cs typeface="Segoe UI" charset="0"/>
-              </a:rPr>
-              <a:t>Microsoft </a:t>
-            </a:r>
-            <a:r>
               <a:rPr lang="de-DE" sz="2200" dirty="0">
                 <a:solidFill>
                   <a:srgbClr val="FFFFFF"/>
@@ -4751,7 +4684,7 @@
                 <a:latin typeface="Segoe UI Light" charset="0"/>
                 <a:cs typeface="Segoe UI" charset="0"/>
               </a:rPr>
-              <a:t>Deutschland GmbH</a:t>
+              <a:t>Microsoft Deutschland GmbH</a:t>
             </a:r>
           </a:p>
         </p:txBody>
@@ -4956,7 +4889,7 @@
               <a:defRPr/>
             </a:pPr>
             <a:r>
-              <a:rPr sz="4400" spc="0" dirty="0" smtClean="0">
+              <a:rPr sz="4400" spc="0" dirty="0">
                 <a:solidFill>
                   <a:srgbClr val="FFFFFF"/>
                 </a:solidFill>
@@ -4964,12 +4897,6 @@
               </a:rPr>
               <a:t>Hybrid</a:t>
             </a:r>
-            <a:endParaRPr sz="4400" spc="0" dirty="0">
-              <a:solidFill>
-                <a:srgbClr val="FFFFFF"/>
-              </a:solidFill>
-              <a:cs typeface="Segoe UI Light"/>
-            </a:endParaRPr>
           </a:p>
         </p:txBody>
       </p:sp>
@@ -5326,7 +5253,7 @@
               </a:lnSpc>
             </a:pPr>
             <a:r>
-              <a:rPr lang="en-US" sz="1400" b="1" kern="0" dirty="0" smtClean="0">
+              <a:rPr lang="en-US" sz="1400" b="1" kern="0" dirty="0">
                 <a:solidFill>
                   <a:srgbClr val="FFFF00"/>
                 </a:solidFill>
@@ -5335,13 +5262,6 @@
               </a:rPr>
               <a:t>Platform Services</a:t>
             </a:r>
-            <a:endParaRPr lang="en-US" sz="1400" b="1" kern="0" dirty="0">
-              <a:solidFill>
-                <a:srgbClr val="FFFF00"/>
-              </a:solidFill>
-              <a:ea typeface="Segoe UI" pitchFamily="34" charset="0"/>
-              <a:cs typeface="Segoe UI" pitchFamily="34" charset="0"/>
-            </a:endParaRPr>
           </a:p>
         </p:txBody>
       </p:sp>
@@ -5386,7 +5306,7 @@
               </a:lnSpc>
             </a:pPr>
             <a:r>
-              <a:rPr lang="en-US" sz="1400" b="1" kern="0" dirty="0" smtClean="0">
+              <a:rPr lang="en-US" sz="1400" b="1" kern="0" dirty="0">
                 <a:solidFill>
                   <a:schemeClr val="bg1"/>
                 </a:solidFill>
@@ -5395,13 +5315,6 @@
               </a:rPr>
               <a:t>Security &amp; Management</a:t>
             </a:r>
-            <a:endParaRPr lang="en-US" sz="1400" b="1" kern="0" dirty="0">
-              <a:solidFill>
-                <a:schemeClr val="bg1"/>
-              </a:solidFill>
-              <a:ea typeface="Segoe UI" pitchFamily="34" charset="0"/>
-              <a:cs typeface="Segoe UI" pitchFamily="34" charset="0"/>
-            </a:endParaRPr>
           </a:p>
         </p:txBody>
       </p:sp>
@@ -5448,7 +5361,7 @@
               </a:lnSpc>
             </a:pPr>
             <a:r>
-              <a:rPr lang="en-US" sz="1400" b="1" kern="0" dirty="0" smtClean="0">
+              <a:rPr lang="en-US" sz="1400" b="1" kern="0" dirty="0">
                 <a:solidFill>
                   <a:srgbClr val="FFFF00"/>
                 </a:solidFill>
@@ -5457,13 +5370,6 @@
               </a:rPr>
               <a:t>Infrastructure Services</a:t>
             </a:r>
-            <a:endParaRPr lang="en-US" sz="1400" b="1" kern="0" dirty="0">
-              <a:solidFill>
-                <a:srgbClr val="FFFF00"/>
-              </a:solidFill>
-              <a:ea typeface="Segoe UI" pitchFamily="34" charset="0"/>
-              <a:cs typeface="Segoe UI" pitchFamily="34" charset="0"/>
-            </a:endParaRPr>
           </a:p>
         </p:txBody>
       </p:sp>
@@ -5508,7 +5414,7 @@
               </a:lnSpc>
             </a:pPr>
             <a:r>
-              <a:rPr lang="en-US" sz="1200" b="1" kern="0" dirty="0" smtClean="0">
+              <a:rPr lang="en-US" sz="1200" b="1" kern="0" dirty="0">
                 <a:gradFill>
                   <a:gsLst>
                     <a:gs pos="0">
@@ -5525,21 +5431,6 @@
               </a:rPr>
               <a:t>Compute</a:t>
             </a:r>
-            <a:endParaRPr lang="en-US" sz="1200" b="1" kern="0" dirty="0">
-              <a:gradFill>
-                <a:gsLst>
-                  <a:gs pos="0">
-                    <a:srgbClr val="FFFFFF"/>
-                  </a:gs>
-                  <a:gs pos="100000">
-                    <a:srgbClr val="FFFFFF"/>
-                  </a:gs>
-                </a:gsLst>
-                <a:lin ang="5400000" scaled="0"/>
-              </a:gradFill>
-              <a:ea typeface="Segoe UI" pitchFamily="34" charset="0"/>
-              <a:cs typeface="Segoe UI" pitchFamily="34" charset="0"/>
-            </a:endParaRPr>
           </a:p>
         </p:txBody>
       </p:sp>
@@ -5584,7 +5475,7 @@
               </a:lnSpc>
             </a:pPr>
             <a:r>
-              <a:rPr lang="en-US" sz="1200" b="1" kern="0" dirty="0" smtClean="0">
+              <a:rPr lang="en-US" sz="1200" b="1" kern="0" dirty="0">
                 <a:gradFill>
                   <a:gsLst>
                     <a:gs pos="0">
@@ -5601,21 +5492,6 @@
               </a:rPr>
               <a:t>Storage</a:t>
             </a:r>
-            <a:endParaRPr lang="en-US" sz="1200" b="1" kern="0" dirty="0">
-              <a:gradFill>
-                <a:gsLst>
-                  <a:gs pos="0">
-                    <a:srgbClr val="FFFFFF"/>
-                  </a:gs>
-                  <a:gs pos="100000">
-                    <a:srgbClr val="FFFFFF"/>
-                  </a:gs>
-                </a:gsLst>
-                <a:lin ang="5400000" scaled="0"/>
-              </a:gradFill>
-              <a:ea typeface="Segoe UI" pitchFamily="34" charset="0"/>
-              <a:cs typeface="Segoe UI" pitchFamily="34" charset="0"/>
-            </a:endParaRPr>
           </a:p>
         </p:txBody>
       </p:sp>
@@ -5660,7 +5536,7 @@
               </a:lnSpc>
             </a:pPr>
             <a:r>
-              <a:rPr lang="en-US" sz="1400" b="1" kern="0" dirty="0" smtClean="0">
+              <a:rPr lang="en-US" sz="1400" b="1" kern="0" dirty="0">
                 <a:gradFill>
                   <a:gsLst>
                     <a:gs pos="0">
@@ -5677,21 +5553,6 @@
               </a:rPr>
               <a:t>Datacenter Infrastructure (24 Regions, 22 Online)</a:t>
             </a:r>
-            <a:endParaRPr lang="en-US" sz="1400" b="1" kern="0" dirty="0">
-              <a:gradFill>
-                <a:gsLst>
-                  <a:gs pos="0">
-                    <a:srgbClr val="FFFFFF"/>
-                  </a:gs>
-                  <a:gs pos="100000">
-                    <a:srgbClr val="FFFFFF"/>
-                  </a:gs>
-                </a:gsLst>
-                <a:lin ang="5400000" scaled="0"/>
-              </a:gradFill>
-              <a:ea typeface="Segoe UI" pitchFamily="34" charset="0"/>
-              <a:cs typeface="Segoe UI" pitchFamily="34" charset="0"/>
-            </a:endParaRPr>
           </a:p>
         </p:txBody>
       </p:sp>
@@ -6261,7 +6122,7 @@
                 </a:lnSpc>
               </a:pPr>
               <a:r>
-                <a:rPr lang="en-US" sz="1200" b="1" kern="0" dirty="0" smtClean="0">
+                <a:rPr lang="en-US" sz="1200" b="1" kern="0" dirty="0">
                   <a:gradFill>
                     <a:gsLst>
                       <a:gs pos="0">
@@ -6278,21 +6139,6 @@
                 </a:rPr>
                 <a:t>Web and Mobile</a:t>
               </a:r>
-              <a:endParaRPr lang="en-US" sz="1200" b="1" kern="0" dirty="0">
-                <a:gradFill>
-                  <a:gsLst>
-                    <a:gs pos="0">
-                      <a:srgbClr val="FFFFFF"/>
-                    </a:gs>
-                    <a:gs pos="100000">
-                      <a:srgbClr val="FFFFFF"/>
-                    </a:gs>
-                  </a:gsLst>
-                  <a:lin ang="5400000" scaled="0"/>
-                </a:gradFill>
-                <a:ea typeface="Segoe UI" pitchFamily="34" charset="0"/>
-                <a:cs typeface="Segoe UI" pitchFamily="34" charset="0"/>
-              </a:endParaRPr>
             </a:p>
           </p:txBody>
         </p:sp>
@@ -7048,7 +6894,7 @@
                 </a:lnSpc>
               </a:pPr>
               <a:r>
-                <a:rPr lang="en-US" sz="1200" b="1" kern="0" dirty="0" smtClean="0">
+                <a:rPr lang="en-US" sz="1200" b="1" kern="0" dirty="0">
                   <a:gradFill>
                     <a:gsLst>
                       <a:gs pos="0">
@@ -7065,21 +6911,6 @@
                 </a:rPr>
                 <a:t>Media &amp; CDN</a:t>
               </a:r>
-              <a:endParaRPr lang="en-US" sz="1200" b="1" kern="0" dirty="0">
-                <a:gradFill>
-                  <a:gsLst>
-                    <a:gs pos="0">
-                      <a:srgbClr val="FFFFFF"/>
-                    </a:gs>
-                    <a:gs pos="100000">
-                      <a:srgbClr val="FFFFFF"/>
-                    </a:gs>
-                  </a:gsLst>
-                  <a:lin ang="5400000" scaled="0"/>
-                </a:gradFill>
-                <a:ea typeface="Segoe UI" pitchFamily="34" charset="0"/>
-                <a:cs typeface="Segoe UI" pitchFamily="34" charset="0"/>
-              </a:endParaRPr>
             </a:p>
           </p:txBody>
         </p:sp>
@@ -7379,7 +7210,7 @@
                 </a:lnSpc>
               </a:pPr>
               <a:r>
-                <a:rPr lang="en-US" sz="1200" b="1" kern="0" dirty="0" smtClean="0">
+                <a:rPr lang="en-US" sz="1200" b="1" kern="0" dirty="0">
                   <a:gradFill>
                     <a:gsLst>
                       <a:gs pos="0">
@@ -7397,7 +7228,7 @@
                 <a:t>Analytics &amp; </a:t>
               </a:r>
               <a:r>
-                <a:rPr lang="en-US" sz="1200" b="1" kern="0" dirty="0" err="1" smtClean="0">
+                <a:rPr lang="en-US" sz="1200" b="1" kern="0" dirty="0" err="1">
                   <a:gradFill>
                     <a:gsLst>
                       <a:gs pos="0">
@@ -8620,7 +8451,7 @@
                 </a:spcAft>
               </a:pPr>
               <a:r>
-                <a:rPr lang="en-US" sz="765" dirty="0" smtClean="0">
+                <a:rPr lang="en-US" sz="765" dirty="0">
                   <a:solidFill>
                     <a:prstClr val="white"/>
                   </a:solidFill>
@@ -8630,14 +8461,6 @@
                 </a:rPr>
                 <a:t>Key Vault</a:t>
               </a:r>
-              <a:endParaRPr lang="en-US" sz="765" dirty="0">
-                <a:solidFill>
-                  <a:prstClr val="white"/>
-                </a:solidFill>
-                <a:latin typeface="Segoe UI Light" panose="020B0502040204020203" pitchFamily="34" charset="0"/>
-                <a:ea typeface="Arial Unicode MS" panose="020B0604020202020204" pitchFamily="34" charset="-128"/>
-                <a:cs typeface="Segoe UI Light" panose="020B0502040204020203" pitchFamily="34" charset="0"/>
-              </a:endParaRPr>
             </a:p>
           </p:txBody>
         </p:sp>
@@ -8727,7 +8550,7 @@
                 </a:lnSpc>
               </a:pPr>
               <a:r>
-                <a:rPr lang="en-US" sz="1200" b="1" kern="0" dirty="0" smtClean="0">
+                <a:rPr lang="en-US" sz="1200" b="1" kern="0" dirty="0">
                   <a:gradFill>
                     <a:gsLst>
                       <a:gs pos="0">
@@ -8744,21 +8567,6 @@
                 </a:rPr>
                 <a:t>Integration</a:t>
               </a:r>
-              <a:endParaRPr lang="en-US" sz="1200" b="1" kern="0" dirty="0">
-                <a:gradFill>
-                  <a:gsLst>
-                    <a:gs pos="0">
-                      <a:srgbClr val="FFFFFF"/>
-                    </a:gs>
-                    <a:gs pos="100000">
-                      <a:srgbClr val="FFFFFF"/>
-                    </a:gs>
-                  </a:gsLst>
-                  <a:lin ang="5400000" scaled="0"/>
-                </a:gradFill>
-                <a:ea typeface="Segoe UI" pitchFamily="34" charset="0"/>
-                <a:cs typeface="Segoe UI" pitchFamily="34" charset="0"/>
-              </a:endParaRPr>
             </a:p>
           </p:txBody>
         </p:sp>
@@ -9926,7 +9734,7 @@
               </a:lnSpc>
             </a:pPr>
             <a:r>
-              <a:rPr lang="en-US" sz="1200" b="1" kern="0" dirty="0" smtClean="0">
+              <a:rPr lang="en-US" sz="1200" b="1" kern="0" dirty="0">
                 <a:gradFill>
                   <a:gsLst>
                     <a:gs pos="0">
@@ -9943,21 +9751,6 @@
               </a:rPr>
               <a:t>Networking</a:t>
             </a:r>
-            <a:endParaRPr lang="en-US" sz="1200" b="1" kern="0" dirty="0">
-              <a:gradFill>
-                <a:gsLst>
-                  <a:gs pos="0">
-                    <a:srgbClr val="FFFFFF"/>
-                  </a:gs>
-                  <a:gs pos="100000">
-                    <a:srgbClr val="FFFFFF"/>
-                  </a:gs>
-                </a:gsLst>
-                <a:lin ang="5400000" scaled="0"/>
-              </a:gradFill>
-              <a:ea typeface="Segoe UI" pitchFamily="34" charset="0"/>
-              <a:cs typeface="Segoe UI" pitchFamily="34" charset="0"/>
-            </a:endParaRPr>
           </a:p>
         </p:txBody>
       </p:sp>
@@ -10016,7 +9809,7 @@
                 </a:lnSpc>
               </a:pPr>
               <a:r>
-                <a:rPr lang="en-US" sz="1200" b="1" kern="0" dirty="0" smtClean="0">
+                <a:rPr lang="en-US" sz="1200" b="1" kern="0" dirty="0">
                   <a:gradFill>
                     <a:gsLst>
                       <a:gs pos="0">
@@ -10033,21 +9826,6 @@
                 </a:rPr>
                 <a:t>Data</a:t>
               </a:r>
-              <a:endParaRPr lang="en-US" sz="1200" b="1" kern="0" dirty="0">
-                <a:gradFill>
-                  <a:gsLst>
-                    <a:gs pos="0">
-                      <a:srgbClr val="FFFFFF"/>
-                    </a:gs>
-                    <a:gs pos="100000">
-                      <a:srgbClr val="FFFFFF"/>
-                    </a:gs>
-                  </a:gsLst>
-                  <a:lin ang="5400000" scaled="0"/>
-                </a:gradFill>
-                <a:ea typeface="Segoe UI" pitchFamily="34" charset="0"/>
-                <a:cs typeface="Segoe UI" pitchFamily="34" charset="0"/>
-              </a:endParaRPr>
             </a:p>
           </p:txBody>
         </p:sp>
@@ -10691,7 +10469,7 @@
                   </a:spcAft>
                 </a:pPr>
                 <a:r>
-                  <a:rPr lang="en-US" sz="765" dirty="0" smtClean="0">
+                  <a:rPr lang="en-US" sz="765" dirty="0">
                     <a:solidFill>
                       <a:prstClr val="white"/>
                     </a:solidFill>
@@ -10715,7 +10493,7 @@
                   </a:spcAft>
                 </a:pPr>
                 <a:r>
-                  <a:rPr lang="en-US" sz="765" dirty="0" smtClean="0">
+                  <a:rPr lang="en-US" sz="765" dirty="0">
                     <a:solidFill>
                       <a:prstClr val="white"/>
                     </a:solidFill>
@@ -10725,14 +10503,6 @@
                   </a:rPr>
                   <a:t>Warehouse</a:t>
                 </a:r>
-                <a:endParaRPr lang="en-US" sz="765" dirty="0">
-                  <a:solidFill>
-                    <a:prstClr val="white"/>
-                  </a:solidFill>
-                  <a:latin typeface="Segoe UI Light" panose="020B0502040204020203" pitchFamily="34" charset="0"/>
-                  <a:ea typeface="Arial Unicode MS" panose="020B0604020202020204" pitchFamily="34" charset="-128"/>
-                  <a:cs typeface="Segoe UI Light" panose="020B0502040204020203" pitchFamily="34" charset="0"/>
-                </a:endParaRPr>
               </a:p>
             </p:txBody>
           </p:sp>
@@ -10922,7 +10692,7 @@
                 </a:spcAft>
               </a:pPr>
               <a:r>
-                <a:rPr lang="en-US" sz="765" dirty="0" smtClean="0">
+                <a:rPr lang="en-US" sz="765" dirty="0">
                   <a:solidFill>
                     <a:prstClr val="white"/>
                   </a:solidFill>
@@ -10946,7 +10716,7 @@
                 </a:spcAft>
               </a:pPr>
               <a:r>
-                <a:rPr lang="en-US" sz="765" dirty="0" smtClean="0">
+                <a:rPr lang="en-US" sz="765" dirty="0">
                   <a:solidFill>
                     <a:prstClr val="white"/>
                   </a:solidFill>
@@ -10956,14 +10726,6 @@
                 </a:rPr>
                 <a:t>Connect Health</a:t>
               </a:r>
-              <a:endParaRPr lang="en-US" sz="765" dirty="0">
-                <a:solidFill>
-                  <a:prstClr val="white"/>
-                </a:solidFill>
-                <a:latin typeface="Segoe UI Light" panose="020B0502040204020203" pitchFamily="34" charset="0"/>
-                <a:ea typeface="Arial Unicode MS" panose="020B0604020202020204" pitchFamily="34" charset="-128"/>
-                <a:cs typeface="Segoe UI Light" panose="020B0502040204020203" pitchFamily="34" charset="0"/>
-              </a:endParaRPr>
             </a:p>
           </p:txBody>
         </p:sp>
@@ -11072,7 +10834,7 @@
                     <a:spcPct val="0"/>
                   </a:spcAft>
                 </a:pPr>
-                <a:endParaRPr lang="en-US" sz="2000" b="1" dirty="0" smtClean="0">
+                <a:endParaRPr lang="en-US" sz="2000" b="1" dirty="0">
                   <a:solidFill>
                     <a:schemeClr val="bg1"/>
                   </a:solidFill>
@@ -11900,7 +11662,7 @@
                 </a:lnSpc>
               </a:pPr>
               <a:r>
-                <a:rPr lang="en-US" sz="800" kern="0" dirty="0" smtClean="0">
+                <a:rPr lang="en-US" sz="800" kern="0" dirty="0">
                   <a:gradFill>
                     <a:gsLst>
                       <a:gs pos="0">
@@ -11917,21 +11679,6 @@
                 </a:rPr>
                 <a:t>Virtual Machines</a:t>
               </a:r>
-              <a:endParaRPr lang="en-US" sz="800" kern="0" dirty="0">
-                <a:gradFill>
-                  <a:gsLst>
-                    <a:gs pos="0">
-                      <a:srgbClr val="FFFFFF"/>
-                    </a:gs>
-                    <a:gs pos="100000">
-                      <a:srgbClr val="FFFFFF"/>
-                    </a:gs>
-                  </a:gsLst>
-                  <a:lin ang="5400000" scaled="0"/>
-                </a:gradFill>
-                <a:ea typeface="Segoe UI" pitchFamily="34" charset="0"/>
-                <a:cs typeface="Segoe UI" pitchFamily="34" charset="0"/>
-              </a:endParaRPr>
             </a:p>
           </p:txBody>
         </p:sp>
@@ -12021,7 +11768,7 @@
                 </a:spcAft>
               </a:pPr>
               <a:r>
-                <a:rPr lang="en-US" sz="765" dirty="0" smtClean="0">
+                <a:rPr lang="en-US" sz="765" dirty="0">
                   <a:solidFill>
                     <a:prstClr val="white"/>
                   </a:solidFill>
@@ -12045,7 +11792,7 @@
                 </a:spcAft>
               </a:pPr>
               <a:r>
-                <a:rPr lang="en-US" sz="765" dirty="0" smtClean="0">
+                <a:rPr lang="en-US" sz="765" dirty="0">
                   <a:solidFill>
                     <a:prstClr val="white"/>
                   </a:solidFill>
@@ -12069,7 +11816,7 @@
                 </a:spcAft>
               </a:pPr>
               <a:r>
-                <a:rPr lang="en-US" sz="765" dirty="0" smtClean="0">
+                <a:rPr lang="en-US" sz="765" dirty="0">
                   <a:solidFill>
                     <a:prstClr val="white"/>
                   </a:solidFill>
@@ -12079,14 +11826,6 @@
                 </a:rPr>
                 <a:t>Management</a:t>
               </a:r>
-              <a:endParaRPr lang="en-US" sz="765" dirty="0">
-                <a:solidFill>
-                  <a:prstClr val="white"/>
-                </a:solidFill>
-                <a:latin typeface="Segoe UI Light" panose="020B0502040204020203" pitchFamily="34" charset="0"/>
-                <a:ea typeface="Arial Unicode MS" panose="020B0604020202020204" pitchFamily="34" charset="-128"/>
-                <a:cs typeface="Segoe UI Light" panose="020B0502040204020203" pitchFamily="34" charset="0"/>
-              </a:endParaRPr>
             </a:p>
           </p:txBody>
         </p:sp>
@@ -12684,7 +12423,7 @@
                   <a:spcPct val="0"/>
                 </a:spcAft>
               </a:pPr>
-              <a:endParaRPr lang="en-US" sz="2000" b="1" dirty="0" smtClean="0">
+              <a:endParaRPr lang="en-US" sz="2000" b="1" dirty="0">
                 <a:solidFill>
                   <a:schemeClr val="bg1"/>
                 </a:solidFill>
@@ -12871,7 +12610,7 @@
                 </a:lnSpc>
               </a:pPr>
               <a:r>
-                <a:rPr lang="en-US" sz="1200" b="1" kern="0" dirty="0" smtClean="0">
+                <a:rPr lang="en-US" sz="1200" b="1" kern="0" dirty="0">
                   <a:gradFill>
                     <a:gsLst>
                       <a:gs pos="0">
@@ -12888,21 +12627,6 @@
                 </a:rPr>
                 <a:t>Compute</a:t>
               </a:r>
-              <a:endParaRPr lang="en-US" sz="1200" b="1" kern="0" dirty="0">
-                <a:gradFill>
-                  <a:gsLst>
-                    <a:gs pos="0">
-                      <a:srgbClr val="FFFFFF"/>
-                    </a:gs>
-                    <a:gs pos="100000">
-                      <a:srgbClr val="FFFFFF"/>
-                    </a:gs>
-                  </a:gsLst>
-                  <a:lin ang="5400000" scaled="0"/>
-                </a:gradFill>
-                <a:ea typeface="Segoe UI" pitchFamily="34" charset="0"/>
-                <a:cs typeface="Segoe UI" pitchFamily="34" charset="0"/>
-              </a:endParaRPr>
             </a:p>
           </p:txBody>
         </p:sp>
@@ -13255,7 +12979,7 @@
                 </a:spcAft>
               </a:pPr>
               <a:r>
-                <a:rPr lang="en-US" sz="765" dirty="0" smtClean="0">
+                <a:rPr lang="en-US" sz="765" dirty="0">
                   <a:solidFill>
                     <a:prstClr val="white"/>
                   </a:solidFill>
@@ -13265,14 +12989,6 @@
                 </a:rPr>
                 <a:t>Service</a:t>
               </a:r>
-              <a:endParaRPr lang="en-US" sz="765" dirty="0">
-                <a:solidFill>
-                  <a:prstClr val="white"/>
-                </a:solidFill>
-                <a:latin typeface="Segoe UI Light" panose="020B0502040204020203" pitchFamily="34" charset="0"/>
-                <a:ea typeface="Arial Unicode MS" panose="020B0604020202020204" pitchFamily="34" charset="-128"/>
-                <a:cs typeface="Segoe UI Light" panose="020B0502040204020203" pitchFamily="34" charset="0"/>
-              </a:endParaRPr>
             </a:p>
             <a:p>
               <a:pPr defTabSz="932317" eaLnBrk="0" fontAlgn="base" hangingPunct="0">
@@ -13287,7 +13003,7 @@
                 </a:spcAft>
               </a:pPr>
               <a:r>
-                <a:rPr lang="en-US" sz="765" dirty="0" smtClean="0">
+                <a:rPr lang="en-US" sz="765" dirty="0">
                   <a:solidFill>
                     <a:prstClr val="white"/>
                   </a:solidFill>
@@ -13297,14 +13013,6 @@
                 </a:rPr>
                 <a:t>Fabric</a:t>
               </a:r>
-              <a:endParaRPr lang="en-US" sz="765" dirty="0">
-                <a:solidFill>
-                  <a:prstClr val="white"/>
-                </a:solidFill>
-                <a:latin typeface="Segoe UI Light" panose="020B0502040204020203" pitchFamily="34" charset="0"/>
-                <a:ea typeface="Arial Unicode MS" panose="020B0604020202020204" pitchFamily="34" charset="-128"/>
-                <a:cs typeface="Segoe UI Light" panose="020B0502040204020203" pitchFamily="34" charset="0"/>
-              </a:endParaRPr>
             </a:p>
           </p:txBody>
         </p:sp>
@@ -13828,7 +13536,7 @@
                   <a:spcPct val="0"/>
                 </a:spcAft>
               </a:pPr>
-              <a:endParaRPr lang="en-US" sz="2000" b="1" dirty="0" smtClean="0">
+              <a:endParaRPr lang="en-US" sz="2000" b="1" dirty="0">
                 <a:solidFill>
                   <a:schemeClr val="bg1"/>
                 </a:solidFill>
@@ -13895,7 +13603,7 @@
                 </a:lnSpc>
               </a:pPr>
               <a:r>
-                <a:rPr lang="en-US" sz="1200" b="1" kern="0" dirty="0" smtClean="0">
+                <a:rPr lang="en-US" sz="1200" b="1" kern="0" dirty="0">
                   <a:gradFill>
                     <a:gsLst>
                       <a:gs pos="0">
@@ -13912,21 +13620,6 @@
                 </a:rPr>
                 <a:t>Developer Services</a:t>
               </a:r>
-              <a:endParaRPr lang="en-US" sz="1200" b="1" kern="0" dirty="0">
-                <a:gradFill>
-                  <a:gsLst>
-                    <a:gs pos="0">
-                      <a:srgbClr val="FFFFFF"/>
-                    </a:gs>
-                    <a:gs pos="100000">
-                      <a:srgbClr val="FFFFFF"/>
-                    </a:gs>
-                  </a:gsLst>
-                  <a:lin ang="5400000" scaled="0"/>
-                </a:gradFill>
-                <a:ea typeface="Segoe UI" pitchFamily="34" charset="0"/>
-                <a:cs typeface="Segoe UI" pitchFamily="34" charset="0"/>
-              </a:endParaRPr>
             </a:p>
           </p:txBody>
         </p:sp>
@@ -13989,27 +13682,8 @@
                     <a:ea typeface="Arial Unicode MS" panose="020B0604020202020204" pitchFamily="34" charset="-128"/>
                     <a:cs typeface="Segoe UI Light" panose="020B0502040204020203" pitchFamily="34" charset="0"/>
                   </a:rPr>
-                  <a:t>Visual </a:t>
+                  <a:t>Visual Studio</a:t>
                 </a:r>
-                <a:r>
-                  <a:rPr lang="en-US" sz="765" dirty="0" smtClean="0">
-                    <a:solidFill>
-                      <a:prstClr val="white"/>
-                    </a:solidFill>
-                    <a:latin typeface="Segoe UI Light" panose="020B0502040204020203" pitchFamily="34" charset="0"/>
-                    <a:ea typeface="Arial Unicode MS" panose="020B0604020202020204" pitchFamily="34" charset="-128"/>
-                    <a:cs typeface="Segoe UI Light" panose="020B0502040204020203" pitchFamily="34" charset="0"/>
-                  </a:rPr>
-                  <a:t>Studio</a:t>
-                </a:r>
-                <a:endParaRPr lang="en-US" sz="765" dirty="0">
-                  <a:solidFill>
-                    <a:prstClr val="white"/>
-                  </a:solidFill>
-                  <a:latin typeface="Segoe UI Light" panose="020B0502040204020203" pitchFamily="34" charset="0"/>
-                  <a:ea typeface="Arial Unicode MS" panose="020B0604020202020204" pitchFamily="34" charset="-128"/>
-                  <a:cs typeface="Segoe UI Light" panose="020B0502040204020203" pitchFamily="34" charset="0"/>
-                </a:endParaRPr>
               </a:p>
             </p:txBody>
           </p:sp>
@@ -14247,7 +13921,7 @@
                   </a:spcAft>
                 </a:pPr>
                 <a:r>
-                  <a:rPr lang="en-US" sz="765" dirty="0" smtClean="0">
+                  <a:rPr lang="en-US" sz="765" dirty="0">
                     <a:solidFill>
                       <a:prstClr val="white"/>
                     </a:solidFill>
@@ -14257,14 +13931,6 @@
                   </a:rPr>
                   <a:t>Azure SDK</a:t>
                 </a:r>
-                <a:endParaRPr lang="en-US" sz="765" dirty="0">
-                  <a:solidFill>
-                    <a:prstClr val="white"/>
-                  </a:solidFill>
-                  <a:latin typeface="Segoe UI Light" panose="020B0502040204020203" pitchFamily="34" charset="0"/>
-                  <a:ea typeface="Arial Unicode MS" panose="020B0604020202020204" pitchFamily="34" charset="-128"/>
-                  <a:cs typeface="Segoe UI Light" panose="020B0502040204020203" pitchFamily="34" charset="0"/>
-                </a:endParaRPr>
               </a:p>
             </p:txBody>
           </p:sp>
@@ -14320,7 +13986,7 @@
                   </a:spcAft>
                 </a:pPr>
                 <a:r>
-                  <a:rPr lang="en-US" sz="765" dirty="0" smtClean="0">
+                  <a:rPr lang="en-US" sz="765" dirty="0">
                     <a:solidFill>
                       <a:prstClr val="white"/>
                     </a:solidFill>
@@ -14330,14 +13996,6 @@
                   </a:rPr>
                   <a:t>Team Project</a:t>
                 </a:r>
-                <a:endParaRPr lang="en-US" sz="765" dirty="0">
-                  <a:solidFill>
-                    <a:prstClr val="white"/>
-                  </a:solidFill>
-                  <a:latin typeface="Segoe UI Light" panose="020B0502040204020203" pitchFamily="34" charset="0"/>
-                  <a:ea typeface="Arial Unicode MS" panose="020B0604020202020204" pitchFamily="34" charset="-128"/>
-                  <a:cs typeface="Segoe UI Light" panose="020B0502040204020203" pitchFamily="34" charset="0"/>
-                </a:endParaRPr>
               </a:p>
             </p:txBody>
           </p:sp>
@@ -14717,7 +14375,7 @@
                     <a:spcPct val="0"/>
                   </a:spcAft>
                 </a:pPr>
-                <a:endParaRPr lang="en-US" sz="2000" b="1" dirty="0" smtClean="0">
+                <a:endParaRPr lang="en-US" sz="2000" b="1" dirty="0">
                   <a:solidFill>
                     <a:schemeClr val="bg1"/>
                   </a:solidFill>
@@ -14898,7 +14556,7 @@
                       <a:spcPct val="0"/>
                     </a:spcAft>
                   </a:pPr>
-                  <a:endParaRPr lang="en-US" sz="2000" b="1" dirty="0" smtClean="0">
+                  <a:endParaRPr lang="en-US" sz="2000" b="1" dirty="0">
                     <a:solidFill>
                       <a:schemeClr val="bg1"/>
                     </a:solidFill>
@@ -14965,7 +14623,7 @@
                       <a:spcPct val="0"/>
                     </a:spcAft>
                   </a:pPr>
-                  <a:endParaRPr lang="en-US" sz="2000" b="1" dirty="0" smtClean="0">
+                  <a:endParaRPr lang="en-US" sz="2000" b="1" dirty="0">
                     <a:solidFill>
                       <a:schemeClr val="bg1"/>
                     </a:solidFill>
@@ -15038,7 +14696,7 @@
                       <a:spcPct val="0"/>
                     </a:spcAft>
                   </a:pPr>
-                  <a:endParaRPr lang="en-US" sz="2000" b="1" dirty="0" smtClean="0">
+                  <a:endParaRPr lang="en-US" sz="2000" b="1" dirty="0">
                     <a:solidFill>
                       <a:schemeClr val="bg1"/>
                     </a:solidFill>
@@ -15110,7 +14768,7 @@
                     <a:spcPct val="0"/>
                   </a:spcAft>
                 </a:pPr>
-                <a:endParaRPr lang="en-US" sz="2000" b="1" dirty="0" smtClean="0">
+                <a:endParaRPr lang="en-US" sz="2000" b="1" dirty="0">
                   <a:solidFill>
                     <a:schemeClr val="bg1"/>
                   </a:solidFill>
@@ -15200,7 +14858,7 @@
                       <a:spcPct val="0"/>
                     </a:spcAft>
                   </a:pPr>
-                  <a:endParaRPr lang="en-US" sz="2000" b="1" dirty="0" smtClean="0">
+                  <a:endParaRPr lang="en-US" sz="2000" b="1" dirty="0">
                     <a:solidFill>
                       <a:schemeClr val="bg1"/>
                     </a:solidFill>
@@ -15267,7 +14925,7 @@
                       <a:spcPct val="0"/>
                     </a:spcAft>
                   </a:pPr>
-                  <a:endParaRPr lang="en-US" sz="2000" b="1" dirty="0" smtClean="0">
+                  <a:endParaRPr lang="en-US" sz="2000" b="1" dirty="0">
                     <a:solidFill>
                       <a:schemeClr val="bg1"/>
                     </a:solidFill>
@@ -15340,7 +14998,7 @@
                       <a:spcPct val="0"/>
                     </a:spcAft>
                   </a:pPr>
-                  <a:endParaRPr lang="en-US" sz="2000" b="1" dirty="0" smtClean="0">
+                  <a:endParaRPr lang="en-US" sz="2000" b="1" dirty="0">
                     <a:solidFill>
                       <a:schemeClr val="bg1"/>
                     </a:solidFill>
@@ -15431,7 +15089,7 @@
                       <a:spcPct val="0"/>
                     </a:spcAft>
                   </a:pPr>
-                  <a:endParaRPr lang="en-US" sz="2000" b="1" dirty="0" smtClean="0">
+                  <a:endParaRPr lang="en-US" sz="2000" b="1" dirty="0">
                     <a:solidFill>
                       <a:schemeClr val="bg1"/>
                     </a:solidFill>
@@ -15498,7 +15156,7 @@
                       <a:spcPct val="0"/>
                     </a:spcAft>
                   </a:pPr>
-                  <a:endParaRPr lang="en-US" sz="2000" b="1" dirty="0" smtClean="0">
+                  <a:endParaRPr lang="en-US" sz="2000" b="1" dirty="0">
                     <a:solidFill>
                       <a:schemeClr val="bg1"/>
                     </a:solidFill>
@@ -15571,7 +15229,7 @@
                       <a:spcPct val="0"/>
                     </a:spcAft>
                   </a:pPr>
-                  <a:endParaRPr lang="en-US" sz="2000" b="1" dirty="0" smtClean="0">
+                  <a:endParaRPr lang="en-US" sz="2000" b="1" dirty="0">
                     <a:solidFill>
                       <a:schemeClr val="bg1"/>
                     </a:solidFill>
@@ -15667,7 +15325,7 @@
                 </a:spcAft>
               </a:pPr>
               <a:r>
-                <a:rPr lang="en-US" sz="765" dirty="0" smtClean="0">
+                <a:rPr lang="en-US" sz="765" dirty="0">
                   <a:solidFill>
                     <a:prstClr val="white"/>
                   </a:solidFill>
@@ -15691,7 +15349,7 @@
                 </a:spcAft>
               </a:pPr>
               <a:r>
-                <a:rPr lang="en-US" sz="765" dirty="0" smtClean="0">
+                <a:rPr lang="en-US" sz="765" dirty="0">
                   <a:solidFill>
                     <a:prstClr val="white"/>
                   </a:solidFill>
@@ -15701,14 +15359,6 @@
                 </a:rPr>
                 <a:t>&amp; VM Depot</a:t>
               </a:r>
-              <a:endParaRPr lang="en-US" sz="765" dirty="0">
-                <a:solidFill>
-                  <a:prstClr val="white"/>
-                </a:solidFill>
-                <a:latin typeface="Segoe UI Light" panose="020B0502040204020203" pitchFamily="34" charset="0"/>
-                <a:ea typeface="Arial Unicode MS" panose="020B0604020202020204" pitchFamily="34" charset="-128"/>
-                <a:cs typeface="Segoe UI Light" panose="020B0502040204020203" pitchFamily="34" charset="0"/>
-              </a:endParaRPr>
             </a:p>
           </p:txBody>
         </p:sp>
@@ -17884,11 +17534,11 @@
           <a:lstStyle/>
           <a:p>
             <a:r>
-              <a:rPr lang="en-US" smtClean="0"/>
+              <a:rPr lang="en-US"/>
               <a:t>Azure </a:t>
             </a:r>
             <a:r>
-              <a:rPr lang="en-US" altLang="zh-CN" smtClean="0"/>
+              <a:rPr lang="en-US" altLang="zh-CN"/>
               <a:t>Virtual Networks</a:t>
             </a:r>
             <a:endParaRPr lang="en-US" dirty="0"/>
@@ -17911,25 +17561,25 @@
           <a:lstStyle/>
           <a:p>
             <a:r>
-              <a:rPr lang="en-US" altLang="zh-CN" smtClean="0">
+              <a:rPr lang="en-US" altLang="zh-CN">
                 <a:sym typeface="Wingdings" panose="05000000000000000000" pitchFamily="2" charset="2"/>
               </a:rPr>
               <a:t>A protected private virtual network in cloud</a:t>
             </a:r>
-            <a:endParaRPr lang="en-US" smtClean="0"/>
+            <a:endParaRPr lang="en-US"/>
           </a:p>
           <a:p>
             <a:r>
-              <a:rPr lang="en-US" smtClean="0">
+              <a:rPr lang="en-US">
                 <a:sym typeface="Wingdings" panose="05000000000000000000" pitchFamily="2" charset="2"/>
               </a:rPr>
               <a:t>Extend enterprise networks into Azure</a:t>
             </a:r>
-            <a:endParaRPr lang="en-US" smtClean="0"/>
+            <a:endParaRPr lang="en-US"/>
           </a:p>
           <a:p>
             <a:r>
-              <a:rPr lang="en-US" smtClean="0">
+              <a:rPr lang="en-US">
                 <a:sym typeface="Wingdings" panose="05000000000000000000" pitchFamily="2" charset="2"/>
               </a:rPr>
               <a:t>Cross-premises connectivity</a:t>
@@ -18199,7 +17849,7 @@
           <a:lstStyle/>
           <a:p>
             <a:r>
-              <a:rPr lang="en-US" smtClean="0"/>
+              <a:rPr lang="en-US"/>
               <a:t>Cross-premises Connectivity</a:t>
             </a:r>
             <a:endParaRPr lang="en-US" dirty="0"/>
@@ -18222,58 +17872,58 @@
           <a:lstStyle/>
           <a:p>
             <a:r>
-              <a:rPr lang="en-US" smtClean="0"/>
+              <a:rPr lang="en-US" dirty="0"/>
               <a:t>Site-to</a:t>
             </a:r>
             <a:r>
-              <a:rPr lang="en-US" altLang="zh-CN" smtClean="0"/>
+              <a:rPr lang="en-US" altLang="zh-CN" dirty="0"/>
               <a:t>-site</a:t>
             </a:r>
           </a:p>
           <a:p>
             <a:pPr lvl="1"/>
             <a:r>
-              <a:rPr lang="en-US" altLang="zh-CN" smtClean="0"/>
+              <a:rPr lang="en-US" altLang="zh-CN" dirty="0"/>
               <a:t>Create a secure connection between your on-premises site and your virtual network</a:t>
             </a:r>
           </a:p>
           <a:p>
             <a:r>
-              <a:rPr lang="en-US" altLang="zh-CN" smtClean="0"/>
+              <a:rPr lang="en-US" altLang="zh-CN" dirty="0"/>
               <a:t>Point-to-site</a:t>
             </a:r>
           </a:p>
           <a:p>
             <a:pPr lvl="1"/>
             <a:r>
-              <a:rPr lang="en-US" altLang="zh-CN" smtClean="0"/>
+              <a:rPr lang="en-US" altLang="zh-CN" dirty="0"/>
               <a:t>Create a secure connection via VPN to your virtual network</a:t>
             </a:r>
           </a:p>
           <a:p>
             <a:r>
-              <a:rPr lang="en-US" altLang="zh-CN" smtClean="0"/>
-              <a:t>ExpressRouteTM</a:t>
+              <a:rPr lang="en-US" altLang="zh-CN"/>
+              <a:t>ExpressRoute</a:t>
             </a:r>
           </a:p>
           <a:p>
             <a:pPr lvl="1"/>
             <a:r>
-              <a:rPr lang="en-US" altLang="zh-CN" smtClean="0"/>
+              <a:rPr lang="en-US" altLang="zh-CN" dirty="0"/>
               <a:t>Create a private connection between Azure data centers and infrastructures on your premises or in a co-location environment.</a:t>
             </a:r>
           </a:p>
           <a:p>
             <a:pPr lvl="2"/>
             <a:r>
-              <a:rPr lang="en-US" altLang="zh-CN" smtClean="0"/>
+              <a:rPr lang="en-US" altLang="zh-CN" dirty="0"/>
               <a:t>Connect at an ExpressRoute location (Exchange Provider facility)</a:t>
             </a:r>
           </a:p>
           <a:p>
             <a:pPr lvl="2"/>
             <a:r>
-              <a:rPr lang="en-US" altLang="zh-CN" smtClean="0"/>
+              <a:rPr lang="en-US" altLang="zh-CN" dirty="0"/>
               <a:t>Direct connect via a Network Service Provider</a:t>
             </a:r>
           </a:p>
@@ -18519,7 +18169,7 @@
                       <a:spcPct val="0"/>
                     </a:spcAft>
                   </a:pPr>
-                  <a:endParaRPr lang="en-US" sz="2000" spc="-50" dirty="0" smtClean="0">
+                  <a:endParaRPr lang="en-US" sz="2000" spc="-50" dirty="0">
                     <a:gradFill>
                       <a:gsLst>
                         <a:gs pos="1250">
@@ -19576,18 +19226,13 @@
           <a:lstStyle/>
           <a:p>
             <a:r>
-              <a:rPr lang="en-US" dirty="0" smtClean="0">
+              <a:rPr lang="en-US" dirty="0">
                 <a:solidFill>
                   <a:schemeClr val="tx1"/>
                 </a:solidFill>
               </a:rPr>
               <a:t>Identity as the control plane</a:t>
             </a:r>
-            <a:endParaRPr lang="en-US" dirty="0">
-              <a:solidFill>
-                <a:schemeClr val="tx1"/>
-              </a:solidFill>
-            </a:endParaRPr>
           </a:p>
         </p:txBody>
       </p:sp>
@@ -23419,7 +23064,7 @@
                 </a:ln>
                 <a:extLst>
                   <a:ext uri="{91240B29-F687-4f45-9708-019B960494DF}">
-                    <a14:hiddenLine xmlns="" xmlns:a14="http://schemas.microsoft.com/office/drawing/2010/main" w="9525">
+                    <a14:hiddenLine xmlns:a14="http://schemas.microsoft.com/office/drawing/2010/main" xmlns="" w="9525">
                       <a:solidFill>
                         <a:srgbClr val="000000"/>
                       </a:solidFill>
@@ -23521,7 +23166,7 @@
                 </a:ln>
                 <a:extLst>
                   <a:ext uri="{91240B29-F687-4f45-9708-019B960494DF}">
-                    <a14:hiddenLine xmlns="" xmlns:a14="http://schemas.microsoft.com/office/drawing/2010/main" w="9525">
+                    <a14:hiddenLine xmlns:a14="http://schemas.microsoft.com/office/drawing/2010/main" xmlns="" w="9525">
                       <a:solidFill>
                         <a:srgbClr val="000000"/>
                       </a:solidFill>
@@ -23623,7 +23268,7 @@
                 </a:ln>
                 <a:extLst>
                   <a:ext uri="{91240B29-F687-4f45-9708-019B960494DF}">
-                    <a14:hiddenLine xmlns="" xmlns:a14="http://schemas.microsoft.com/office/drawing/2010/main" w="9525">
+                    <a14:hiddenLine xmlns:a14="http://schemas.microsoft.com/office/drawing/2010/main" xmlns="" w="9525">
                       <a:solidFill>
                         <a:srgbClr val="000000"/>
                       </a:solidFill>
@@ -23725,7 +23370,7 @@
                 </a:ln>
                 <a:extLst>
                   <a:ext uri="{91240B29-F687-4f45-9708-019B960494DF}">
-                    <a14:hiddenLine xmlns="" xmlns:a14="http://schemas.microsoft.com/office/drawing/2010/main" w="9525">
+                    <a14:hiddenLine xmlns:a14="http://schemas.microsoft.com/office/drawing/2010/main" xmlns="" w="9525">
                       <a:solidFill>
                         <a:srgbClr val="000000"/>
                       </a:solidFill>
@@ -23793,7 +23438,7 @@
                 </a:ln>
                 <a:extLst>
                   <a:ext uri="{91240B29-F687-4f45-9708-019B960494DF}">
-                    <a14:hiddenLine xmlns="" xmlns:a14="http://schemas.microsoft.com/office/drawing/2010/main" w="9525">
+                    <a14:hiddenLine xmlns:a14="http://schemas.microsoft.com/office/drawing/2010/main" xmlns="" w="9525">
                       <a:solidFill>
                         <a:srgbClr val="000000"/>
                       </a:solidFill>
@@ -23895,7 +23540,7 @@
                 </a:ln>
                 <a:extLst>
                   <a:ext uri="{91240B29-F687-4f45-9708-019B960494DF}">
-                    <a14:hiddenLine xmlns="" xmlns:a14="http://schemas.microsoft.com/office/drawing/2010/main" w="9525">
+                    <a14:hiddenLine xmlns:a14="http://schemas.microsoft.com/office/drawing/2010/main" xmlns="" w="9525">
                       <a:solidFill>
                         <a:srgbClr val="000000"/>
                       </a:solidFill>
@@ -23997,7 +23642,7 @@
                 </a:ln>
                 <a:extLst>
                   <a:ext uri="{91240B29-F687-4f45-9708-019B960494DF}">
-                    <a14:hiddenLine xmlns="" xmlns:a14="http://schemas.microsoft.com/office/drawing/2010/main" w="9525">
+                    <a14:hiddenLine xmlns:a14="http://schemas.microsoft.com/office/drawing/2010/main" xmlns="" w="9525">
                       <a:solidFill>
                         <a:srgbClr val="000000"/>
                       </a:solidFill>
@@ -24099,7 +23744,7 @@
                 </a:ln>
                 <a:extLst>
                   <a:ext uri="{91240B29-F687-4f45-9708-019B960494DF}">
-                    <a14:hiddenLine xmlns="" xmlns:a14="http://schemas.microsoft.com/office/drawing/2010/main" w="9525">
+                    <a14:hiddenLine xmlns:a14="http://schemas.microsoft.com/office/drawing/2010/main" xmlns="" w="9525">
                       <a:solidFill>
                         <a:srgbClr val="000000"/>
                       </a:solidFill>
@@ -24167,7 +23812,7 @@
                 </a:ln>
                 <a:extLst>
                   <a:ext uri="{91240B29-F687-4f45-9708-019B960494DF}">
-                    <a14:hiddenLine xmlns="" xmlns:a14="http://schemas.microsoft.com/office/drawing/2010/main" w="9525">
+                    <a14:hiddenLine xmlns:a14="http://schemas.microsoft.com/office/drawing/2010/main" xmlns="" w="9525">
                       <a:solidFill>
                         <a:srgbClr val="000000"/>
                       </a:solidFill>
@@ -24269,7 +23914,7 @@
                 </a:ln>
                 <a:extLst>
                   <a:ext uri="{91240B29-F687-4f45-9708-019B960494DF}">
-                    <a14:hiddenLine xmlns="" xmlns:a14="http://schemas.microsoft.com/office/drawing/2010/main" w="9525">
+                    <a14:hiddenLine xmlns:a14="http://schemas.microsoft.com/office/drawing/2010/main" xmlns="" w="9525">
                       <a:solidFill>
                         <a:srgbClr val="000000"/>
                       </a:solidFill>
@@ -24368,14 +24013,14 @@
                 </a:ln>
                 <a:extLst>
                   <a:ext uri="{909E8E84-426E-40dd-AFC4-6F175D3DCCD1}">
-                    <a14:hiddenFill xmlns="" xmlns:a14="http://schemas.microsoft.com/office/drawing/2010/main">
+                    <a14:hiddenFill xmlns:a14="http://schemas.microsoft.com/office/drawing/2010/main" xmlns="">
                       <a:solidFill>
                         <a:srgbClr val="FFFFFF"/>
                       </a:solidFill>
                     </a14:hiddenFill>
                   </a:ext>
                   <a:ext uri="{91240B29-F687-4f45-9708-019B960494DF}">
-                    <a14:hiddenLine xmlns="" xmlns:a14="http://schemas.microsoft.com/office/drawing/2010/main" w="9525">
+                    <a14:hiddenLine xmlns:a14="http://schemas.microsoft.com/office/drawing/2010/main" xmlns="" w="9525">
                       <a:solidFill>
                         <a:srgbClr val="000000"/>
                       </a:solidFill>
@@ -24477,7 +24122,7 @@
                 </a:ln>
                 <a:extLst>
                   <a:ext uri="{91240B29-F687-4f45-9708-019B960494DF}">
-                    <a14:hiddenLine xmlns="" xmlns:a14="http://schemas.microsoft.com/office/drawing/2010/main" w="9525">
+                    <a14:hiddenLine xmlns:a14="http://schemas.microsoft.com/office/drawing/2010/main" xmlns="" w="9525">
                       <a:solidFill>
                         <a:srgbClr val="000000"/>
                       </a:solidFill>
@@ -24579,7 +24224,7 @@
                 </a:ln>
                 <a:extLst>
                   <a:ext uri="{91240B29-F687-4f45-9708-019B960494DF}">
-                    <a14:hiddenLine xmlns="" xmlns:a14="http://schemas.microsoft.com/office/drawing/2010/main" w="9525">
+                    <a14:hiddenLine xmlns:a14="http://schemas.microsoft.com/office/drawing/2010/main" xmlns="" w="9525">
                       <a:solidFill>
                         <a:srgbClr val="000000"/>
                       </a:solidFill>
@@ -24647,7 +24292,7 @@
                 </a:ln>
                 <a:extLst>
                   <a:ext uri="{91240B29-F687-4f45-9708-019B960494DF}">
-                    <a14:hiddenLine xmlns="" xmlns:a14="http://schemas.microsoft.com/office/drawing/2010/main" w="9525">
+                    <a14:hiddenLine xmlns:a14="http://schemas.microsoft.com/office/drawing/2010/main" xmlns="" w="9525">
                       <a:solidFill>
                         <a:srgbClr val="000000"/>
                       </a:solidFill>
@@ -24749,7 +24394,7 @@
                 </a:ln>
                 <a:extLst>
                   <a:ext uri="{91240B29-F687-4f45-9708-019B960494DF}">
-                    <a14:hiddenLine xmlns="" xmlns:a14="http://schemas.microsoft.com/office/drawing/2010/main" w="9525">
+                    <a14:hiddenLine xmlns:a14="http://schemas.microsoft.com/office/drawing/2010/main" xmlns="" w="9525">
                       <a:solidFill>
                         <a:srgbClr val="000000"/>
                       </a:solidFill>
@@ -24851,7 +24496,7 @@
                 </a:ln>
                 <a:extLst>
                   <a:ext uri="{91240B29-F687-4f45-9708-019B960494DF}">
-                    <a14:hiddenLine xmlns="" xmlns:a14="http://schemas.microsoft.com/office/drawing/2010/main" w="9525">
+                    <a14:hiddenLine xmlns:a14="http://schemas.microsoft.com/office/drawing/2010/main" xmlns="" w="9525">
                       <a:solidFill>
                         <a:srgbClr val="000000"/>
                       </a:solidFill>
@@ -24953,7 +24598,7 @@
                 </a:ln>
                 <a:extLst>
                   <a:ext uri="{91240B29-F687-4f45-9708-019B960494DF}">
-                    <a14:hiddenLine xmlns="" xmlns:a14="http://schemas.microsoft.com/office/drawing/2010/main" w="9525">
+                    <a14:hiddenLine xmlns:a14="http://schemas.microsoft.com/office/drawing/2010/main" xmlns="" w="9525">
                       <a:solidFill>
                         <a:srgbClr val="000000"/>
                       </a:solidFill>
@@ -25021,7 +24666,7 @@
                 </a:ln>
                 <a:extLst>
                   <a:ext uri="{91240B29-F687-4f45-9708-019B960494DF}">
-                    <a14:hiddenLine xmlns="" xmlns:a14="http://schemas.microsoft.com/office/drawing/2010/main" w="9525">
+                    <a14:hiddenLine xmlns:a14="http://schemas.microsoft.com/office/drawing/2010/main" xmlns="" w="9525">
                       <a:solidFill>
                         <a:srgbClr val="000000"/>
                       </a:solidFill>
@@ -25123,7 +24768,7 @@
                 </a:ln>
                 <a:extLst>
                   <a:ext uri="{91240B29-F687-4f45-9708-019B960494DF}">
-                    <a14:hiddenLine xmlns="" xmlns:a14="http://schemas.microsoft.com/office/drawing/2010/main" w="9525">
+                    <a14:hiddenLine xmlns:a14="http://schemas.microsoft.com/office/drawing/2010/main" xmlns="" w="9525">
                       <a:solidFill>
                         <a:srgbClr val="000000"/>
                       </a:solidFill>
@@ -25225,7 +24870,7 @@
                 </a:ln>
                 <a:extLst>
                   <a:ext uri="{91240B29-F687-4f45-9708-019B960494DF}">
-                    <a14:hiddenLine xmlns="" xmlns:a14="http://schemas.microsoft.com/office/drawing/2010/main" w="9525">
+                    <a14:hiddenLine xmlns:a14="http://schemas.microsoft.com/office/drawing/2010/main" xmlns="" w="9525">
                       <a:solidFill>
                         <a:srgbClr val="000000"/>
                       </a:solidFill>
@@ -25327,7 +24972,7 @@
                 </a:ln>
                 <a:extLst>
                   <a:ext uri="{91240B29-F687-4f45-9708-019B960494DF}">
-                    <a14:hiddenLine xmlns="" xmlns:a14="http://schemas.microsoft.com/office/drawing/2010/main" w="9525">
+                    <a14:hiddenLine xmlns:a14="http://schemas.microsoft.com/office/drawing/2010/main" xmlns="" w="9525">
                       <a:solidFill>
                         <a:srgbClr val="000000"/>
                       </a:solidFill>
@@ -25395,7 +25040,7 @@
                 </a:ln>
                 <a:extLst>
                   <a:ext uri="{91240B29-F687-4f45-9708-019B960494DF}">
-                    <a14:hiddenLine xmlns="" xmlns:a14="http://schemas.microsoft.com/office/drawing/2010/main" w="9525">
+                    <a14:hiddenLine xmlns:a14="http://schemas.microsoft.com/office/drawing/2010/main" xmlns="" w="9525">
                       <a:solidFill>
                         <a:srgbClr val="000000"/>
                       </a:solidFill>
@@ -25497,7 +25142,7 @@
                 </a:ln>
                 <a:extLst>
                   <a:ext uri="{91240B29-F687-4f45-9708-019B960494DF}">
-                    <a14:hiddenLine xmlns="" xmlns:a14="http://schemas.microsoft.com/office/drawing/2010/main" w="9525">
+                    <a14:hiddenLine xmlns:a14="http://schemas.microsoft.com/office/drawing/2010/main" xmlns="" w="9525">
                       <a:solidFill>
                         <a:srgbClr val="000000"/>
                       </a:solidFill>
@@ -25596,14 +25241,14 @@
                 </a:ln>
                 <a:extLst>
                   <a:ext uri="{909E8E84-426E-40dd-AFC4-6F175D3DCCD1}">
-                    <a14:hiddenFill xmlns="" xmlns:a14="http://schemas.microsoft.com/office/drawing/2010/main">
+                    <a14:hiddenFill xmlns:a14="http://schemas.microsoft.com/office/drawing/2010/main" xmlns="">
                       <a:solidFill>
                         <a:srgbClr val="FFFFFF"/>
                       </a:solidFill>
                     </a14:hiddenFill>
                   </a:ext>
                   <a:ext uri="{91240B29-F687-4f45-9708-019B960494DF}">
-                    <a14:hiddenLine xmlns="" xmlns:a14="http://schemas.microsoft.com/office/drawing/2010/main" w="9525">
+                    <a14:hiddenLine xmlns:a14="http://schemas.microsoft.com/office/drawing/2010/main" xmlns="" w="9525">
                       <a:solidFill>
                         <a:srgbClr val="000000"/>
                       </a:solidFill>
@@ -25705,7 +25350,7 @@
                 </a:ln>
                 <a:extLst>
                   <a:ext uri="{91240B29-F687-4f45-9708-019B960494DF}">
-                    <a14:hiddenLine xmlns="" xmlns:a14="http://schemas.microsoft.com/office/drawing/2010/main" w="9525">
+                    <a14:hiddenLine xmlns:a14="http://schemas.microsoft.com/office/drawing/2010/main" xmlns="" w="9525">
                       <a:solidFill>
                         <a:srgbClr val="000000"/>
                       </a:solidFill>
@@ -25807,7 +25452,7 @@
                 </a:ln>
                 <a:extLst>
                   <a:ext uri="{91240B29-F687-4f45-9708-019B960494DF}">
-                    <a14:hiddenLine xmlns="" xmlns:a14="http://schemas.microsoft.com/office/drawing/2010/main" w="9525">
+                    <a14:hiddenLine xmlns:a14="http://schemas.microsoft.com/office/drawing/2010/main" xmlns="" w="9525">
                       <a:solidFill>
                         <a:srgbClr val="000000"/>
                       </a:solidFill>
@@ -27621,7 +27266,7 @@
                 </a:ln>
                 <a:extLst>
                   <a:ext uri="{91240B29-F687-4f45-9708-019B960494DF}">
-                    <a14:hiddenLine xmlns="" xmlns:a14="http://schemas.microsoft.com/office/drawing/2010/main" w="9525">
+                    <a14:hiddenLine xmlns:a14="http://schemas.microsoft.com/office/drawing/2010/main" xmlns="" w="9525">
                       <a:solidFill>
                         <a:srgbClr val="000000"/>
                       </a:solidFill>
@@ -27723,7 +27368,7 @@
                 </a:ln>
                 <a:extLst>
                   <a:ext uri="{91240B29-F687-4f45-9708-019B960494DF}">
-                    <a14:hiddenLine xmlns="" xmlns:a14="http://schemas.microsoft.com/office/drawing/2010/main" w="9525">
+                    <a14:hiddenLine xmlns:a14="http://schemas.microsoft.com/office/drawing/2010/main" xmlns="" w="9525">
                       <a:solidFill>
                         <a:srgbClr val="000000"/>
                       </a:solidFill>
@@ -27822,14 +27467,14 @@
                 </a:ln>
                 <a:extLst>
                   <a:ext uri="{909E8E84-426E-40dd-AFC4-6F175D3DCCD1}">
-                    <a14:hiddenFill xmlns="" xmlns:a14="http://schemas.microsoft.com/office/drawing/2010/main">
+                    <a14:hiddenFill xmlns:a14="http://schemas.microsoft.com/office/drawing/2010/main" xmlns="">
                       <a:solidFill>
                         <a:srgbClr val="FFFFFF"/>
                       </a:solidFill>
                     </a14:hiddenFill>
                   </a:ext>
                   <a:ext uri="{91240B29-F687-4f45-9708-019B960494DF}">
-                    <a14:hiddenLine xmlns="" xmlns:a14="http://schemas.microsoft.com/office/drawing/2010/main" w="9525">
+                    <a14:hiddenLine xmlns:a14="http://schemas.microsoft.com/office/drawing/2010/main" xmlns="" w="9525">
                       <a:solidFill>
                         <a:srgbClr val="000000"/>
                       </a:solidFill>
@@ -27931,7 +27576,7 @@
                 </a:ln>
                 <a:extLst>
                   <a:ext uri="{91240B29-F687-4f45-9708-019B960494DF}">
-                    <a14:hiddenLine xmlns="" xmlns:a14="http://schemas.microsoft.com/office/drawing/2010/main" w="9525">
+                    <a14:hiddenLine xmlns:a14="http://schemas.microsoft.com/office/drawing/2010/main" xmlns="" w="9525">
                       <a:solidFill>
                         <a:srgbClr val="000000"/>
                       </a:solidFill>
@@ -28033,7 +27678,7 @@
                 </a:ln>
                 <a:extLst>
                   <a:ext uri="{91240B29-F687-4f45-9708-019B960494DF}">
-                    <a14:hiddenLine xmlns="" xmlns:a14="http://schemas.microsoft.com/office/drawing/2010/main" w="9525">
+                    <a14:hiddenLine xmlns:a14="http://schemas.microsoft.com/office/drawing/2010/main" xmlns="" w="9525">
                       <a:solidFill>
                         <a:srgbClr val="000000"/>
                       </a:solidFill>
@@ -28101,7 +27746,7 @@
                 </a:ln>
                 <a:extLst>
                   <a:ext uri="{91240B29-F687-4f45-9708-019B960494DF}">
-                    <a14:hiddenLine xmlns="" xmlns:a14="http://schemas.microsoft.com/office/drawing/2010/main" w="9525">
+                    <a14:hiddenLine xmlns:a14="http://schemas.microsoft.com/office/drawing/2010/main" xmlns="" w="9525">
                       <a:solidFill>
                         <a:srgbClr val="000000"/>
                       </a:solidFill>
@@ -28203,7 +27848,7 @@
                 </a:ln>
                 <a:extLst>
                   <a:ext uri="{91240B29-F687-4f45-9708-019B960494DF}">
-                    <a14:hiddenLine xmlns="" xmlns:a14="http://schemas.microsoft.com/office/drawing/2010/main" w="9525">
+                    <a14:hiddenLine xmlns:a14="http://schemas.microsoft.com/office/drawing/2010/main" xmlns="" w="9525">
                       <a:solidFill>
                         <a:srgbClr val="000000"/>
                       </a:solidFill>
@@ -28305,7 +27950,7 @@
                 </a:ln>
                 <a:extLst>
                   <a:ext uri="{91240B29-F687-4f45-9708-019B960494DF}">
-                    <a14:hiddenLine xmlns="" xmlns:a14="http://schemas.microsoft.com/office/drawing/2010/main" w="9525">
+                    <a14:hiddenLine xmlns:a14="http://schemas.microsoft.com/office/drawing/2010/main" xmlns="" w="9525">
                       <a:solidFill>
                         <a:srgbClr val="000000"/>
                       </a:solidFill>
@@ -28407,7 +28052,7 @@
                 </a:ln>
                 <a:extLst>
                   <a:ext uri="{91240B29-F687-4f45-9708-019B960494DF}">
-                    <a14:hiddenLine xmlns="" xmlns:a14="http://schemas.microsoft.com/office/drawing/2010/main" w="9525">
+                    <a14:hiddenLine xmlns:a14="http://schemas.microsoft.com/office/drawing/2010/main" xmlns="" w="9525">
                       <a:solidFill>
                         <a:srgbClr val="000000"/>
                       </a:solidFill>
@@ -28475,7 +28120,7 @@
                 </a:ln>
                 <a:extLst>
                   <a:ext uri="{91240B29-F687-4f45-9708-019B960494DF}">
-                    <a14:hiddenLine xmlns="" xmlns:a14="http://schemas.microsoft.com/office/drawing/2010/main" w="9525">
+                    <a14:hiddenLine xmlns:a14="http://schemas.microsoft.com/office/drawing/2010/main" xmlns="" w="9525">
                       <a:solidFill>
                         <a:srgbClr val="000000"/>
                       </a:solidFill>
@@ -28577,7 +28222,7 @@
                 </a:ln>
                 <a:extLst>
                   <a:ext uri="{91240B29-F687-4f45-9708-019B960494DF}">
-                    <a14:hiddenLine xmlns="" xmlns:a14="http://schemas.microsoft.com/office/drawing/2010/main" w="9525">
+                    <a14:hiddenLine xmlns:a14="http://schemas.microsoft.com/office/drawing/2010/main" xmlns="" w="9525">
                       <a:solidFill>
                         <a:srgbClr val="000000"/>
                       </a:solidFill>
@@ -28679,7 +28324,7 @@
                 </a:ln>
                 <a:extLst>
                   <a:ext uri="{91240B29-F687-4f45-9708-019B960494DF}">
-                    <a14:hiddenLine xmlns="" xmlns:a14="http://schemas.microsoft.com/office/drawing/2010/main" w="9525">
+                    <a14:hiddenLine xmlns:a14="http://schemas.microsoft.com/office/drawing/2010/main" xmlns="" w="9525">
                       <a:solidFill>
                         <a:srgbClr val="000000"/>
                       </a:solidFill>
@@ -28781,7 +28426,7 @@
                 </a:ln>
                 <a:extLst>
                   <a:ext uri="{91240B29-F687-4f45-9708-019B960494DF}">
-                    <a14:hiddenLine xmlns="" xmlns:a14="http://schemas.microsoft.com/office/drawing/2010/main" w="9525">
+                    <a14:hiddenLine xmlns:a14="http://schemas.microsoft.com/office/drawing/2010/main" xmlns="" w="9525">
                       <a:solidFill>
                         <a:srgbClr val="000000"/>
                       </a:solidFill>
@@ -29320,7 +28965,7 @@
                 </a:ln>
                 <a:extLst>
                   <a:ext uri="{91240B29-F687-4f45-9708-019B960494DF}">
-                    <a14:hiddenLine xmlns="" xmlns:a14="http://schemas.microsoft.com/office/drawing/2010/main" w="9525">
+                    <a14:hiddenLine xmlns:a14="http://schemas.microsoft.com/office/drawing/2010/main" xmlns="" w="9525">
                       <a:solidFill>
                         <a:srgbClr val="000000"/>
                       </a:solidFill>
@@ -29380,7 +29025,7 @@
                 </a:ln>
                 <a:extLst>
                   <a:ext uri="{91240B29-F687-4f45-9708-019B960494DF}">
-                    <a14:hiddenLine xmlns="" xmlns:a14="http://schemas.microsoft.com/office/drawing/2010/main" w="9525">
+                    <a14:hiddenLine xmlns:a14="http://schemas.microsoft.com/office/drawing/2010/main" xmlns="" w="9525">
                       <a:solidFill>
                         <a:srgbClr val="000000"/>
                       </a:solidFill>
@@ -29438,14 +29083,14 @@
                 </a:ln>
                 <a:extLst>
                   <a:ext uri="{909E8E84-426E-40dd-AFC4-6F175D3DCCD1}">
-                    <a14:hiddenFill xmlns="" xmlns:a14="http://schemas.microsoft.com/office/drawing/2010/main">
+                    <a14:hiddenFill xmlns:a14="http://schemas.microsoft.com/office/drawing/2010/main" xmlns="">
                       <a:solidFill>
                         <a:srgbClr val="FFFFFF"/>
                       </a:solidFill>
                     </a14:hiddenFill>
                   </a:ext>
                   <a:ext uri="{91240B29-F687-4f45-9708-019B960494DF}">
-                    <a14:hiddenLine xmlns="" xmlns:a14="http://schemas.microsoft.com/office/drawing/2010/main" w="9525">
+                    <a14:hiddenLine xmlns:a14="http://schemas.microsoft.com/office/drawing/2010/main" xmlns="" w="9525">
                       <a:solidFill>
                         <a:srgbClr val="000000"/>
                       </a:solidFill>
@@ -29505,7 +29150,7 @@
                 </a:ln>
                 <a:extLst>
                   <a:ext uri="{91240B29-F687-4f45-9708-019B960494DF}">
-                    <a14:hiddenLine xmlns="" xmlns:a14="http://schemas.microsoft.com/office/drawing/2010/main" w="9525">
+                    <a14:hiddenLine xmlns:a14="http://schemas.microsoft.com/office/drawing/2010/main" xmlns="" w="9525">
                       <a:solidFill>
                         <a:srgbClr val="000000"/>
                       </a:solidFill>
@@ -29563,14 +29208,14 @@
                 </a:ln>
                 <a:extLst>
                   <a:ext uri="{909E8E84-426E-40dd-AFC4-6F175D3DCCD1}">
-                    <a14:hiddenFill xmlns="" xmlns:a14="http://schemas.microsoft.com/office/drawing/2010/main">
+                    <a14:hiddenFill xmlns:a14="http://schemas.microsoft.com/office/drawing/2010/main" xmlns="">
                       <a:solidFill>
                         <a:srgbClr val="FFFFFF"/>
                       </a:solidFill>
                     </a14:hiddenFill>
                   </a:ext>
                   <a:ext uri="{91240B29-F687-4f45-9708-019B960494DF}">
-                    <a14:hiddenLine xmlns="" xmlns:a14="http://schemas.microsoft.com/office/drawing/2010/main" w="9525">
+                    <a14:hiddenLine xmlns:a14="http://schemas.microsoft.com/office/drawing/2010/main" xmlns="" w="9525">
                       <a:solidFill>
                         <a:srgbClr val="000000"/>
                       </a:solidFill>
@@ -29630,7 +29275,7 @@
                 </a:ln>
                 <a:extLst>
                   <a:ext uri="{91240B29-F687-4f45-9708-019B960494DF}">
-                    <a14:hiddenLine xmlns="" xmlns:a14="http://schemas.microsoft.com/office/drawing/2010/main" w="9525">
+                    <a14:hiddenLine xmlns:a14="http://schemas.microsoft.com/office/drawing/2010/main" xmlns="" w="9525">
                       <a:solidFill>
                         <a:srgbClr val="000000"/>
                       </a:solidFill>
@@ -29688,14 +29333,14 @@
                 </a:ln>
                 <a:extLst>
                   <a:ext uri="{909E8E84-426E-40dd-AFC4-6F175D3DCCD1}">
-                    <a14:hiddenFill xmlns="" xmlns:a14="http://schemas.microsoft.com/office/drawing/2010/main">
+                    <a14:hiddenFill xmlns:a14="http://schemas.microsoft.com/office/drawing/2010/main" xmlns="">
                       <a:solidFill>
                         <a:srgbClr val="FFFFFF"/>
                       </a:solidFill>
                     </a14:hiddenFill>
                   </a:ext>
                   <a:ext uri="{91240B29-F687-4f45-9708-019B960494DF}">
-                    <a14:hiddenLine xmlns="" xmlns:a14="http://schemas.microsoft.com/office/drawing/2010/main" w="9525">
+                    <a14:hiddenLine xmlns:a14="http://schemas.microsoft.com/office/drawing/2010/main" xmlns="" w="9525">
                       <a:solidFill>
                         <a:srgbClr val="000000"/>
                       </a:solidFill>
@@ -29755,7 +29400,7 @@
                 </a:ln>
                 <a:extLst>
                   <a:ext uri="{91240B29-F687-4f45-9708-019B960494DF}">
-                    <a14:hiddenLine xmlns="" xmlns:a14="http://schemas.microsoft.com/office/drawing/2010/main" w="9525">
+                    <a14:hiddenLine xmlns:a14="http://schemas.microsoft.com/office/drawing/2010/main" xmlns="" w="9525">
                       <a:solidFill>
                         <a:srgbClr val="000000"/>
                       </a:solidFill>
@@ -29813,14 +29458,14 @@
                 </a:ln>
                 <a:extLst>
                   <a:ext uri="{909E8E84-426E-40dd-AFC4-6F175D3DCCD1}">
-                    <a14:hiddenFill xmlns="" xmlns:a14="http://schemas.microsoft.com/office/drawing/2010/main">
+                    <a14:hiddenFill xmlns:a14="http://schemas.microsoft.com/office/drawing/2010/main" xmlns="">
                       <a:solidFill>
                         <a:srgbClr val="FFFFFF"/>
                       </a:solidFill>
                     </a14:hiddenFill>
                   </a:ext>
                   <a:ext uri="{91240B29-F687-4f45-9708-019B960494DF}">
-                    <a14:hiddenLine xmlns="" xmlns:a14="http://schemas.microsoft.com/office/drawing/2010/main" w="9525">
+                    <a14:hiddenLine xmlns:a14="http://schemas.microsoft.com/office/drawing/2010/main" xmlns="" w="9525">
                       <a:solidFill>
                         <a:srgbClr val="000000"/>
                       </a:solidFill>
@@ -29880,7 +29525,7 @@
                 </a:ln>
                 <a:extLst>
                   <a:ext uri="{91240B29-F687-4f45-9708-019B960494DF}">
-                    <a14:hiddenLine xmlns="" xmlns:a14="http://schemas.microsoft.com/office/drawing/2010/main" w="9525">
+                    <a14:hiddenLine xmlns:a14="http://schemas.microsoft.com/office/drawing/2010/main" xmlns="" w="9525">
                       <a:solidFill>
                         <a:srgbClr val="000000"/>
                       </a:solidFill>
@@ -29938,14 +29583,14 @@
                 </a:ln>
                 <a:extLst>
                   <a:ext uri="{909E8E84-426E-40dd-AFC4-6F175D3DCCD1}">
-                    <a14:hiddenFill xmlns="" xmlns:a14="http://schemas.microsoft.com/office/drawing/2010/main">
+                    <a14:hiddenFill xmlns:a14="http://schemas.microsoft.com/office/drawing/2010/main" xmlns="">
                       <a:solidFill>
                         <a:srgbClr val="FFFFFF"/>
                       </a:solidFill>
                     </a14:hiddenFill>
                   </a:ext>
                   <a:ext uri="{91240B29-F687-4f45-9708-019B960494DF}">
-                    <a14:hiddenLine xmlns="" xmlns:a14="http://schemas.microsoft.com/office/drawing/2010/main" w="9525">
+                    <a14:hiddenLine xmlns:a14="http://schemas.microsoft.com/office/drawing/2010/main" xmlns="" w="9525">
                       <a:solidFill>
                         <a:srgbClr val="000000"/>
                       </a:solidFill>
@@ -30005,7 +29650,7 @@
                 </a:ln>
                 <a:extLst>
                   <a:ext uri="{91240B29-F687-4f45-9708-019B960494DF}">
-                    <a14:hiddenLine xmlns="" xmlns:a14="http://schemas.microsoft.com/office/drawing/2010/main" w="9525">
+                    <a14:hiddenLine xmlns:a14="http://schemas.microsoft.com/office/drawing/2010/main" xmlns="" w="9525">
                       <a:solidFill>
                         <a:srgbClr val="000000"/>
                       </a:solidFill>
@@ -30065,7 +29710,7 @@
                 </a:ln>
                 <a:extLst>
                   <a:ext uri="{91240B29-F687-4f45-9708-019B960494DF}">
-                    <a14:hiddenLine xmlns="" xmlns:a14="http://schemas.microsoft.com/office/drawing/2010/main" w="9525">
+                    <a14:hiddenLine xmlns:a14="http://schemas.microsoft.com/office/drawing/2010/main" xmlns="" w="9525">
                       <a:solidFill>
                         <a:srgbClr val="000000"/>
                       </a:solidFill>
@@ -30125,7 +29770,7 @@
                 </a:ln>
                 <a:extLst>
                   <a:ext uri="{91240B29-F687-4f45-9708-019B960494DF}">
-                    <a14:hiddenLine xmlns="" xmlns:a14="http://schemas.microsoft.com/office/drawing/2010/main" w="9525">
+                    <a14:hiddenLine xmlns:a14="http://schemas.microsoft.com/office/drawing/2010/main" xmlns="" w="9525">
                       <a:solidFill>
                         <a:srgbClr val="000000"/>
                       </a:solidFill>
@@ -30183,14 +29828,14 @@
                 </a:ln>
                 <a:extLst>
                   <a:ext uri="{909E8E84-426E-40dd-AFC4-6F175D3DCCD1}">
-                    <a14:hiddenFill xmlns="" xmlns:a14="http://schemas.microsoft.com/office/drawing/2010/main">
+                    <a14:hiddenFill xmlns:a14="http://schemas.microsoft.com/office/drawing/2010/main" xmlns="">
                       <a:solidFill>
                         <a:srgbClr val="FFFFFF"/>
                       </a:solidFill>
                     </a14:hiddenFill>
                   </a:ext>
                   <a:ext uri="{91240B29-F687-4f45-9708-019B960494DF}">
-                    <a14:hiddenLine xmlns="" xmlns:a14="http://schemas.microsoft.com/office/drawing/2010/main" w="9525">
+                    <a14:hiddenLine xmlns:a14="http://schemas.microsoft.com/office/drawing/2010/main" xmlns="" w="9525">
                       <a:solidFill>
                         <a:srgbClr val="000000"/>
                       </a:solidFill>
@@ -30250,7 +29895,7 @@
                 </a:ln>
                 <a:extLst>
                   <a:ext uri="{91240B29-F687-4f45-9708-019B960494DF}">
-                    <a14:hiddenLine xmlns="" xmlns:a14="http://schemas.microsoft.com/office/drawing/2010/main" w="9525">
+                    <a14:hiddenLine xmlns:a14="http://schemas.microsoft.com/office/drawing/2010/main" xmlns="" w="9525">
                       <a:solidFill>
                         <a:srgbClr val="000000"/>
                       </a:solidFill>
@@ -30513,7 +30158,7 @@
                 </a:ln>
                 <a:extLst>
                   <a:ext uri="{91240B29-F687-4f45-9708-019B960494DF}">
-                    <a14:hiddenLine xmlns="" xmlns:a14="http://schemas.microsoft.com/office/drawing/2010/main" w="9525">
+                    <a14:hiddenLine xmlns:a14="http://schemas.microsoft.com/office/drawing/2010/main" xmlns="" w="9525">
                       <a:solidFill>
                         <a:srgbClr val="000000"/>
                       </a:solidFill>
@@ -30773,14 +30418,14 @@
                 </a:ln>
                 <a:extLst>
                   <a:ext uri="{909E8E84-426E-40dd-AFC4-6F175D3DCCD1}">
-                    <a14:hiddenFill xmlns="" xmlns:a14="http://schemas.microsoft.com/office/drawing/2010/main">
+                    <a14:hiddenFill xmlns:a14="http://schemas.microsoft.com/office/drawing/2010/main" xmlns="">
                       <a:solidFill>
                         <a:srgbClr val="FFFFFF"/>
                       </a:solidFill>
                     </a14:hiddenFill>
                   </a:ext>
                   <a:ext uri="{91240B29-F687-4f45-9708-019B960494DF}">
-                    <a14:hiddenLine xmlns="" xmlns:a14="http://schemas.microsoft.com/office/drawing/2010/main" w="9525">
+                    <a14:hiddenLine xmlns:a14="http://schemas.microsoft.com/office/drawing/2010/main" xmlns="" w="9525">
                       <a:solidFill>
                         <a:srgbClr val="000000"/>
                       </a:solidFill>
@@ -30840,7 +30485,7 @@
                 </a:ln>
                 <a:extLst>
                   <a:ext uri="{91240B29-F687-4f45-9708-019B960494DF}">
-                    <a14:hiddenLine xmlns="" xmlns:a14="http://schemas.microsoft.com/office/drawing/2010/main" w="9525">
+                    <a14:hiddenLine xmlns:a14="http://schemas.microsoft.com/office/drawing/2010/main" xmlns="" w="9525">
                       <a:solidFill>
                         <a:srgbClr val="000000"/>
                       </a:solidFill>
@@ -30898,14 +30543,14 @@
                 </a:ln>
                 <a:extLst>
                   <a:ext uri="{909E8E84-426E-40dd-AFC4-6F175D3DCCD1}">
-                    <a14:hiddenFill xmlns="" xmlns:a14="http://schemas.microsoft.com/office/drawing/2010/main">
+                    <a14:hiddenFill xmlns:a14="http://schemas.microsoft.com/office/drawing/2010/main" xmlns="">
                       <a:solidFill>
                         <a:srgbClr val="FFFFFF"/>
                       </a:solidFill>
                     </a14:hiddenFill>
                   </a:ext>
                   <a:ext uri="{91240B29-F687-4f45-9708-019B960494DF}">
-                    <a14:hiddenLine xmlns="" xmlns:a14="http://schemas.microsoft.com/office/drawing/2010/main" w="9525">
+                    <a14:hiddenLine xmlns:a14="http://schemas.microsoft.com/office/drawing/2010/main" xmlns="" w="9525">
                       <a:solidFill>
                         <a:srgbClr val="000000"/>
                       </a:solidFill>
@@ -30965,7 +30610,7 @@
                 </a:ln>
                 <a:extLst>
                   <a:ext uri="{91240B29-F687-4f45-9708-019B960494DF}">
-                    <a14:hiddenLine xmlns="" xmlns:a14="http://schemas.microsoft.com/office/drawing/2010/main" w="9525">
+                    <a14:hiddenLine xmlns:a14="http://schemas.microsoft.com/office/drawing/2010/main" xmlns="" w="9525">
                       <a:solidFill>
                         <a:srgbClr val="000000"/>
                       </a:solidFill>
@@ -31023,14 +30668,14 @@
                 </a:ln>
                 <a:extLst>
                   <a:ext uri="{909E8E84-426E-40dd-AFC4-6F175D3DCCD1}">
-                    <a14:hiddenFill xmlns="" xmlns:a14="http://schemas.microsoft.com/office/drawing/2010/main">
+                    <a14:hiddenFill xmlns:a14="http://schemas.microsoft.com/office/drawing/2010/main" xmlns="">
                       <a:solidFill>
                         <a:srgbClr val="FFFFFF"/>
                       </a:solidFill>
                     </a14:hiddenFill>
                   </a:ext>
                   <a:ext uri="{91240B29-F687-4f45-9708-019B960494DF}">
-                    <a14:hiddenLine xmlns="" xmlns:a14="http://schemas.microsoft.com/office/drawing/2010/main" w="9525">
+                    <a14:hiddenLine xmlns:a14="http://schemas.microsoft.com/office/drawing/2010/main" xmlns="" w="9525">
                       <a:solidFill>
                         <a:srgbClr val="000000"/>
                       </a:solidFill>
@@ -31090,7 +30735,7 @@
                 </a:ln>
                 <a:extLst>
                   <a:ext uri="{91240B29-F687-4f45-9708-019B960494DF}">
-                    <a14:hiddenLine xmlns="" xmlns:a14="http://schemas.microsoft.com/office/drawing/2010/main" w="9525">
+                    <a14:hiddenLine xmlns:a14="http://schemas.microsoft.com/office/drawing/2010/main" xmlns="" w="9525">
                       <a:solidFill>
                         <a:srgbClr val="000000"/>
                       </a:solidFill>
@@ -31148,14 +30793,14 @@
                 </a:ln>
                 <a:extLst>
                   <a:ext uri="{909E8E84-426E-40dd-AFC4-6F175D3DCCD1}">
-                    <a14:hiddenFill xmlns="" xmlns:a14="http://schemas.microsoft.com/office/drawing/2010/main">
+                    <a14:hiddenFill xmlns:a14="http://schemas.microsoft.com/office/drawing/2010/main" xmlns="">
                       <a:solidFill>
                         <a:srgbClr val="FFFFFF"/>
                       </a:solidFill>
                     </a14:hiddenFill>
                   </a:ext>
                   <a:ext uri="{91240B29-F687-4f45-9708-019B960494DF}">
-                    <a14:hiddenLine xmlns="" xmlns:a14="http://schemas.microsoft.com/office/drawing/2010/main" w="9525">
+                    <a14:hiddenLine xmlns:a14="http://schemas.microsoft.com/office/drawing/2010/main" xmlns="" w="9525">
                       <a:solidFill>
                         <a:srgbClr val="000000"/>
                       </a:solidFill>
@@ -31215,7 +30860,7 @@
                 </a:ln>
                 <a:extLst>
                   <a:ext uri="{91240B29-F687-4f45-9708-019B960494DF}">
-                    <a14:hiddenLine xmlns="" xmlns:a14="http://schemas.microsoft.com/office/drawing/2010/main" w="9525">
+                    <a14:hiddenLine xmlns:a14="http://schemas.microsoft.com/office/drawing/2010/main" xmlns="" w="9525">
                       <a:solidFill>
                         <a:srgbClr val="000000"/>
                       </a:solidFill>
@@ -31273,14 +30918,14 @@
                 </a:ln>
                 <a:extLst>
                   <a:ext uri="{909E8E84-426E-40dd-AFC4-6F175D3DCCD1}">
-                    <a14:hiddenFill xmlns="" xmlns:a14="http://schemas.microsoft.com/office/drawing/2010/main">
+                    <a14:hiddenFill xmlns:a14="http://schemas.microsoft.com/office/drawing/2010/main" xmlns="">
                       <a:solidFill>
                         <a:srgbClr val="FFFFFF"/>
                       </a:solidFill>
                     </a14:hiddenFill>
                   </a:ext>
                   <a:ext uri="{91240B29-F687-4f45-9708-019B960494DF}">
-                    <a14:hiddenLine xmlns="" xmlns:a14="http://schemas.microsoft.com/office/drawing/2010/main" w="9525">
+                    <a14:hiddenLine xmlns:a14="http://schemas.microsoft.com/office/drawing/2010/main" xmlns="" w="9525">
                       <a:solidFill>
                         <a:srgbClr val="000000"/>
                       </a:solidFill>
@@ -31340,7 +30985,7 @@
                 </a:ln>
                 <a:extLst>
                   <a:ext uri="{91240B29-F687-4f45-9708-019B960494DF}">
-                    <a14:hiddenLine xmlns="" xmlns:a14="http://schemas.microsoft.com/office/drawing/2010/main" w="9525">
+                    <a14:hiddenLine xmlns:a14="http://schemas.microsoft.com/office/drawing/2010/main" xmlns="" w="9525">
                       <a:solidFill>
                         <a:srgbClr val="000000"/>
                       </a:solidFill>
@@ -31398,14 +31043,14 @@
                 </a:ln>
                 <a:extLst>
                   <a:ext uri="{909E8E84-426E-40dd-AFC4-6F175D3DCCD1}">
-                    <a14:hiddenFill xmlns="" xmlns:a14="http://schemas.microsoft.com/office/drawing/2010/main">
+                    <a14:hiddenFill xmlns:a14="http://schemas.microsoft.com/office/drawing/2010/main" xmlns="">
                       <a:solidFill>
                         <a:srgbClr val="FFFFFF"/>
                       </a:solidFill>
                     </a14:hiddenFill>
                   </a:ext>
                   <a:ext uri="{91240B29-F687-4f45-9708-019B960494DF}">
-                    <a14:hiddenLine xmlns="" xmlns:a14="http://schemas.microsoft.com/office/drawing/2010/main" w="9525">
+                    <a14:hiddenLine xmlns:a14="http://schemas.microsoft.com/office/drawing/2010/main" xmlns="" w="9525">
                       <a:solidFill>
                         <a:srgbClr val="000000"/>
                       </a:solidFill>
@@ -31465,7 +31110,7 @@
                 </a:ln>
                 <a:extLst>
                   <a:ext uri="{91240B29-F687-4f45-9708-019B960494DF}">
-                    <a14:hiddenLine xmlns="" xmlns:a14="http://schemas.microsoft.com/office/drawing/2010/main" w="9525">
+                    <a14:hiddenLine xmlns:a14="http://schemas.microsoft.com/office/drawing/2010/main" xmlns="" w="9525">
                       <a:solidFill>
                         <a:srgbClr val="000000"/>
                       </a:solidFill>
@@ -31525,7 +31170,7 @@
                 </a:ln>
                 <a:extLst>
                   <a:ext uri="{91240B29-F687-4f45-9708-019B960494DF}">
-                    <a14:hiddenLine xmlns="" xmlns:a14="http://schemas.microsoft.com/office/drawing/2010/main" w="9525">
+                    <a14:hiddenLine xmlns:a14="http://schemas.microsoft.com/office/drawing/2010/main" xmlns="" w="9525">
                       <a:solidFill>
                         <a:srgbClr val="000000"/>
                       </a:solidFill>
@@ -31585,7 +31230,7 @@
                 </a:ln>
                 <a:extLst>
                   <a:ext uri="{91240B29-F687-4f45-9708-019B960494DF}">
-                    <a14:hiddenLine xmlns="" xmlns:a14="http://schemas.microsoft.com/office/drawing/2010/main" w="9525">
+                    <a14:hiddenLine xmlns:a14="http://schemas.microsoft.com/office/drawing/2010/main" xmlns="" w="9525">
                       <a:solidFill>
                         <a:srgbClr val="000000"/>
                       </a:solidFill>
@@ -31645,7 +31290,7 @@
                 </a:ln>
                 <a:extLst>
                   <a:ext uri="{91240B29-F687-4f45-9708-019B960494DF}">
-                    <a14:hiddenLine xmlns="" xmlns:a14="http://schemas.microsoft.com/office/drawing/2010/main" w="9525">
+                    <a14:hiddenLine xmlns:a14="http://schemas.microsoft.com/office/drawing/2010/main" xmlns="" w="9525">
                       <a:solidFill>
                         <a:srgbClr val="000000"/>
                       </a:solidFill>
@@ -31705,7 +31350,7 @@
                 </a:ln>
                 <a:extLst>
                   <a:ext uri="{91240B29-F687-4f45-9708-019B960494DF}">
-                    <a14:hiddenLine xmlns="" xmlns:a14="http://schemas.microsoft.com/office/drawing/2010/main" w="9525">
+                    <a14:hiddenLine xmlns:a14="http://schemas.microsoft.com/office/drawing/2010/main" xmlns="" w="9525">
                       <a:solidFill>
                         <a:srgbClr val="000000"/>
                       </a:solidFill>
@@ -31765,7 +31410,7 @@
                 </a:ln>
                 <a:extLst>
                   <a:ext uri="{91240B29-F687-4f45-9708-019B960494DF}">
-                    <a14:hiddenLine xmlns="" xmlns:a14="http://schemas.microsoft.com/office/drawing/2010/main" w="9525">
+                    <a14:hiddenLine xmlns:a14="http://schemas.microsoft.com/office/drawing/2010/main" xmlns="" w="9525">
                       <a:solidFill>
                         <a:srgbClr val="000000"/>
                       </a:solidFill>
@@ -31825,7 +31470,7 @@
                 </a:ln>
                 <a:extLst>
                   <a:ext uri="{91240B29-F687-4f45-9708-019B960494DF}">
-                    <a14:hiddenLine xmlns="" xmlns:a14="http://schemas.microsoft.com/office/drawing/2010/main" w="9525">
+                    <a14:hiddenLine xmlns:a14="http://schemas.microsoft.com/office/drawing/2010/main" xmlns="" w="9525">
                       <a:solidFill>
                         <a:srgbClr val="000000"/>
                       </a:solidFill>
@@ -32770,7 +32415,7 @@
                 <a:buSzPct val="80000"/>
               </a:pPr>
               <a:r>
-                <a:rPr lang="en-US" sz="2000" dirty="0" smtClean="0">
+                <a:rPr lang="en-US" sz="2000" dirty="0">
                   <a:solidFill>
                     <a:srgbClr val="505050"/>
                   </a:solidFill>
@@ -32780,14 +32425,6 @@
                 </a:rPr>
                 <a:t>Microsoft Azure Active Directory</a:t>
               </a:r>
-              <a:endParaRPr lang="en-US" sz="2000" dirty="0">
-                <a:solidFill>
-                  <a:srgbClr val="505050"/>
-                </a:solidFill>
-                <a:latin typeface="Segoe UI Light"/>
-                <a:ea typeface="ＭＳ Ｐゴシック" charset="0"/>
-                <a:cs typeface="Segoe UI Semibold" panose="020B0702040204020203" pitchFamily="34" charset="0"/>
-              </a:endParaRPr>
             </a:p>
           </p:txBody>
         </p:sp>
@@ -34686,39 +34323,7 @@
                   <a:lin ang="5400000" scaled="0"/>
                 </a:gradFill>
               </a:rPr>
-              <a:t>Connect and Sync </a:t>
-            </a:r>
-            <a:r>
-              <a:rPr lang="en-US" sz="2000" spc="-90" dirty="0" smtClean="0">
-                <a:gradFill>
-                  <a:gsLst>
-                    <a:gs pos="3670">
-                      <a:srgbClr val="000000"/>
-                    </a:gs>
-                    <a:gs pos="100000">
-                      <a:srgbClr val="000000"/>
-                    </a:gs>
-                  </a:gsLst>
-                  <a:lin ang="5400000" scaled="0"/>
-                </a:gradFill>
-              </a:rPr>
-              <a:t>on-premises directories with Azure</a:t>
-            </a:r>
-            <a:r>
-              <a:rPr lang="en-US" sz="2000" spc="-90" dirty="0">
-                <a:gradFill>
-                  <a:gsLst>
-                    <a:gs pos="3670">
-                      <a:srgbClr val="000000"/>
-                    </a:gs>
-                    <a:gs pos="100000">
-                      <a:srgbClr val="000000"/>
-                    </a:gs>
-                  </a:gsLst>
-                  <a:lin ang="5400000" scaled="0"/>
-                </a:gradFill>
-              </a:rPr>
-              <a:t>.</a:t>
+              <a:t>Connect and Sync on-premises directories with Azure.</a:t>
             </a:r>
           </a:p>
         </p:txBody>
@@ -34741,7 +34346,7 @@
           <a:lstStyle/>
           <a:p>
             <a:r>
-              <a:rPr lang="en-US" sz="4000" dirty="0" smtClean="0">
+              <a:rPr lang="en-US" sz="4000" dirty="0">
                 <a:gradFill>
                   <a:gsLst>
                     <a:gs pos="6195">
@@ -34756,19 +34361,6 @@
               </a:rPr>
               <a:t>Your Directory on the cloud </a:t>
             </a:r>
-            <a:endParaRPr lang="en-US" sz="4000" dirty="0">
-              <a:gradFill>
-                <a:gsLst>
-                  <a:gs pos="6195">
-                    <a:schemeClr val="bg2"/>
-                  </a:gs>
-                  <a:gs pos="100000">
-                    <a:schemeClr val="bg2"/>
-                  </a:gs>
-                </a:gsLst>
-                <a:lin ang="5400000" scaled="0"/>
-              </a:gradFill>
-            </a:endParaRPr>
           </a:p>
         </p:txBody>
       </p:sp>
@@ -34819,18 +34411,13 @@
                 </a:spcAft>
               </a:pPr>
               <a:r>
-                <a:rPr lang="en-US" sz="2000" spc="-90" dirty="0" smtClean="0">
+                <a:rPr lang="en-US" sz="2000" spc="-90" dirty="0">
                   <a:solidFill>
                     <a:srgbClr val="0070C0"/>
                   </a:solidFill>
                 </a:rPr>
                 <a:t>Azure Active Directory Connect and Connect Health</a:t>
               </a:r>
-              <a:endParaRPr lang="en-US" sz="2000" spc="-90" dirty="0">
-                <a:solidFill>
-                  <a:srgbClr val="0070C0"/>
-                </a:solidFill>
-              </a:endParaRPr>
             </a:p>
           </p:txBody>
         </p:sp>
@@ -35068,7 +34655,7 @@
                 <a:buSzPct val="80000"/>
               </a:pPr>
               <a:r>
-                <a:rPr lang="en-US" sz="2000" dirty="0" smtClean="0">
+                <a:rPr lang="en-US" sz="2000" dirty="0">
                   <a:solidFill>
                     <a:srgbClr val="000000"/>
                   </a:solidFill>
@@ -35093,7 +34680,7 @@
                 <a:buSzPct val="80000"/>
               </a:pPr>
               <a:r>
-                <a:rPr lang="en-US" sz="2000" dirty="0" smtClean="0">
+                <a:rPr lang="en-US" sz="2000" dirty="0">
                   <a:solidFill>
                     <a:srgbClr val="000000"/>
                   </a:solidFill>
@@ -35103,14 +34690,6 @@
                 </a:rPr>
                 <a:t>Active Directory </a:t>
               </a:r>
-              <a:endParaRPr lang="en-US" sz="2000" dirty="0">
-                <a:solidFill>
-                  <a:srgbClr val="000000"/>
-                </a:solidFill>
-                <a:latin typeface="Segoe UI Light"/>
-                <a:ea typeface="ＭＳ Ｐゴシック" charset="0"/>
-                <a:cs typeface="Segoe UI Semibold" panose="020B0702040204020203" pitchFamily="34" charset="0"/>
-              </a:endParaRPr>
             </a:p>
           </p:txBody>
         </p:sp>
@@ -35478,7 +35057,7 @@
                   <a:buSzPct val="80000"/>
                 </a:pPr>
                 <a:r>
-                  <a:rPr lang="en-US" dirty="0" smtClean="0">
+                  <a:rPr lang="en-US" dirty="0">
                     <a:solidFill>
                       <a:srgbClr val="505050"/>
                     </a:solidFill>
@@ -35488,14 +35067,6 @@
                   </a:rPr>
                   <a:t>Other Directories</a:t>
                 </a:r>
-                <a:endParaRPr lang="en-US" dirty="0">
-                  <a:solidFill>
-                    <a:srgbClr val="505050"/>
-                  </a:solidFill>
-                  <a:latin typeface="Segoe UI Light"/>
-                  <a:ea typeface="ＭＳ Ｐゴシック" charset="0"/>
-                  <a:cs typeface="Segoe UI Semibold" panose="020B0702040204020203" pitchFamily="34" charset="0"/>
-                </a:endParaRPr>
               </a:p>
             </p:txBody>
           </p:sp>
@@ -35545,7 +35116,7 @@
                     <a:buSzPct val="80000"/>
                   </a:pPr>
                   <a:r>
-                    <a:rPr lang="en-US" sz="1400" b="1" dirty="0" smtClean="0">
+                    <a:rPr lang="en-US" sz="1400" b="1" dirty="0">
                       <a:solidFill>
                         <a:srgbClr val="505050"/>
                       </a:solidFill>
@@ -35553,12 +35124,6 @@
                     </a:rPr>
                     <a:t>PowerShell</a:t>
                   </a:r>
-                  <a:endParaRPr lang="en-US" sz="1400" b="1" dirty="0">
-                    <a:solidFill>
-                      <a:srgbClr val="505050"/>
-                    </a:solidFill>
-                    <a:cs typeface="Segoe UI" panose="020B0502040204020203" pitchFamily="34" charset="0"/>
-                  </a:endParaRPr>
                 </a:p>
               </p:txBody>
             </p:sp>
@@ -35608,7 +35173,7 @@
                       <a:buSzPct val="80000"/>
                     </a:pPr>
                     <a:r>
-                      <a:rPr lang="en-US" sz="1400" b="1" dirty="0" smtClean="0">
+                      <a:rPr lang="en-US" sz="1400" b="1" dirty="0">
                         <a:solidFill>
                           <a:srgbClr val="505050"/>
                         </a:solidFill>
@@ -35616,12 +35181,6 @@
                       </a:rPr>
                       <a:t>LDAP v3</a:t>
                     </a:r>
-                    <a:endParaRPr lang="en-US" sz="1400" b="1" dirty="0">
-                      <a:solidFill>
-                        <a:srgbClr val="505050"/>
-                      </a:solidFill>
-                      <a:cs typeface="Segoe UI" panose="020B0502040204020203" pitchFamily="34" charset="0"/>
-                    </a:endParaRPr>
                   </a:p>
                 </p:txBody>
               </p:sp>
@@ -35657,7 +35216,7 @@
                       <a:buSzPct val="80000"/>
                     </a:pPr>
                     <a:r>
-                      <a:rPr lang="en-US" sz="1400" b="1" dirty="0" smtClean="0">
+                      <a:rPr lang="en-US" sz="1400" b="1" dirty="0">
                         <a:solidFill>
                           <a:srgbClr val="505050"/>
                         </a:solidFill>
@@ -35665,12 +35224,6 @@
                       </a:rPr>
                       <a:t>SQL (ODBC)</a:t>
                     </a:r>
-                    <a:endParaRPr lang="en-US" sz="1400" b="1" dirty="0">
-                      <a:solidFill>
-                        <a:srgbClr val="505050"/>
-                      </a:solidFill>
-                      <a:cs typeface="Segoe UI" panose="020B0502040204020203" pitchFamily="34" charset="0"/>
-                    </a:endParaRPr>
                   </a:p>
                 </p:txBody>
               </p:sp>
@@ -35707,7 +35260,7 @@
                     <a:buSzPct val="80000"/>
                   </a:pPr>
                   <a:r>
-                    <a:rPr lang="en-US" sz="1400" b="1" dirty="0" smtClean="0">
+                    <a:rPr lang="en-US" sz="1400" b="1" dirty="0">
                       <a:solidFill>
                         <a:srgbClr val="505050"/>
                       </a:solidFill>
@@ -35716,7 +35269,7 @@
                     <a:t>Web Services </a:t>
                   </a:r>
                   <a:br>
-                    <a:rPr lang="en-US" sz="1400" b="1" dirty="0" smtClean="0">
+                    <a:rPr lang="en-US" sz="1400" b="1" dirty="0">
                       <a:solidFill>
                         <a:srgbClr val="505050"/>
                       </a:solidFill>
@@ -35724,7 +35277,7 @@
                     </a:rPr>
                   </a:br>
                   <a:r>
-                    <a:rPr lang="en-US" sz="1400" b="1" dirty="0" smtClean="0">
+                    <a:rPr lang="en-US" sz="1400" b="1" dirty="0">
                       <a:solidFill>
                         <a:srgbClr val="505050"/>
                       </a:solidFill>
@@ -35732,12 +35285,6 @@
                     </a:rPr>
                     <a:t>( SOAP, JAVA, REST)</a:t>
                   </a:r>
-                  <a:endParaRPr lang="en-US" sz="1400" b="1" dirty="0">
-                    <a:solidFill>
-                      <a:srgbClr val="505050"/>
-                    </a:solidFill>
-                    <a:cs typeface="Segoe UI" panose="020B0502040204020203" pitchFamily="34" charset="0"/>
-                  </a:endParaRPr>
                 </a:p>
               </p:txBody>
             </p:sp>
@@ -38073,7 +37620,7 @@
               </a:spcAft>
             </a:pPr>
             <a:r>
-              <a:rPr lang="en-US" sz="1100" dirty="0" smtClean="0">
+              <a:rPr lang="en-US" sz="1100" dirty="0">
                 <a:gradFill>
                   <a:gsLst>
                     <a:gs pos="2917">
@@ -38101,13 +37648,13 @@
   <p:clrMapOvr>
     <a:masterClrMapping/>
   </p:clrMapOvr>
-  <mc:AlternateContent xmlns:mc="http://schemas.openxmlformats.org/markup-compatibility/2006">
-    <mc:Choice xmlns:p14="http://schemas.microsoft.com/office/powerpoint/2010/main" Requires="p14">
+  <mc:AlternateContent xmlns:mc="http://schemas.openxmlformats.org/markup-compatibility/2006" xmlns:p14="http://schemas.microsoft.com/office/powerpoint/2010/main">
+    <mc:Choice Requires="p14">
       <p:transition spd="med" p14:dur="700">
         <p:fade/>
       </p:transition>
     </mc:Choice>
-    <mc:Fallback>
+    <mc:Fallback xmlns="">
       <p:transition spd="med">
         <p:fade/>
       </p:transition>
@@ -39071,7 +38618,7 @@
                 <a:spcPct val="0"/>
               </a:spcAft>
             </a:pPr>
-            <a:endParaRPr lang="en-US" sz="2000" spc="-50" dirty="0" smtClean="0">
+            <a:endParaRPr lang="en-US" sz="2000" spc="-50" dirty="0">
               <a:gradFill>
                 <a:gsLst>
                   <a:gs pos="1250">
@@ -39287,7 +38834,7 @@
               </a:spcAft>
             </a:pPr>
             <a:r>
-              <a:rPr lang="en-US" sz="1600" dirty="0" smtClean="0">
+              <a:rPr lang="en-US" sz="1600" dirty="0">
                 <a:ln>
                   <a:solidFill>
                     <a:srgbClr val="FFFFFF">
@@ -39302,19 +38849,6 @@
               </a:rPr>
               <a:t>Active Directory</a:t>
             </a:r>
-            <a:endParaRPr lang="en-US" sz="1600" dirty="0">
-              <a:ln>
-                <a:solidFill>
-                  <a:srgbClr val="FFFFFF">
-                    <a:alpha val="0"/>
-                  </a:srgbClr>
-                </a:solidFill>
-              </a:ln>
-              <a:solidFill>
-                <a:srgbClr val="FFFFFF"/>
-              </a:solidFill>
-              <a:latin typeface="Segoe"/>
-            </a:endParaRPr>
           </a:p>
         </p:txBody>
       </p:sp>
@@ -39508,7 +39042,7 @@
                 <a:buSzPct val="80000"/>
               </a:pPr>
               <a:r>
-                <a:rPr lang="en-US" sz="1200" dirty="0" smtClean="0">
+                <a:rPr lang="en-US" sz="1200" dirty="0">
                   <a:gradFill>
                     <a:gsLst>
                       <a:gs pos="21429">
@@ -39524,22 +39058,6 @@
                 <a:t>Identity Synchronization with </a:t>
               </a:r>
               <a:r>
-                <a:rPr lang="en-US" sz="1200" b="1" dirty="0" smtClean="0">
-                  <a:gradFill>
-                    <a:gsLst>
-                      <a:gs pos="21429">
-                        <a:srgbClr val="002050"/>
-                      </a:gs>
-                      <a:gs pos="100000">
-                        <a:srgbClr val="002050"/>
-                      </a:gs>
-                    </a:gsLst>
-                    <a:lin ang="5400000" scaled="0"/>
-                  </a:gradFill>
-                </a:rPr>
-                <a:t>password (hash) </a:t>
-              </a:r>
-              <a:r>
                 <a:rPr lang="en-US" sz="1200" b="1" dirty="0">
                   <a:gradFill>
                     <a:gsLst>
@@ -39553,7 +39071,7 @@
                     <a:lin ang="5400000" scaled="0"/>
                   </a:gradFill>
                 </a:rPr>
-                <a:t>sync</a:t>
+                <a:t>password (hash) sync</a:t>
               </a:r>
             </a:p>
           </p:txBody>
@@ -40412,39 +39930,7 @@
                     <a:lin ang="5400000" scaled="0"/>
                   </a:gradFill>
                 </a:rPr>
-                <a:t>User attributes are synchronized using Identity Synchronization </a:t>
-              </a:r>
-              <a:r>
-                <a:rPr lang="en-US" sz="1600" dirty="0" smtClean="0">
-                  <a:gradFill>
-                    <a:gsLst>
-                      <a:gs pos="17431">
-                        <a:srgbClr val="505050"/>
-                      </a:gs>
-                      <a:gs pos="39000">
-                        <a:srgbClr val="505050"/>
-                      </a:gs>
-                    </a:gsLst>
-                    <a:lin ang="5400000" scaled="0"/>
-                  </a:gradFill>
-                </a:rPr>
-                <a:t>services </a:t>
-              </a:r>
-              <a:r>
-                <a:rPr lang="en-US" sz="1600" b="1" dirty="0" smtClean="0">
-                  <a:gradFill>
-                    <a:gsLst>
-                      <a:gs pos="17431">
-                        <a:srgbClr val="008272"/>
-                      </a:gs>
-                      <a:gs pos="100000">
-                        <a:srgbClr val="008272"/>
-                      </a:gs>
-                    </a:gsLst>
-                    <a:lin ang="5400000" scaled="0"/>
-                  </a:gradFill>
-                </a:rPr>
-                <a:t>including a password </a:t>
+                <a:t>User attributes are synchronized using Identity Synchronization services </a:t>
               </a:r>
               <a:r>
                 <a:rPr lang="en-US" sz="1600" b="1" dirty="0">
@@ -40460,23 +39946,7 @@
                     <a:lin ang="5400000" scaled="0"/>
                   </a:gradFill>
                 </a:rPr>
-                <a:t>hash, </a:t>
-              </a:r>
-              <a:r>
-                <a:rPr lang="en-US" sz="1600" dirty="0" smtClean="0">
-                  <a:gradFill>
-                    <a:gsLst>
-                      <a:gs pos="17431">
-                        <a:srgbClr val="505050"/>
-                      </a:gs>
-                      <a:gs pos="39000">
-                        <a:srgbClr val="505050"/>
-                      </a:gs>
-                    </a:gsLst>
-                    <a:lin ang="5400000" scaled="0"/>
-                  </a:gradFill>
-                </a:rPr>
-                <a:t>Authentication </a:t>
+                <a:t>including a password hash, </a:t>
               </a:r>
               <a:r>
                 <a:rPr lang="en-US" sz="1600" dirty="0">
@@ -40492,23 +39962,7 @@
                     <a:lin ang="5400000" scaled="0"/>
                   </a:gradFill>
                 </a:rPr>
-                <a:t>is completed against </a:t>
-              </a:r>
-              <a:r>
-                <a:rPr lang="en-US" sz="1600" b="1" dirty="0" smtClean="0">
-                  <a:gradFill>
-                    <a:gsLst>
-                      <a:gs pos="17431">
-                        <a:srgbClr val="008272"/>
-                      </a:gs>
-                      <a:gs pos="100000">
-                        <a:srgbClr val="008272"/>
-                      </a:gs>
-                    </a:gsLst>
-                    <a:lin ang="5400000" scaled="0"/>
-                  </a:gradFill>
-                </a:rPr>
-                <a:t>Azure </a:t>
+                <a:t>Authentication is completed against </a:t>
               </a:r>
               <a:r>
                 <a:rPr lang="en-US" sz="1600" b="1" dirty="0">
@@ -40524,7 +39978,7 @@
                     <a:lin ang="5400000" scaled="0"/>
                   </a:gradFill>
                 </a:rPr>
-                <a:t>Active Directory</a:t>
+                <a:t>Azure Active Directory</a:t>
               </a:r>
             </a:p>
           </p:txBody>
@@ -40637,7 +40091,7 @@
                   <a:buSzPct val="80000"/>
                 </a:pPr>
                 <a:r>
-                  <a:rPr lang="en-US" sz="2000" dirty="0" smtClean="0">
+                  <a:rPr lang="en-US" sz="2000" dirty="0">
                     <a:solidFill>
                       <a:srgbClr val="505050"/>
                     </a:solidFill>
@@ -40647,14 +40101,6 @@
                   </a:rPr>
                   <a:t>Microsoft Azure</a:t>
                 </a:r>
-                <a:endParaRPr lang="en-US" sz="2000" dirty="0">
-                  <a:solidFill>
-                    <a:srgbClr val="505050"/>
-                  </a:solidFill>
-                  <a:latin typeface="Segoe UI Light"/>
-                  <a:ea typeface="ＭＳ Ｐゴシック" charset="0"/>
-                  <a:cs typeface="Segoe UI Semibold" panose="020B0702040204020203" pitchFamily="34" charset="0"/>
-                </a:endParaRPr>
               </a:p>
             </p:txBody>
           </p:sp>
@@ -40720,23 +40166,7 @@
                     <a:lin ang="5400000" scaled="0"/>
                   </a:gradFill>
                 </a:rPr>
-                <a:t>User attributes are synchronized using </a:t>
-              </a:r>
-              <a:r>
-                <a:rPr lang="en-US" sz="1600" dirty="0" smtClean="0">
-                  <a:gradFill>
-                    <a:gsLst>
-                      <a:gs pos="17431">
-                        <a:srgbClr val="505050"/>
-                      </a:gs>
-                      <a:gs pos="39000">
-                        <a:srgbClr val="505050"/>
-                      </a:gs>
-                    </a:gsLst>
-                    <a:lin ang="5400000" scaled="0"/>
-                  </a:gradFill>
-                </a:rPr>
-                <a:t>Identity Synchronization tools, </a:t>
+                <a:t>User attributes are synchronized using Identity Synchronization tools, </a:t>
               </a:r>
               <a:r>
                 <a:rPr lang="en-US" sz="1600" b="1" dirty="0">
@@ -40771,7 +40201,7 @@
                 <a:t>and completed against</a:t>
               </a:r>
               <a:r>
-                <a:rPr lang="en-US" sz="1600" dirty="0" smtClean="0">
+                <a:rPr lang="en-US" sz="1600" dirty="0">
                   <a:solidFill>
                     <a:srgbClr val="969696">
                       <a:lumMod val="50000"/>
@@ -40779,22 +40209,6 @@
                   </a:solidFill>
                 </a:rPr>
                 <a:t> </a:t>
-              </a:r>
-              <a:r>
-                <a:rPr lang="en-US" sz="1600" b="1" dirty="0" smtClean="0">
-                  <a:gradFill>
-                    <a:gsLst>
-                      <a:gs pos="17431">
-                        <a:srgbClr val="008272"/>
-                      </a:gs>
-                      <a:gs pos="100000">
-                        <a:srgbClr val="008272"/>
-                      </a:gs>
-                    </a:gsLst>
-                    <a:lin ang="5400000" scaled="0"/>
-                  </a:gradFill>
-                </a:rPr>
-                <a:t>Windows </a:t>
               </a:r>
               <a:r>
                 <a:rPr lang="en-US" sz="1600" b="1" dirty="0">
@@ -40810,7 +40224,7 @@
                     <a:lin ang="5400000" scaled="0"/>
                   </a:gradFill>
                 </a:rPr>
-                <a:t>Server Active Directory</a:t>
+                <a:t>Windows Server Active Directory</a:t>
               </a:r>
             </a:p>
           </p:txBody>
@@ -40923,7 +40337,7 @@
                   <a:buSzPct val="80000"/>
                 </a:pPr>
                 <a:r>
-                  <a:rPr lang="en-US" sz="2000" dirty="0" smtClean="0">
+                  <a:rPr lang="en-US" sz="2000" dirty="0">
                     <a:solidFill>
                       <a:srgbClr val="505050"/>
                     </a:solidFill>
@@ -40933,14 +40347,6 @@
                   </a:rPr>
                   <a:t>Microsoft Azure</a:t>
                 </a:r>
-                <a:endParaRPr lang="en-US" sz="2000" dirty="0">
-                  <a:solidFill>
-                    <a:srgbClr val="505050"/>
-                  </a:solidFill>
-                  <a:latin typeface="Segoe UI Light"/>
-                  <a:ea typeface="ＭＳ Ｐゴシック" charset="0"/>
-                  <a:cs typeface="Segoe UI Semibold" panose="020B0702040204020203" pitchFamily="34" charset="0"/>
-                </a:endParaRPr>
               </a:p>
             </p:txBody>
           </p:sp>
@@ -42457,7 +41863,11 @@
 
 <file path=customXml/item1.xml><?xml version="1.0" encoding="utf-8"?>
 <?mso-contentType ?>
-<SharedContentType xmlns="Microsoft.SharePoint.Taxonomy.ContentTypeSync" SourceId="e385fb40-52d4-4fae-9c5b-3e8ff8a5878e" ContentTypeId="0x010100FF1FAB0DEDE9AF4ABA57B67AF4A9F321" PreviousValue="false"/>
+<FormTemplates xmlns="http://schemas.microsoft.com/sharepoint/v3/contenttype/forms">
+  <Display>DocumentLibraryForm</Display>
+  <Edit>DocumentLibraryForm</Edit>
+  <New>DocumentLibraryForm</New>
+</FormTemplates>
 </file>
 
 <file path=customXml/item2.xml><?xml version="1.0" encoding="utf-8"?>
@@ -42518,288 +41928,10 @@
 
 <file path=customXml/item3.xml><?xml version="1.0" encoding="utf-8"?>
 <?mso-contentType ?>
-<FormTemplates xmlns="http://schemas.microsoft.com/sharepoint/v3/contenttype/forms">
-  <Display>DocumentLibraryForm</Display>
-  <Edit>DocumentLibraryForm</Edit>
-  <New>DocumentLibraryForm</New>
-</FormTemplates>
+<SharedContentType xmlns="Microsoft.SharePoint.Taxonomy.ContentTypeSync" SourceId="e385fb40-52d4-4fae-9c5b-3e8ff8a5878e" ContentTypeId="0x010100FF1FAB0DEDE9AF4ABA57B67AF4A9F321" PreviousValue="false"/>
 </file>
 
 <file path=customXml/item4.xml><?xml version="1.0" encoding="utf-8"?>
-<p:properties xmlns:p="http://schemas.microsoft.com/office/2006/metadata/properties" xmlns:xsi="http://www.w3.org/2001/XMLSchema-instance" xmlns:pc="http://schemas.microsoft.com/office/infopath/2007/PartnerControls">
-  <documentManagement>
-    <DocumentDescription xmlns="4e240d41-6d38-4eac-9584-b3f543b50010">Use this deck as the main EBC and Azure Overview deck.  Customize the deck as needed (additional slides in the appendix).  This deck should be delivered with the supporting demo’s and is scoped at the decision makers within IT.</DocumentDescription>
-    <h1e7aaa5788c480c922636922fec8914 xmlns="4e240d41-6d38-4eac-9584-b3f543b50010">
-      <Terms xmlns="http://schemas.microsoft.com/office/infopath/2007/PartnerControls"/>
-    </h1e7aaa5788c480c922636922fec8914>
-    <AudiencesTaxHTField0 xmlns="4e240d41-6d38-4eac-9584-b3f543b50010">
-      <Terms xmlns="http://schemas.microsoft.com/office/infopath/2007/PartnerControls">
-        <TermInfo xmlns="http://schemas.microsoft.com/office/infopath/2007/PartnerControls">
-          <TermName xmlns="http://schemas.microsoft.com/office/infopath/2007/PartnerControls">business decision makers</TermName>
-          <TermId xmlns="http://schemas.microsoft.com/office/infopath/2007/PartnerControls">c5581652-6887-44c0-9e7e-d38ca54728bd</TermId>
-        </TermInfo>
-        <TermInfo xmlns="http://schemas.microsoft.com/office/infopath/2007/PartnerControls">
-          <TermName xmlns="http://schemas.microsoft.com/office/infopath/2007/PartnerControls">IT decision makers</TermName>
-          <TermId xmlns="http://schemas.microsoft.com/office/infopath/2007/PartnerControls">9b4e6e74-580c-4c34-b4d3-48674047e67e</TermId>
-        </TermInfo>
-      </Terms>
-    </AudiencesTaxHTField0>
-    <SegmentsTaxHTField0 xmlns="4e240d41-6d38-4eac-9584-b3f543b50010">
-      <Terms xmlns="http://schemas.microsoft.com/office/infopath/2007/PartnerControls"/>
-    </SegmentsTaxHTField0>
-    <Expire_x0020_Review xmlns="4e240d41-6d38-4eac-9584-b3f543b50010">2016-08-23T07:00:00+00:00</Expire_x0020_Review>
-    <TopicsTaxHTField0 xmlns="4e240d41-6d38-4eac-9584-b3f543b50010">
-      <Terms xmlns="http://schemas.microsoft.com/office/infopath/2007/PartnerControls">
-        <TermInfo xmlns="http://schemas.microsoft.com/office/infopath/2007/PartnerControls">
-          <TermName xmlns="http://schemas.microsoft.com/office/infopath/2007/PartnerControls">readiness</TermName>
-          <TermId xmlns="http://schemas.microsoft.com/office/infopath/2007/PartnerControls">0bad9107-5243-4424-8599-de9537dda9af</TermId>
-        </TermInfo>
-        <TermInfo xmlns="http://schemas.microsoft.com/office/infopath/2007/PartnerControls">
-          <TermName xmlns="http://schemas.microsoft.com/office/infopath/2007/PartnerControls">hub subset</TermName>
-          <TermId xmlns="http://schemas.microsoft.com/office/infopath/2007/PartnerControls">c6bfd112-b986-4a0a-aa8d-90e767bfdfa6</TermId>
-        </TermInfo>
-        <TermInfo xmlns="http://schemas.microsoft.com/office/infopath/2007/PartnerControls">
-          <TermName xmlns="http://schemas.microsoft.com/office/infopath/2007/PartnerControls">inside sales</TermName>
-          <TermId xmlns="http://schemas.microsoft.com/office/infopath/2007/PartnerControls">7c476b68-6f84-4a80-9930-2286afc962a8</TermId>
-        </TermInfo>
-      </Terms>
-    </TopicsTaxHTField0>
-    <_dlc_DocId xmlns="230e9df3-be65-4c73-a93b-d1236ebd677e">KC00-15-210934</_dlc_DocId>
-    <Thumbnail1 xmlns="4e240d41-6d38-4eac-9584-b3f543b50010">
-      <Url>http://infopedia/kc02/media/Thumbnails/Microsoft%20Azure%20Domain/KC00-15-107844/azure.PNG</Url>
-      <Description>/kc02/media/Thumbnails/Microsoft Azure Domain/KC00-15-107844/azure.PNG</Description>
-    </Thumbnail1>
-    <AverageRating xmlns="http://schemas.microsoft.com/sharepoint/v3" xsi:nil="true"/>
-    <TaxKeywordTaxHTField xmlns="230e9df3-be65-4c73-a93b-d1236ebd677e">
-      <Terms xmlns="http://schemas.microsoft.com/office/infopath/2007/PartnerControls"/>
-    </TaxKeywordTaxHTField>
-    <TagTemplate xmlns="4e240d41-6d38-4eac-9584-b3f543b50010" xsi:nil="true"/>
-    <PublishDate xmlns="4e240d41-6d38-4eac-9584-b3f543b50010" xsi:nil="true"/>
-    <DocumentSetKcId xmlns="7b813d5f-7206-4d46-95a5-a58185f478af">107844</DocumentSetKcId>
-    <RoutingRuleDescription xmlns="http://schemas.microsoft.com/sharepoint/v3" xsi:nil="true"/>
-    <CompetitorsTaxHTField0 xmlns="4e240d41-6d38-4eac-9584-b3f543b50010">
-      <Terms xmlns="http://schemas.microsoft.com/office/infopath/2007/PartnerControls"/>
-    </CompetitorsTaxHTField0>
-    <IconOverlay xmlns="http://schemas.microsoft.com/sharepoint/v4" xsi:nil="true"/>
-    <Owner xmlns="4e240d41-6d38-4eac-9584-b3f543b50010">
-      <UserInfo>
-        <DisplayName>Tony Meleg</DisplayName>
-        <AccountId>26501</AccountId>
-        <AccountType/>
-      </UserInfo>
-    </Owner>
-    <PublishingExpirationDate xmlns="http://schemas.microsoft.com/sharepoint/v3" xsi:nil="true"/>
-    <EnterpriseDomainTagsTaxHTField0 xmlns="4e240d41-6d38-4eac-9584-b3f543b50010">
-      <Terms xmlns="http://schemas.microsoft.com/office/infopath/2007/PartnerControls">
-        <TermInfo xmlns="http://schemas.microsoft.com/office/infopath/2007/PartnerControls">
-          <TermName xmlns="http://schemas.microsoft.com/office/infopath/2007/PartnerControls">SMSG Readiness</TermName>
-          <TermId xmlns="http://schemas.microsoft.com/office/infopath/2007/PartnerControls">c6595b84-b463-470a-bb46-2a47364645be</TermId>
-        </TermInfo>
-        <TermInfo xmlns="http://schemas.microsoft.com/office/infopath/2007/PartnerControls">
-          <TermName xmlns="http://schemas.microsoft.com/office/infopath/2007/PartnerControls">Cloud and Enterprise Marketing Group</TermName>
-          <TermId xmlns="http://schemas.microsoft.com/office/infopath/2007/PartnerControls">4f75e184-e5aa-4234-a07f-b032d60df254</TermId>
-        </TermInfo>
-      </Terms>
-    </EnterpriseDomainTagsTaxHTField0>
-    <IndustriesTaxHTField0 xmlns="4e240d41-6d38-4eac-9584-b3f543b50010">
-      <Terms xmlns="http://schemas.microsoft.com/office/infopath/2007/PartnerControls"/>
-    </IndustriesTaxHTField0>
-    <ConfidentialityTaxHTField0 xmlns="4e240d41-6d38-4eac-9584-b3f543b50010">
-      <Terms xmlns="http://schemas.microsoft.com/office/infopath/2007/PartnerControls">
-        <TermInfo xmlns="http://schemas.microsoft.com/office/infopath/2007/PartnerControls">
-          <TermName xmlns="http://schemas.microsoft.com/office/infopath/2007/PartnerControls">Microsoft confidential</TermName>
-          <TermId xmlns="http://schemas.microsoft.com/office/infopath/2007/PartnerControls">461efa83-0283-486a-a8d5-943328f3693f</TermId>
-        </TermInfo>
-      </Terms>
-    </ConfidentialityTaxHTField0>
-    <SMSGDomainTaxHTField0 xmlns="4e240d41-6d38-4eac-9584-b3f543b50010">
-      <Terms xmlns="http://schemas.microsoft.com/office/infopath/2007/PartnerControls">
-        <TermInfo xmlns="http://schemas.microsoft.com/office/infopath/2007/PartnerControls">
-          <TermName xmlns="http://schemas.microsoft.com/office/infopath/2007/PartnerControls">Microsoft Azure Domain</TermName>
-          <TermId xmlns="http://schemas.microsoft.com/office/infopath/2007/PartnerControls">d600a391-d529-4311-892b-2c05c1ab2538</TermId>
-        </TermInfo>
-        <TermInfo xmlns="http://schemas.microsoft.com/office/infopath/2007/PartnerControls">
-          <TermName xmlns="http://schemas.microsoft.com/office/infopath/2007/PartnerControls">Cloud and Enterprise</TermName>
-          <TermId xmlns="http://schemas.microsoft.com/office/infopath/2007/PartnerControls">adc2fe87-c79a-4ded-a449-3f86b954069d</TermId>
-        </TermInfo>
-        <TermInfo xmlns="http://schemas.microsoft.com/office/infopath/2007/PartnerControls">
-          <TermName xmlns="http://schemas.microsoft.com/office/infopath/2007/PartnerControls">Server and Tools Business</TermName>
-          <TermId xmlns="http://schemas.microsoft.com/office/infopath/2007/PartnerControls">6783548d-8609-4f97-be4a-4ca2616905a6</TermId>
-        </TermInfo>
-        <TermInfo xmlns="http://schemas.microsoft.com/office/infopath/2007/PartnerControls">
-          <TermName xmlns="http://schemas.microsoft.com/office/infopath/2007/PartnerControls">Sales, Marketing, Services Group</TermName>
-          <TermId xmlns="http://schemas.microsoft.com/office/infopath/2007/PartnerControls">ecda8836-afa0-40aa-878e-630e18c8fc5c</TermId>
-        </TermInfo>
-        <TermInfo xmlns="http://schemas.microsoft.com/office/infopath/2007/PartnerControls">
-          <TermName xmlns="http://schemas.microsoft.com/office/infopath/2007/PartnerControls">Telesales Domain</TermName>
-          <TermId xmlns="http://schemas.microsoft.com/office/infopath/2007/PartnerControls">04a5111f-c67b-4a6e-bf36-05714763ab37</TermId>
-        </TermInfo>
-        <TermInfo xmlns="http://schemas.microsoft.com/office/infopath/2007/PartnerControls">
-          <TermName xmlns="http://schemas.microsoft.com/office/infopath/2007/PartnerControls">China Market Domain</TermName>
-          <TermId xmlns="http://schemas.microsoft.com/office/infopath/2007/PartnerControls">01326006-a657-42bf-b23e-048a7db28273</TermId>
-        </TermInfo>
-      </Terms>
-    </SMSGDomainTaxHTField0>
-    <ItemTypeTaxHTField0 xmlns="4e240d41-6d38-4eac-9584-b3f543b50010">
-      <Terms xmlns="http://schemas.microsoft.com/office/infopath/2007/PartnerControls">
-        <TermInfo xmlns="http://schemas.microsoft.com/office/infopath/2007/PartnerControls">
-          <TermName xmlns="http://schemas.microsoft.com/office/infopath/2007/PartnerControls">customer presentations</TermName>
-          <TermId xmlns="http://schemas.microsoft.com/office/infopath/2007/PartnerControls">18e9ae94-e321-4eea-82d2-ad5b2f470f3c</TermId>
-        </TermInfo>
-      </Terms>
-    </ItemTypeTaxHTField0>
-    <_dlc_DocIdUrl xmlns="230e9df3-be65-4c73-a93b-d1236ebd677e">
-      <Url>http://infopedia/docstore/_layouts/DocIdRedir.aspx?ID=KC00-15-210934</Url>
-      <Description>KC00-15-210934</Description>
-    </_dlc_DocIdUrl>
-    <ProductsTaxHTField0 xmlns="4e240d41-6d38-4eac-9584-b3f543b50010">
-      <Terms xmlns="http://schemas.microsoft.com/office/infopath/2007/PartnerControls">
-        <TermInfo xmlns="http://schemas.microsoft.com/office/infopath/2007/PartnerControls">
-          <TermName xmlns="http://schemas.microsoft.com/office/infopath/2007/PartnerControls">Microsoft Azure platform</TermName>
-          <TermId xmlns="http://schemas.microsoft.com/office/infopath/2007/PartnerControls">df6aaec2-d07c-4319-b510-15a691aea35b</TermId>
-        </TermInfo>
-        <TermInfo xmlns="http://schemas.microsoft.com/office/infopath/2007/PartnerControls">
-          <TermName xmlns="http://schemas.microsoft.com/office/infopath/2007/PartnerControls">Microsoft Azure</TermName>
-          <TermId xmlns="http://schemas.microsoft.com/office/infopath/2007/PartnerControls">669a3112-5edf-444b-a003-630063601f07</TermId>
-        </TermInfo>
-      </Terms>
-    </ProductsTaxHTField0>
-    <RolesTaxHTField0 xmlns="4e240d41-6d38-4eac-9584-b3f543b50010">
-      <Terms xmlns="http://schemas.microsoft.com/office/infopath/2007/PartnerControls">
-        <TermInfo xmlns="http://schemas.microsoft.com/office/infopath/2007/PartnerControls">
-          <TermName xmlns="http://schemas.microsoft.com/office/infopath/2007/PartnerControls">Telesales Solution Specialist</TermName>
-          <TermId xmlns="http://schemas.microsoft.com/office/infopath/2007/PartnerControls">a293ec10-2fac-46ec-98ae-6149da09be06</TermId>
-        </TermInfo>
-        <TermInfo xmlns="http://schemas.microsoft.com/office/infopath/2007/PartnerControls">
-          <TermName xmlns="http://schemas.microsoft.com/office/infopath/2007/PartnerControls">Solution Sales</TermName>
-          <TermId xmlns="http://schemas.microsoft.com/office/infopath/2007/PartnerControls">170353c6-5135-48bf-b60a-c3b55ac67d1c</TermId>
-        </TermInfo>
-      </Terms>
-    </RolesTaxHTField0>
-    <PublishingPageContent xmlns="http://schemas.microsoft.com/sharepoint/v3" xsi:nil="true"/>
-    <fe32998799ba48dcafc127a14edc00fb xmlns="4e240d41-6d38-4eac-9584-b3f543b50010">
-      <Terms xmlns="http://schemas.microsoft.com/office/infopath/2007/PartnerControls"/>
-    </fe32998799ba48dcafc127a14edc00fb>
-    <RegionTaxHTField0 xmlns="4e240d41-6d38-4eac-9584-b3f543b50010">
-      <Terms xmlns="http://schemas.microsoft.com/office/infopath/2007/PartnerControls">
-        <TermInfo xmlns="http://schemas.microsoft.com/office/infopath/2007/PartnerControls">
-          <TermName xmlns="http://schemas.microsoft.com/office/infopath/2007/PartnerControls">China</TermName>
-          <TermId xmlns="http://schemas.microsoft.com/office/infopath/2007/PartnerControls">0f275d9d-9fcb-4bdb-9fdc-f425e5d35066</TermId>
-        </TermInfo>
-      </Terms>
-    </RegionTaxHTField0>
-    <GroupsTaxHTField0 xmlns="4e240d41-6d38-4eac-9584-b3f543b50010">
-      <Terms xmlns="http://schemas.microsoft.com/office/infopath/2007/PartnerControls">
-        <TermInfo xmlns="http://schemas.microsoft.com/office/infopath/2007/PartnerControls">
-          <TermName xmlns="http://schemas.microsoft.com/office/infopath/2007/PartnerControls">Microsoft Azure Marketing</TermName>
-          <TermId xmlns="http://schemas.microsoft.com/office/infopath/2007/PartnerControls">0958c357-5252-473f-8b4e-42f27525a99d</TermId>
-        </TermInfo>
-        <TermInfo xmlns="http://schemas.microsoft.com/office/infopath/2007/PartnerControls">
-          <TermName xmlns="http://schemas.microsoft.com/office/infopath/2007/PartnerControls">SMSG Readiness</TermName>
-          <TermId xmlns="http://schemas.microsoft.com/office/infopath/2007/PartnerControls">c6595b84-b463-470a-bb46-2a47364645be</TermId>
-        </TermInfo>
-        <TermInfo xmlns="http://schemas.microsoft.com/office/infopath/2007/PartnerControls">
-          <TermName xmlns="http://schemas.microsoft.com/office/infopath/2007/PartnerControls">Cloud and Enterprise Marketing Group</TermName>
-          <TermId xmlns="http://schemas.microsoft.com/office/infopath/2007/PartnerControls">4f75e184-e5aa-4234-a07f-b032d60df254</TermId>
-        </TermInfo>
-      </Terms>
-    </GroupsTaxHTField0>
-    <CoOwner xmlns="4e240d41-6d38-4eac-9584-b3f543b50010">
-      <UserInfo>
-        <DisplayName>i:0#.w|redmond\v-brisch</DisplayName>
-        <AccountId>39</AccountId>
-        <AccountType/>
-      </UserInfo>
-      <UserInfo>
-        <DisplayName>i:0#.w|redmond\meeryan</DisplayName>
-        <AccountId>44027</AccountId>
-        <AccountType/>
-      </UserInfo>
-      <UserInfo>
-        <DisplayName>i:0#.w|fareast\v-hesehg</DisplayName>
-        <AccountId>143284</AccountId>
-        <AccountType/>
-      </UserInfo>
-      <UserInfo>
-        <DisplayName>i:0#.w|redmond\chrisper</DisplayName>
-        <AccountId>38059</AccountId>
-        <AccountType/>
-      </UserInfo>
-      <UserInfo>
-        <DisplayName>i:0#.w|redmond\anushar</DisplayName>
-        <AccountId>22194</AccountId>
-        <AccountType/>
-      </UserInfo>
-      <UserInfo>
-        <DisplayName>i:0#.w|redmond\v-anmarv</DisplayName>
-        <AccountId>211331</AccountId>
-        <AccountType/>
-      </UserInfo>
-    </CoOwner>
-    <LanguagesTaxHTField0 xmlns="4e240d41-6d38-4eac-9584-b3f543b50010">
-      <Terms xmlns="http://schemas.microsoft.com/office/infopath/2007/PartnerControls">
-        <TermInfo xmlns="http://schemas.microsoft.com/office/infopath/2007/PartnerControls">
-          <TermName xmlns="http://schemas.microsoft.com/office/infopath/2007/PartnerControls">English</TermName>
-          <TermId xmlns="http://schemas.microsoft.com/office/infopath/2007/PartnerControls">cb91f272-ce4d-4a7e-9bbf-78b58e3d188d</TermId>
-        </TermInfo>
-      </Terms>
-    </LanguagesTaxHTField0>
-    <BusinessArchitectureTaxHTField0 xmlns="4e240d41-6d38-4eac-9584-b3f543b50010">
-      <Terms xmlns="http://schemas.microsoft.com/office/infopath/2007/PartnerControls">
-        <TermInfo xmlns="http://schemas.microsoft.com/office/infopath/2007/PartnerControls">
-          <TermName xmlns="http://schemas.microsoft.com/office/infopath/2007/PartnerControls">Cloud Platform (sales theme)</TermName>
-          <TermId xmlns="http://schemas.microsoft.com/office/infopath/2007/PartnerControls">ec248454-62d9-485e-995d-0cfad61f7f4c</TermId>
-        </TermInfo>
-      </Terms>
-    </BusinessArchitectureTaxHTField0>
-    <PartnersTaxHTField0 xmlns="4e240d41-6d38-4eac-9584-b3f543b50010">
-      <Terms xmlns="http://schemas.microsoft.com/office/infopath/2007/PartnerControls"/>
-    </PartnersTaxHTField0>
-    <ActivitiesAndProgramsTaxHTField0 xmlns="4e240d41-6d38-4eac-9584-b3f543b50010">
-      <Terms xmlns="http://schemas.microsoft.com/office/infopath/2007/PartnerControls">
-        <TermInfo xmlns="http://schemas.microsoft.com/office/infopath/2007/PartnerControls">
-          <TermName xmlns="http://schemas.microsoft.com/office/infopath/2007/PartnerControls">Executive Briefing Center</TermName>
-          <TermId xmlns="http://schemas.microsoft.com/office/infopath/2007/PartnerControls">f6f45d27-6c93-466a-8cd5-2846af886eb9</TermId>
-        </TermInfo>
-        <TermInfo xmlns="http://schemas.microsoft.com/office/infopath/2007/PartnerControls">
-          <TermName xmlns="http://schemas.microsoft.com/office/infopath/2007/PartnerControls">Worldwide Inside Sales Readiness</TermName>
-          <TermId xmlns="http://schemas.microsoft.com/office/infopath/2007/PartnerControls">3a4e01ea-907e-4f11-9b1b-2424e207e8d1</TermId>
-        </TermInfo>
-      </Terms>
-    </ActivitiesAndProgramsTaxHTField0>
-    <ApplyWorkflowRules xmlns="4e240d41-6d38-4eac-9584-b3f543b50010">Yes</ApplyWorkflowRules>
-    <TaxCatchAll xmlns="230e9df3-be65-4c73-a93b-d1236ebd677e">
-      <Value>20682</Value>
-      <Value>18422</Value>
-      <Value>13833</Value>
-      <Value>10205</Value>
-      <Value>10056</Value>
-      <Value>13755</Value>
-      <Value>20050</Value>
-      <Value>10052</Value>
-      <Value>18906</Value>
-      <Value>20557</Value>
-      <Value>21</Value>
-      <Value>14856</Value>
-      <Value>12938</Value>
-      <Value>18442</Value>
-      <Value>19685</Value>
-      <Value>10077</Value>
-      <Value>20954</Value>
-      <Value>17845</Value>
-      <Value>20730</Value>
-      <Value>19399</Value>
-      <Value>10849</Value>
-      <Value>10921</Value>
-      <Value>15579</Value>
-      <Value>17058</Value>
-      <Value>13172</Value>
-    </TaxCatchAll>
-  </documentManagement>
-</p:properties>
-</file>
-
-<file path=customXml/item5.xml><?xml version="1.0" encoding="utf-8"?>
 <ct:contentTypeSchema xmlns:ct="http://schemas.microsoft.com/office/2006/metadata/contentType" xmlns:ma="http://schemas.microsoft.com/office/2006/metadata/properties/metaAttributes" ct:_="" ma:_="" ma:contentTypeName="KCDoc" ma:contentTypeID="0x010100FF1FAB0DEDE9AF4ABA57B67AF4A9F3210200596A0E07C3E77448942F9A5D1E81E582" ma:contentTypeVersion="77" ma:contentTypeDescription="" ma:contentTypeScope="" ma:versionID="97f91f319da502963c66db7bd9bafa24">
   <xsd:schema xmlns:xsd="http://www.w3.org/2001/XMLSchema" xmlns:xs="http://www.w3.org/2001/XMLSchema" xmlns:p="http://schemas.microsoft.com/office/2006/metadata/properties" xmlns:ns1="http://schemas.microsoft.com/sharepoint/v3" xmlns:ns2="4e240d41-6d38-4eac-9584-b3f543b50010" xmlns:ns3="230e9df3-be65-4c73-a93b-d1236ebd677e" xmlns:ns4="7b813d5f-7206-4d46-95a5-a58185f478af" xmlns:ns5="http://schemas.microsoft.com/sharepoint/v4" targetNamespace="http://schemas.microsoft.com/office/2006/metadata/properties" ma:root="true" ma:fieldsID="36d8d8ec0295720aab47118a50085ece" ns1:_="" ns2:_="" ns3:_="" ns4:_="" ns5:_="">
     <xsd:import namespace="http://schemas.microsoft.com/sharepoint/v3"/>
@@ -43294,10 +42426,284 @@
 </ct:contentTypeSchema>
 </file>
 
+<file path=customXml/item5.xml><?xml version="1.0" encoding="utf-8"?>
+<p:properties xmlns:p="http://schemas.microsoft.com/office/2006/metadata/properties" xmlns:xsi="http://www.w3.org/2001/XMLSchema-instance" xmlns:pc="http://schemas.microsoft.com/office/infopath/2007/PartnerControls">
+  <documentManagement>
+    <DocumentDescription xmlns="4e240d41-6d38-4eac-9584-b3f543b50010">Use this deck as the main EBC and Azure Overview deck.  Customize the deck as needed (additional slides in the appendix).  This deck should be delivered with the supporting demo’s and is scoped at the decision makers within IT.</DocumentDescription>
+    <h1e7aaa5788c480c922636922fec8914 xmlns="4e240d41-6d38-4eac-9584-b3f543b50010">
+      <Terms xmlns="http://schemas.microsoft.com/office/infopath/2007/PartnerControls"/>
+    </h1e7aaa5788c480c922636922fec8914>
+    <AudiencesTaxHTField0 xmlns="4e240d41-6d38-4eac-9584-b3f543b50010">
+      <Terms xmlns="http://schemas.microsoft.com/office/infopath/2007/PartnerControls">
+        <TermInfo xmlns="http://schemas.microsoft.com/office/infopath/2007/PartnerControls">
+          <TermName xmlns="http://schemas.microsoft.com/office/infopath/2007/PartnerControls">business decision makers</TermName>
+          <TermId xmlns="http://schemas.microsoft.com/office/infopath/2007/PartnerControls">c5581652-6887-44c0-9e7e-d38ca54728bd</TermId>
+        </TermInfo>
+        <TermInfo xmlns="http://schemas.microsoft.com/office/infopath/2007/PartnerControls">
+          <TermName xmlns="http://schemas.microsoft.com/office/infopath/2007/PartnerControls">IT decision makers</TermName>
+          <TermId xmlns="http://schemas.microsoft.com/office/infopath/2007/PartnerControls">9b4e6e74-580c-4c34-b4d3-48674047e67e</TermId>
+        </TermInfo>
+      </Terms>
+    </AudiencesTaxHTField0>
+    <SegmentsTaxHTField0 xmlns="4e240d41-6d38-4eac-9584-b3f543b50010">
+      <Terms xmlns="http://schemas.microsoft.com/office/infopath/2007/PartnerControls"/>
+    </SegmentsTaxHTField0>
+    <Expire_x0020_Review xmlns="4e240d41-6d38-4eac-9584-b3f543b50010">2016-08-23T07:00:00+00:00</Expire_x0020_Review>
+    <TopicsTaxHTField0 xmlns="4e240d41-6d38-4eac-9584-b3f543b50010">
+      <Terms xmlns="http://schemas.microsoft.com/office/infopath/2007/PartnerControls">
+        <TermInfo xmlns="http://schemas.microsoft.com/office/infopath/2007/PartnerControls">
+          <TermName xmlns="http://schemas.microsoft.com/office/infopath/2007/PartnerControls">readiness</TermName>
+          <TermId xmlns="http://schemas.microsoft.com/office/infopath/2007/PartnerControls">0bad9107-5243-4424-8599-de9537dda9af</TermId>
+        </TermInfo>
+        <TermInfo xmlns="http://schemas.microsoft.com/office/infopath/2007/PartnerControls">
+          <TermName xmlns="http://schemas.microsoft.com/office/infopath/2007/PartnerControls">hub subset</TermName>
+          <TermId xmlns="http://schemas.microsoft.com/office/infopath/2007/PartnerControls">c6bfd112-b986-4a0a-aa8d-90e767bfdfa6</TermId>
+        </TermInfo>
+        <TermInfo xmlns="http://schemas.microsoft.com/office/infopath/2007/PartnerControls">
+          <TermName xmlns="http://schemas.microsoft.com/office/infopath/2007/PartnerControls">inside sales</TermName>
+          <TermId xmlns="http://schemas.microsoft.com/office/infopath/2007/PartnerControls">7c476b68-6f84-4a80-9930-2286afc962a8</TermId>
+        </TermInfo>
+      </Terms>
+    </TopicsTaxHTField0>
+    <_dlc_DocId xmlns="230e9df3-be65-4c73-a93b-d1236ebd677e">KC00-15-210934</_dlc_DocId>
+    <Thumbnail1 xmlns="4e240d41-6d38-4eac-9584-b3f543b50010">
+      <Url>http://infopedia/kc02/media/Thumbnails/Microsoft%20Azure%20Domain/KC00-15-107844/azure.PNG</Url>
+      <Description>/kc02/media/Thumbnails/Microsoft Azure Domain/KC00-15-107844/azure.PNG</Description>
+    </Thumbnail1>
+    <AverageRating xmlns="http://schemas.microsoft.com/sharepoint/v3" xsi:nil="true"/>
+    <TaxKeywordTaxHTField xmlns="230e9df3-be65-4c73-a93b-d1236ebd677e">
+      <Terms xmlns="http://schemas.microsoft.com/office/infopath/2007/PartnerControls"/>
+    </TaxKeywordTaxHTField>
+    <TagTemplate xmlns="4e240d41-6d38-4eac-9584-b3f543b50010" xsi:nil="true"/>
+    <PublishDate xmlns="4e240d41-6d38-4eac-9584-b3f543b50010" xsi:nil="true"/>
+    <DocumentSetKcId xmlns="7b813d5f-7206-4d46-95a5-a58185f478af">107844</DocumentSetKcId>
+    <RoutingRuleDescription xmlns="http://schemas.microsoft.com/sharepoint/v3" xsi:nil="true"/>
+    <CompetitorsTaxHTField0 xmlns="4e240d41-6d38-4eac-9584-b3f543b50010">
+      <Terms xmlns="http://schemas.microsoft.com/office/infopath/2007/PartnerControls"/>
+    </CompetitorsTaxHTField0>
+    <IconOverlay xmlns="http://schemas.microsoft.com/sharepoint/v4" xsi:nil="true"/>
+    <Owner xmlns="4e240d41-6d38-4eac-9584-b3f543b50010">
+      <UserInfo>
+        <DisplayName>Tony Meleg</DisplayName>
+        <AccountId>26501</AccountId>
+        <AccountType/>
+      </UserInfo>
+    </Owner>
+    <PublishingExpirationDate xmlns="http://schemas.microsoft.com/sharepoint/v3" xsi:nil="true"/>
+    <EnterpriseDomainTagsTaxHTField0 xmlns="4e240d41-6d38-4eac-9584-b3f543b50010">
+      <Terms xmlns="http://schemas.microsoft.com/office/infopath/2007/PartnerControls">
+        <TermInfo xmlns="http://schemas.microsoft.com/office/infopath/2007/PartnerControls">
+          <TermName xmlns="http://schemas.microsoft.com/office/infopath/2007/PartnerControls">SMSG Readiness</TermName>
+          <TermId xmlns="http://schemas.microsoft.com/office/infopath/2007/PartnerControls">c6595b84-b463-470a-bb46-2a47364645be</TermId>
+        </TermInfo>
+        <TermInfo xmlns="http://schemas.microsoft.com/office/infopath/2007/PartnerControls">
+          <TermName xmlns="http://schemas.microsoft.com/office/infopath/2007/PartnerControls">Cloud and Enterprise Marketing Group</TermName>
+          <TermId xmlns="http://schemas.microsoft.com/office/infopath/2007/PartnerControls">4f75e184-e5aa-4234-a07f-b032d60df254</TermId>
+        </TermInfo>
+      </Terms>
+    </EnterpriseDomainTagsTaxHTField0>
+    <IndustriesTaxHTField0 xmlns="4e240d41-6d38-4eac-9584-b3f543b50010">
+      <Terms xmlns="http://schemas.microsoft.com/office/infopath/2007/PartnerControls"/>
+    </IndustriesTaxHTField0>
+    <ConfidentialityTaxHTField0 xmlns="4e240d41-6d38-4eac-9584-b3f543b50010">
+      <Terms xmlns="http://schemas.microsoft.com/office/infopath/2007/PartnerControls">
+        <TermInfo xmlns="http://schemas.microsoft.com/office/infopath/2007/PartnerControls">
+          <TermName xmlns="http://schemas.microsoft.com/office/infopath/2007/PartnerControls">Microsoft confidential</TermName>
+          <TermId xmlns="http://schemas.microsoft.com/office/infopath/2007/PartnerControls">461efa83-0283-486a-a8d5-943328f3693f</TermId>
+        </TermInfo>
+      </Terms>
+    </ConfidentialityTaxHTField0>
+    <SMSGDomainTaxHTField0 xmlns="4e240d41-6d38-4eac-9584-b3f543b50010">
+      <Terms xmlns="http://schemas.microsoft.com/office/infopath/2007/PartnerControls">
+        <TermInfo xmlns="http://schemas.microsoft.com/office/infopath/2007/PartnerControls">
+          <TermName xmlns="http://schemas.microsoft.com/office/infopath/2007/PartnerControls">Microsoft Azure Domain</TermName>
+          <TermId xmlns="http://schemas.microsoft.com/office/infopath/2007/PartnerControls">d600a391-d529-4311-892b-2c05c1ab2538</TermId>
+        </TermInfo>
+        <TermInfo xmlns="http://schemas.microsoft.com/office/infopath/2007/PartnerControls">
+          <TermName xmlns="http://schemas.microsoft.com/office/infopath/2007/PartnerControls">Cloud and Enterprise</TermName>
+          <TermId xmlns="http://schemas.microsoft.com/office/infopath/2007/PartnerControls">adc2fe87-c79a-4ded-a449-3f86b954069d</TermId>
+        </TermInfo>
+        <TermInfo xmlns="http://schemas.microsoft.com/office/infopath/2007/PartnerControls">
+          <TermName xmlns="http://schemas.microsoft.com/office/infopath/2007/PartnerControls">Server and Tools Business</TermName>
+          <TermId xmlns="http://schemas.microsoft.com/office/infopath/2007/PartnerControls">6783548d-8609-4f97-be4a-4ca2616905a6</TermId>
+        </TermInfo>
+        <TermInfo xmlns="http://schemas.microsoft.com/office/infopath/2007/PartnerControls">
+          <TermName xmlns="http://schemas.microsoft.com/office/infopath/2007/PartnerControls">Sales, Marketing, Services Group</TermName>
+          <TermId xmlns="http://schemas.microsoft.com/office/infopath/2007/PartnerControls">ecda8836-afa0-40aa-878e-630e18c8fc5c</TermId>
+        </TermInfo>
+        <TermInfo xmlns="http://schemas.microsoft.com/office/infopath/2007/PartnerControls">
+          <TermName xmlns="http://schemas.microsoft.com/office/infopath/2007/PartnerControls">Telesales Domain</TermName>
+          <TermId xmlns="http://schemas.microsoft.com/office/infopath/2007/PartnerControls">04a5111f-c67b-4a6e-bf36-05714763ab37</TermId>
+        </TermInfo>
+        <TermInfo xmlns="http://schemas.microsoft.com/office/infopath/2007/PartnerControls">
+          <TermName xmlns="http://schemas.microsoft.com/office/infopath/2007/PartnerControls">China Market Domain</TermName>
+          <TermId xmlns="http://schemas.microsoft.com/office/infopath/2007/PartnerControls">01326006-a657-42bf-b23e-048a7db28273</TermId>
+        </TermInfo>
+      </Terms>
+    </SMSGDomainTaxHTField0>
+    <ItemTypeTaxHTField0 xmlns="4e240d41-6d38-4eac-9584-b3f543b50010">
+      <Terms xmlns="http://schemas.microsoft.com/office/infopath/2007/PartnerControls">
+        <TermInfo xmlns="http://schemas.microsoft.com/office/infopath/2007/PartnerControls">
+          <TermName xmlns="http://schemas.microsoft.com/office/infopath/2007/PartnerControls">customer presentations</TermName>
+          <TermId xmlns="http://schemas.microsoft.com/office/infopath/2007/PartnerControls">18e9ae94-e321-4eea-82d2-ad5b2f470f3c</TermId>
+        </TermInfo>
+      </Terms>
+    </ItemTypeTaxHTField0>
+    <_dlc_DocIdUrl xmlns="230e9df3-be65-4c73-a93b-d1236ebd677e">
+      <Url>http://infopedia/docstore/_layouts/DocIdRedir.aspx?ID=KC00-15-210934</Url>
+      <Description>KC00-15-210934</Description>
+    </_dlc_DocIdUrl>
+    <ProductsTaxHTField0 xmlns="4e240d41-6d38-4eac-9584-b3f543b50010">
+      <Terms xmlns="http://schemas.microsoft.com/office/infopath/2007/PartnerControls">
+        <TermInfo xmlns="http://schemas.microsoft.com/office/infopath/2007/PartnerControls">
+          <TermName xmlns="http://schemas.microsoft.com/office/infopath/2007/PartnerControls">Microsoft Azure platform</TermName>
+          <TermId xmlns="http://schemas.microsoft.com/office/infopath/2007/PartnerControls">df6aaec2-d07c-4319-b510-15a691aea35b</TermId>
+        </TermInfo>
+        <TermInfo xmlns="http://schemas.microsoft.com/office/infopath/2007/PartnerControls">
+          <TermName xmlns="http://schemas.microsoft.com/office/infopath/2007/PartnerControls">Microsoft Azure</TermName>
+          <TermId xmlns="http://schemas.microsoft.com/office/infopath/2007/PartnerControls">669a3112-5edf-444b-a003-630063601f07</TermId>
+        </TermInfo>
+      </Terms>
+    </ProductsTaxHTField0>
+    <RolesTaxHTField0 xmlns="4e240d41-6d38-4eac-9584-b3f543b50010">
+      <Terms xmlns="http://schemas.microsoft.com/office/infopath/2007/PartnerControls">
+        <TermInfo xmlns="http://schemas.microsoft.com/office/infopath/2007/PartnerControls">
+          <TermName xmlns="http://schemas.microsoft.com/office/infopath/2007/PartnerControls">Telesales Solution Specialist</TermName>
+          <TermId xmlns="http://schemas.microsoft.com/office/infopath/2007/PartnerControls">a293ec10-2fac-46ec-98ae-6149da09be06</TermId>
+        </TermInfo>
+        <TermInfo xmlns="http://schemas.microsoft.com/office/infopath/2007/PartnerControls">
+          <TermName xmlns="http://schemas.microsoft.com/office/infopath/2007/PartnerControls">Solution Sales</TermName>
+          <TermId xmlns="http://schemas.microsoft.com/office/infopath/2007/PartnerControls">170353c6-5135-48bf-b60a-c3b55ac67d1c</TermId>
+        </TermInfo>
+      </Terms>
+    </RolesTaxHTField0>
+    <PublishingPageContent xmlns="http://schemas.microsoft.com/sharepoint/v3" xsi:nil="true"/>
+    <fe32998799ba48dcafc127a14edc00fb xmlns="4e240d41-6d38-4eac-9584-b3f543b50010">
+      <Terms xmlns="http://schemas.microsoft.com/office/infopath/2007/PartnerControls"/>
+    </fe32998799ba48dcafc127a14edc00fb>
+    <RegionTaxHTField0 xmlns="4e240d41-6d38-4eac-9584-b3f543b50010">
+      <Terms xmlns="http://schemas.microsoft.com/office/infopath/2007/PartnerControls">
+        <TermInfo xmlns="http://schemas.microsoft.com/office/infopath/2007/PartnerControls">
+          <TermName xmlns="http://schemas.microsoft.com/office/infopath/2007/PartnerControls">China</TermName>
+          <TermId xmlns="http://schemas.microsoft.com/office/infopath/2007/PartnerControls">0f275d9d-9fcb-4bdb-9fdc-f425e5d35066</TermId>
+        </TermInfo>
+      </Terms>
+    </RegionTaxHTField0>
+    <GroupsTaxHTField0 xmlns="4e240d41-6d38-4eac-9584-b3f543b50010">
+      <Terms xmlns="http://schemas.microsoft.com/office/infopath/2007/PartnerControls">
+        <TermInfo xmlns="http://schemas.microsoft.com/office/infopath/2007/PartnerControls">
+          <TermName xmlns="http://schemas.microsoft.com/office/infopath/2007/PartnerControls">Microsoft Azure Marketing</TermName>
+          <TermId xmlns="http://schemas.microsoft.com/office/infopath/2007/PartnerControls">0958c357-5252-473f-8b4e-42f27525a99d</TermId>
+        </TermInfo>
+        <TermInfo xmlns="http://schemas.microsoft.com/office/infopath/2007/PartnerControls">
+          <TermName xmlns="http://schemas.microsoft.com/office/infopath/2007/PartnerControls">SMSG Readiness</TermName>
+          <TermId xmlns="http://schemas.microsoft.com/office/infopath/2007/PartnerControls">c6595b84-b463-470a-bb46-2a47364645be</TermId>
+        </TermInfo>
+        <TermInfo xmlns="http://schemas.microsoft.com/office/infopath/2007/PartnerControls">
+          <TermName xmlns="http://schemas.microsoft.com/office/infopath/2007/PartnerControls">Cloud and Enterprise Marketing Group</TermName>
+          <TermId xmlns="http://schemas.microsoft.com/office/infopath/2007/PartnerControls">4f75e184-e5aa-4234-a07f-b032d60df254</TermId>
+        </TermInfo>
+      </Terms>
+    </GroupsTaxHTField0>
+    <CoOwner xmlns="4e240d41-6d38-4eac-9584-b3f543b50010">
+      <UserInfo>
+        <DisplayName>i:0#.w|redmond\v-brisch</DisplayName>
+        <AccountId>39</AccountId>
+        <AccountType/>
+      </UserInfo>
+      <UserInfo>
+        <DisplayName>i:0#.w|redmond\meeryan</DisplayName>
+        <AccountId>44027</AccountId>
+        <AccountType/>
+      </UserInfo>
+      <UserInfo>
+        <DisplayName>i:0#.w|fareast\v-hesehg</DisplayName>
+        <AccountId>143284</AccountId>
+        <AccountType/>
+      </UserInfo>
+      <UserInfo>
+        <DisplayName>i:0#.w|redmond\chrisper</DisplayName>
+        <AccountId>38059</AccountId>
+        <AccountType/>
+      </UserInfo>
+      <UserInfo>
+        <DisplayName>i:0#.w|redmond\anushar</DisplayName>
+        <AccountId>22194</AccountId>
+        <AccountType/>
+      </UserInfo>
+      <UserInfo>
+        <DisplayName>i:0#.w|redmond\v-anmarv</DisplayName>
+        <AccountId>211331</AccountId>
+        <AccountType/>
+      </UserInfo>
+    </CoOwner>
+    <LanguagesTaxHTField0 xmlns="4e240d41-6d38-4eac-9584-b3f543b50010">
+      <Terms xmlns="http://schemas.microsoft.com/office/infopath/2007/PartnerControls">
+        <TermInfo xmlns="http://schemas.microsoft.com/office/infopath/2007/PartnerControls">
+          <TermName xmlns="http://schemas.microsoft.com/office/infopath/2007/PartnerControls">English</TermName>
+          <TermId xmlns="http://schemas.microsoft.com/office/infopath/2007/PartnerControls">cb91f272-ce4d-4a7e-9bbf-78b58e3d188d</TermId>
+        </TermInfo>
+      </Terms>
+    </LanguagesTaxHTField0>
+    <BusinessArchitectureTaxHTField0 xmlns="4e240d41-6d38-4eac-9584-b3f543b50010">
+      <Terms xmlns="http://schemas.microsoft.com/office/infopath/2007/PartnerControls">
+        <TermInfo xmlns="http://schemas.microsoft.com/office/infopath/2007/PartnerControls">
+          <TermName xmlns="http://schemas.microsoft.com/office/infopath/2007/PartnerControls">Cloud Platform (sales theme)</TermName>
+          <TermId xmlns="http://schemas.microsoft.com/office/infopath/2007/PartnerControls">ec248454-62d9-485e-995d-0cfad61f7f4c</TermId>
+        </TermInfo>
+      </Terms>
+    </BusinessArchitectureTaxHTField0>
+    <PartnersTaxHTField0 xmlns="4e240d41-6d38-4eac-9584-b3f543b50010">
+      <Terms xmlns="http://schemas.microsoft.com/office/infopath/2007/PartnerControls"/>
+    </PartnersTaxHTField0>
+    <ActivitiesAndProgramsTaxHTField0 xmlns="4e240d41-6d38-4eac-9584-b3f543b50010">
+      <Terms xmlns="http://schemas.microsoft.com/office/infopath/2007/PartnerControls">
+        <TermInfo xmlns="http://schemas.microsoft.com/office/infopath/2007/PartnerControls">
+          <TermName xmlns="http://schemas.microsoft.com/office/infopath/2007/PartnerControls">Executive Briefing Center</TermName>
+          <TermId xmlns="http://schemas.microsoft.com/office/infopath/2007/PartnerControls">f6f45d27-6c93-466a-8cd5-2846af886eb9</TermId>
+        </TermInfo>
+        <TermInfo xmlns="http://schemas.microsoft.com/office/infopath/2007/PartnerControls">
+          <TermName xmlns="http://schemas.microsoft.com/office/infopath/2007/PartnerControls">Worldwide Inside Sales Readiness</TermName>
+          <TermId xmlns="http://schemas.microsoft.com/office/infopath/2007/PartnerControls">3a4e01ea-907e-4f11-9b1b-2424e207e8d1</TermId>
+        </TermInfo>
+      </Terms>
+    </ActivitiesAndProgramsTaxHTField0>
+    <ApplyWorkflowRules xmlns="4e240d41-6d38-4eac-9584-b3f543b50010">Yes</ApplyWorkflowRules>
+    <TaxCatchAll xmlns="230e9df3-be65-4c73-a93b-d1236ebd677e">
+      <Value>20682</Value>
+      <Value>18422</Value>
+      <Value>13833</Value>
+      <Value>10205</Value>
+      <Value>10056</Value>
+      <Value>13755</Value>
+      <Value>20050</Value>
+      <Value>10052</Value>
+      <Value>18906</Value>
+      <Value>20557</Value>
+      <Value>21</Value>
+      <Value>14856</Value>
+      <Value>12938</Value>
+      <Value>18442</Value>
+      <Value>19685</Value>
+      <Value>10077</Value>
+      <Value>20954</Value>
+      <Value>17845</Value>
+      <Value>20730</Value>
+      <Value>19399</Value>
+      <Value>10849</Value>
+      <Value>10921</Value>
+      <Value>15579</Value>
+      <Value>17058</Value>
+      <Value>13172</Value>
+    </TaxCatchAll>
+  </documentManagement>
+</p:properties>
+</file>
+
 <file path=customXml/itemProps1.xml><?xml version="1.0" encoding="utf-8"?>
-<ds:datastoreItem xmlns:ds="http://schemas.openxmlformats.org/officeDocument/2006/customXml" ds:itemID="{C12AFFCC-E1DC-4673-B786-3C88E30A3D8E}">
+<ds:datastoreItem xmlns:ds="http://schemas.openxmlformats.org/officeDocument/2006/customXml" ds:itemID="{637CE760-3C25-48EA-9D92-DCD8CAA51C39}">
   <ds:schemaRefs>
-    <ds:schemaRef ds:uri="Microsoft.SharePoint.Taxonomy.ContentTypeSync"/>
+    <ds:schemaRef ds:uri="http://schemas.microsoft.com/sharepoint/v3/contenttype/forms"/>
   </ds:schemaRefs>
 </ds:datastoreItem>
 </file>
@@ -43311,34 +42717,14 @@
 </file>
 
 <file path=customXml/itemProps3.xml><?xml version="1.0" encoding="utf-8"?>
-<ds:datastoreItem xmlns:ds="http://schemas.openxmlformats.org/officeDocument/2006/customXml" ds:itemID="{637CE760-3C25-48EA-9D92-DCD8CAA51C39}">
+<ds:datastoreItem xmlns:ds="http://schemas.openxmlformats.org/officeDocument/2006/customXml" ds:itemID="{C12AFFCC-E1DC-4673-B786-3C88E30A3D8E}">
   <ds:schemaRefs>
-    <ds:schemaRef ds:uri="http://schemas.microsoft.com/sharepoint/v3/contenttype/forms"/>
+    <ds:schemaRef ds:uri="Microsoft.SharePoint.Taxonomy.ContentTypeSync"/>
   </ds:schemaRefs>
 </ds:datastoreItem>
 </file>
 
 <file path=customXml/itemProps4.xml><?xml version="1.0" encoding="utf-8"?>
-<ds:datastoreItem xmlns:ds="http://schemas.openxmlformats.org/officeDocument/2006/customXml" ds:itemID="{14D87765-BD76-43B8-A7B8-9DBD5B7B4763}">
-  <ds:schemaRefs>
-    <ds:schemaRef ds:uri="230e9df3-be65-4c73-a93b-d1236ebd677e"/>
-    <ds:schemaRef ds:uri="http://purl.org/dc/elements/1.1/"/>
-    <ds:schemaRef ds:uri="http://schemas.microsoft.com/office/2006/metadata/properties"/>
-    <ds:schemaRef ds:uri="7b813d5f-7206-4d46-95a5-a58185f478af"/>
-    <ds:schemaRef ds:uri="http://schemas.microsoft.com/office/infopath/2007/PartnerControls"/>
-    <ds:schemaRef ds:uri="http://purl.org/dc/terms/"/>
-    <ds:schemaRef ds:uri="4e240d41-6d38-4eac-9584-b3f543b50010"/>
-    <ds:schemaRef ds:uri="http://schemas.openxmlformats.org/package/2006/metadata/core-properties"/>
-    <ds:schemaRef ds:uri="http://schemas.microsoft.com/office/2006/documentManagement/types"/>
-    <ds:schemaRef ds:uri="http://schemas.microsoft.com/sharepoint/v4"/>
-    <ds:schemaRef ds:uri="http://schemas.microsoft.com/sharepoint/v3"/>
-    <ds:schemaRef ds:uri="http://www.w3.org/XML/1998/namespace"/>
-    <ds:schemaRef ds:uri="http://purl.org/dc/dcmitype/"/>
-  </ds:schemaRefs>
-</ds:datastoreItem>
-</file>
-
-<file path=customXml/itemProps5.xml><?xml version="1.0" encoding="utf-8"?>
 <ds:datastoreItem xmlns:ds="http://schemas.openxmlformats.org/officeDocument/2006/customXml" ds:itemID="{C11CD21E-5B4D-41AA-8CC9-0207EAA9F12F}">
   <ds:schemaRefs>
     <ds:schemaRef ds:uri="http://schemas.microsoft.com/office/2006/metadata/contentType"/>
@@ -43358,4 +42744,24 @@
     <ds:schemaRef ds:uri="http://schemas.microsoft.com/internal/obd"/>
   </ds:schemaRefs>
 </ds:datastoreItem>
+</file>
+
+<file path=customXml/itemProps5.xml><?xml version="1.0" encoding="utf-8"?>
+<ds:datastoreItem xmlns:ds="http://schemas.openxmlformats.org/officeDocument/2006/customXml" ds:itemID="{14D87765-BD76-43B8-A7B8-9DBD5B7B4763}">
+  <ds:schemaRefs>
+    <ds:schemaRef ds:uri="230e9df3-be65-4c73-a93b-d1236ebd677e"/>
+    <ds:schemaRef ds:uri="http://purl.org/dc/elements/1.1/"/>
+    <ds:schemaRef ds:uri="http://schemas.microsoft.com/office/2006/metadata/properties"/>
+    <ds:schemaRef ds:uri="7b813d5f-7206-4d46-95a5-a58185f478af"/>
+    <ds:schemaRef ds:uri="http://schemas.microsoft.com/office/infopath/2007/PartnerControls"/>
+    <ds:schemaRef ds:uri="http://purl.org/dc/terms/"/>
+    <ds:schemaRef ds:uri="4e240d41-6d38-4eac-9584-b3f543b50010"/>
+    <ds:schemaRef ds:uri="http://schemas.openxmlformats.org/package/2006/metadata/core-properties"/>
+    <ds:schemaRef ds:uri="http://schemas.microsoft.com/office/2006/documentManagement/types"/>
+    <ds:schemaRef ds:uri="http://schemas.microsoft.com/sharepoint/v4"/>
+    <ds:schemaRef ds:uri="http://schemas.microsoft.com/sharepoint/v3"/>
+    <ds:schemaRef ds:uri="http://www.w3.org/XML/1998/namespace"/>
+    <ds:schemaRef ds:uri="http://purl.org/dc/dcmitype/"/>
+  </ds:schemaRefs>
+</ds:datastoreItem>
 </file>